--- a/03-competitive-market/slides-market.pptx
+++ b/03-competitive-market/slides-market.pptx
@@ -8,24 +8,23 @@
     <p:sldMasterId id="2147483684" r:id="rId4"/>
   </p:sldMasterIdLst>
   <p:notesMasterIdLst>
-    <p:notesMasterId r:id="rId17"/>
+    <p:notesMasterId r:id="rId16"/>
   </p:notesMasterIdLst>
   <p:handoutMasterIdLst>
-    <p:handoutMasterId r:id="rId18"/>
+    <p:handoutMasterId r:id="rId17"/>
   </p:handoutMasterIdLst>
   <p:sldIdLst>
     <p:sldId id="256" r:id="rId5"/>
-    <p:sldId id="257" r:id="rId6"/>
-    <p:sldId id="258" r:id="rId7"/>
-    <p:sldId id="259" r:id="rId8"/>
-    <p:sldId id="296" r:id="rId9"/>
-    <p:sldId id="297" r:id="rId10"/>
-    <p:sldId id="298" r:id="rId11"/>
-    <p:sldId id="299" r:id="rId12"/>
-    <p:sldId id="300" r:id="rId13"/>
-    <p:sldId id="301" r:id="rId14"/>
-    <p:sldId id="302" r:id="rId15"/>
-    <p:sldId id="303" r:id="rId16"/>
+    <p:sldId id="258" r:id="rId6"/>
+    <p:sldId id="259" r:id="rId7"/>
+    <p:sldId id="296" r:id="rId8"/>
+    <p:sldId id="297" r:id="rId9"/>
+    <p:sldId id="298" r:id="rId10"/>
+    <p:sldId id="299" r:id="rId11"/>
+    <p:sldId id="300" r:id="rId12"/>
+    <p:sldId id="301" r:id="rId13"/>
+    <p:sldId id="302" r:id="rId14"/>
+    <p:sldId id="303" r:id="rId15"/>
   </p:sldIdLst>
   <p:sldSz cx="10080625" cy="7559675"/>
   <p:notesSz cx="7772400" cy="10058400"/>
@@ -876,6 +875,1163 @@
         <p:cNvPr id="1" name="">
           <a:extLst>
             <a:ext uri="{FF2B5EF4-FFF2-40B4-BE49-F238E27FC236}">
+              <a16:creationId xmlns:a16="http://schemas.microsoft.com/office/drawing/2014/main" id="{14C92714-EDA9-C305-1889-828E5AAAF041}"/>
+            </a:ext>
+          </a:extLst>
+        </p:cNvPr>
+        <p:cNvGrpSpPr/>
+        <p:nvPr/>
+      </p:nvGrpSpPr>
+      <p:grpSpPr>
+        <a:xfrm>
+          <a:off x="0" y="0"/>
+          <a:ext cx="0" cy="0"/>
+          <a:chOff x="0" y="0"/>
+          <a:chExt cx="0" cy="0"/>
+        </a:xfrm>
+      </p:grpSpPr>
+      <p:sp>
+        <p:nvSpPr>
+          <p:cNvPr id="7" name="Slide Number Placeholder 6">
+            <a:extLst>
+              <a:ext uri="{FF2B5EF4-FFF2-40B4-BE49-F238E27FC236}">
+                <a16:creationId xmlns:a16="http://schemas.microsoft.com/office/drawing/2014/main" id="{FCA0C20F-DF70-D242-EEF8-238C93F431E7}"/>
+              </a:ext>
+            </a:extLst>
+          </p:cNvPr>
+          <p:cNvSpPr txBox="1">
+            <a:spLocks noGrp="1"/>
+          </p:cNvSpPr>
+          <p:nvPr>
+            <p:ph type="sldNum" sz="quarter" idx="5"/>
+          </p:nvPr>
+        </p:nvSpPr>
+        <p:spPr>
+          <a:ln/>
+        </p:spPr>
+        <p:txBody>
+          <a:bodyPr vert="horz" lIns="0" tIns="0" rIns="0" bIns="0" anchor="b" anchorCtr="0">
+            <a:noAutofit/>
+          </a:bodyPr>
+          <a:lstStyle/>
+          <a:p>
+            <a:pPr lvl="0"/>
+            <a:fld id="{718C3242-5655-4775-AEA5-0476A7203C26}" type="slidenum">
+              <a:t>10</a:t>
+            </a:fld>
+            <a:endParaRPr lang="en-US"/>
+          </a:p>
+        </p:txBody>
+      </p:sp>
+      <p:sp>
+        <p:nvSpPr>
+          <p:cNvPr id="2" name="Slide Image Placeholder 1">
+            <a:extLst>
+              <a:ext uri="{FF2B5EF4-FFF2-40B4-BE49-F238E27FC236}">
+                <a16:creationId xmlns:a16="http://schemas.microsoft.com/office/drawing/2014/main" id="{7B475400-5F25-AD38-0FB8-73E30C489D09}"/>
+              </a:ext>
+            </a:extLst>
+          </p:cNvPr>
+          <p:cNvSpPr>
+            <a:spLocks noGrp="1" noRot="1" noChangeAspect="1" noResize="1"/>
+          </p:cNvSpPr>
+          <p:nvPr>
+            <p:ph type="sldImg"/>
+          </p:nvPr>
+        </p:nvSpPr>
+        <p:spPr>
+          <a:xfrm>
+            <a:off x="1370013" y="763588"/>
+            <a:ext cx="5030787" cy="3771900"/>
+          </a:xfrm>
+          <a:solidFill>
+            <a:srgbClr val="729FCF"/>
+          </a:solidFill>
+          <a:ln w="25400">
+            <a:solidFill>
+              <a:srgbClr val="3465A4"/>
+            </a:solidFill>
+            <a:prstDash val="solid"/>
+          </a:ln>
+        </p:spPr>
+      </p:sp>
+      <p:sp>
+        <p:nvSpPr>
+          <p:cNvPr id="3" name="Notes Placeholder 2">
+            <a:extLst>
+              <a:ext uri="{FF2B5EF4-FFF2-40B4-BE49-F238E27FC236}">
+                <a16:creationId xmlns:a16="http://schemas.microsoft.com/office/drawing/2014/main" id="{79912296-88B0-5E60-4C33-76D98DBDBEE6}"/>
+              </a:ext>
+            </a:extLst>
+          </p:cNvPr>
+          <p:cNvSpPr txBox="1">
+            <a:spLocks noGrp="1"/>
+          </p:cNvSpPr>
+          <p:nvPr>
+            <p:ph type="body" sz="quarter" idx="1"/>
+          </p:nvPr>
+        </p:nvSpPr>
+        <p:spPr>
+          <a:xfrm>
+            <a:off x="777239" y="4777560"/>
+            <a:ext cx="6217560" cy="4525920"/>
+          </a:xfrm>
+        </p:spPr>
+        <p:txBody>
+          <a:bodyPr vert="horz"/>
+          <a:lstStyle/>
+          <a:p>
+            <a:endParaRPr lang="en-US"/>
+          </a:p>
+        </p:txBody>
+      </p:sp>
+    </p:spTree>
+    <p:extLst>
+      <p:ext uri="{BB962C8B-B14F-4D97-AF65-F5344CB8AC3E}">
+        <p14:creationId xmlns:p14="http://schemas.microsoft.com/office/powerpoint/2010/main" val="3757723694"/>
+      </p:ext>
+    </p:extLst>
+  </p:cSld>
+  <p:clrMapOvr>
+    <a:masterClrMapping/>
+  </p:clrMapOvr>
+</p:notes>
+</file>
+
+<file path=ppt/notesSlides/notesSlide11.xml><?xml version="1.0" encoding="utf-8"?>
+<p:notes xmlns:a="http://schemas.openxmlformats.org/drawingml/2006/main" xmlns:r="http://schemas.openxmlformats.org/officeDocument/2006/relationships" xmlns:p="http://schemas.openxmlformats.org/presentationml/2006/main">
+  <p:cSld>
+    <p:spTree>
+      <p:nvGrpSpPr>
+        <p:cNvPr id="1" name="">
+          <a:extLst>
+            <a:ext uri="{FF2B5EF4-FFF2-40B4-BE49-F238E27FC236}">
+              <a16:creationId xmlns:a16="http://schemas.microsoft.com/office/drawing/2014/main" id="{93FF5064-33B6-4752-8330-0B505BB262C0}"/>
+            </a:ext>
+          </a:extLst>
+        </p:cNvPr>
+        <p:cNvGrpSpPr/>
+        <p:nvPr/>
+      </p:nvGrpSpPr>
+      <p:grpSpPr>
+        <a:xfrm>
+          <a:off x="0" y="0"/>
+          <a:ext cx="0" cy="0"/>
+          <a:chOff x="0" y="0"/>
+          <a:chExt cx="0" cy="0"/>
+        </a:xfrm>
+      </p:grpSpPr>
+      <p:sp>
+        <p:nvSpPr>
+          <p:cNvPr id="7" name="Slide Number Placeholder 6">
+            <a:extLst>
+              <a:ext uri="{FF2B5EF4-FFF2-40B4-BE49-F238E27FC236}">
+                <a16:creationId xmlns:a16="http://schemas.microsoft.com/office/drawing/2014/main" id="{D82E2972-48DB-D6B5-5FA5-35F2A876D523}"/>
+              </a:ext>
+            </a:extLst>
+          </p:cNvPr>
+          <p:cNvSpPr txBox="1">
+            <a:spLocks noGrp="1"/>
+          </p:cNvSpPr>
+          <p:nvPr>
+            <p:ph type="sldNum" sz="quarter" idx="5"/>
+          </p:nvPr>
+        </p:nvSpPr>
+        <p:spPr>
+          <a:ln/>
+        </p:spPr>
+        <p:txBody>
+          <a:bodyPr vert="horz" lIns="0" tIns="0" rIns="0" bIns="0" anchor="b" anchorCtr="0">
+            <a:noAutofit/>
+          </a:bodyPr>
+          <a:lstStyle/>
+          <a:p>
+            <a:pPr lvl="0"/>
+            <a:fld id="{718C3242-5655-4775-AEA5-0476A7203C26}" type="slidenum">
+              <a:t>11</a:t>
+            </a:fld>
+            <a:endParaRPr lang="en-US"/>
+          </a:p>
+        </p:txBody>
+      </p:sp>
+      <p:sp>
+        <p:nvSpPr>
+          <p:cNvPr id="2" name="Slide Image Placeholder 1">
+            <a:extLst>
+              <a:ext uri="{FF2B5EF4-FFF2-40B4-BE49-F238E27FC236}">
+                <a16:creationId xmlns:a16="http://schemas.microsoft.com/office/drawing/2014/main" id="{CF7D8AF3-886F-3AFE-93DE-C107B85EBB29}"/>
+              </a:ext>
+            </a:extLst>
+          </p:cNvPr>
+          <p:cNvSpPr>
+            <a:spLocks noGrp="1" noRot="1" noChangeAspect="1" noResize="1"/>
+          </p:cNvSpPr>
+          <p:nvPr>
+            <p:ph type="sldImg"/>
+          </p:nvPr>
+        </p:nvSpPr>
+        <p:spPr>
+          <a:xfrm>
+            <a:off x="1370013" y="763588"/>
+            <a:ext cx="5030787" cy="3771900"/>
+          </a:xfrm>
+          <a:solidFill>
+            <a:srgbClr val="729FCF"/>
+          </a:solidFill>
+          <a:ln w="25400">
+            <a:solidFill>
+              <a:srgbClr val="3465A4"/>
+            </a:solidFill>
+            <a:prstDash val="solid"/>
+          </a:ln>
+        </p:spPr>
+      </p:sp>
+      <p:sp>
+        <p:nvSpPr>
+          <p:cNvPr id="3" name="Notes Placeholder 2">
+            <a:extLst>
+              <a:ext uri="{FF2B5EF4-FFF2-40B4-BE49-F238E27FC236}">
+                <a16:creationId xmlns:a16="http://schemas.microsoft.com/office/drawing/2014/main" id="{63179FE0-3353-7435-6EBD-61E03DF0348D}"/>
+              </a:ext>
+            </a:extLst>
+          </p:cNvPr>
+          <p:cNvSpPr txBox="1">
+            <a:spLocks noGrp="1"/>
+          </p:cNvSpPr>
+          <p:nvPr>
+            <p:ph type="body" sz="quarter" idx="1"/>
+          </p:nvPr>
+        </p:nvSpPr>
+        <p:spPr>
+          <a:xfrm>
+            <a:off x="777239" y="4777560"/>
+            <a:ext cx="6217560" cy="4525920"/>
+          </a:xfrm>
+        </p:spPr>
+        <p:txBody>
+          <a:bodyPr vert="horz"/>
+          <a:lstStyle/>
+          <a:p>
+            <a:endParaRPr lang="en-US"/>
+          </a:p>
+        </p:txBody>
+      </p:sp>
+    </p:spTree>
+    <p:extLst>
+      <p:ext uri="{BB962C8B-B14F-4D97-AF65-F5344CB8AC3E}">
+        <p14:creationId xmlns:p14="http://schemas.microsoft.com/office/powerpoint/2010/main" val="1071363989"/>
+      </p:ext>
+    </p:extLst>
+  </p:cSld>
+  <p:clrMapOvr>
+    <a:masterClrMapping/>
+  </p:clrMapOvr>
+</p:notes>
+</file>
+
+<file path=ppt/notesSlides/notesSlide2.xml><?xml version="1.0" encoding="utf-8"?>
+<p:notes xmlns:a="http://schemas.openxmlformats.org/drawingml/2006/main" xmlns:r="http://schemas.openxmlformats.org/officeDocument/2006/relationships" xmlns:p="http://schemas.openxmlformats.org/presentationml/2006/main">
+  <p:cSld>
+    <p:spTree>
+      <p:nvGrpSpPr>
+        <p:cNvPr id="1" name=""/>
+        <p:cNvGrpSpPr/>
+        <p:nvPr/>
+      </p:nvGrpSpPr>
+      <p:grpSpPr>
+        <a:xfrm>
+          <a:off x="0" y="0"/>
+          <a:ext cx="0" cy="0"/>
+          <a:chOff x="0" y="0"/>
+          <a:chExt cx="0" cy="0"/>
+        </a:xfrm>
+      </p:grpSpPr>
+      <p:sp>
+        <p:nvSpPr>
+          <p:cNvPr id="7" name="Slide Number Placeholder 6">
+            <a:extLst>
+              <a:ext uri="{FF2B5EF4-FFF2-40B4-BE49-F238E27FC236}">
+                <a16:creationId xmlns:a16="http://schemas.microsoft.com/office/drawing/2014/main" id="{3D67A9F7-34DD-47D2-0FCF-050BFC80186C}"/>
+              </a:ext>
+            </a:extLst>
+          </p:cNvPr>
+          <p:cNvSpPr txBox="1">
+            <a:spLocks noGrp="1"/>
+          </p:cNvSpPr>
+          <p:nvPr>
+            <p:ph type="sldNum" sz="quarter" idx="5"/>
+          </p:nvPr>
+        </p:nvSpPr>
+        <p:spPr>
+          <a:ln/>
+        </p:spPr>
+        <p:txBody>
+          <a:bodyPr vert="horz" lIns="0" tIns="0" rIns="0" bIns="0" anchor="b" anchorCtr="0">
+            <a:noAutofit/>
+          </a:bodyPr>
+          <a:lstStyle/>
+          <a:p>
+            <a:pPr lvl="0"/>
+            <a:fld id="{99E5F690-897A-4239-AE2D-58963BB2C8B9}" type="slidenum">
+              <a:t>2</a:t>
+            </a:fld>
+            <a:endParaRPr lang="en-US"/>
+          </a:p>
+        </p:txBody>
+      </p:sp>
+      <p:sp>
+        <p:nvSpPr>
+          <p:cNvPr id="2" name="Slide Image Placeholder 1">
+            <a:extLst>
+              <a:ext uri="{FF2B5EF4-FFF2-40B4-BE49-F238E27FC236}">
+                <a16:creationId xmlns:a16="http://schemas.microsoft.com/office/drawing/2014/main" id="{1CB6D3F5-271A-6046-3F2B-C974217203DE}"/>
+              </a:ext>
+            </a:extLst>
+          </p:cNvPr>
+          <p:cNvSpPr>
+            <a:spLocks noGrp="1" noRot="1" noChangeAspect="1" noResize="1"/>
+          </p:cNvSpPr>
+          <p:nvPr>
+            <p:ph type="sldImg"/>
+          </p:nvPr>
+        </p:nvSpPr>
+        <p:spPr>
+          <a:xfrm>
+            <a:off x="1370013" y="763588"/>
+            <a:ext cx="5030787" cy="3771900"/>
+          </a:xfrm>
+          <a:solidFill>
+            <a:srgbClr val="729FCF"/>
+          </a:solidFill>
+          <a:ln w="25400">
+            <a:solidFill>
+              <a:srgbClr val="3465A4"/>
+            </a:solidFill>
+            <a:prstDash val="solid"/>
+          </a:ln>
+        </p:spPr>
+      </p:sp>
+      <p:sp>
+        <p:nvSpPr>
+          <p:cNvPr id="3" name="Notes Placeholder 2">
+            <a:extLst>
+              <a:ext uri="{FF2B5EF4-FFF2-40B4-BE49-F238E27FC236}">
+                <a16:creationId xmlns:a16="http://schemas.microsoft.com/office/drawing/2014/main" id="{0B10D0D6-925C-2565-8BC1-2669010D919E}"/>
+              </a:ext>
+            </a:extLst>
+          </p:cNvPr>
+          <p:cNvSpPr txBox="1">
+            <a:spLocks noGrp="1"/>
+          </p:cNvSpPr>
+          <p:nvPr>
+            <p:ph type="body" sz="quarter" idx="1"/>
+          </p:nvPr>
+        </p:nvSpPr>
+        <p:spPr>
+          <a:xfrm>
+            <a:off x="777239" y="4777560"/>
+            <a:ext cx="6217560" cy="4525920"/>
+          </a:xfrm>
+        </p:spPr>
+        <p:txBody>
+          <a:bodyPr vert="horz"/>
+          <a:lstStyle/>
+          <a:p>
+            <a:endParaRPr lang="en-US"/>
+          </a:p>
+        </p:txBody>
+      </p:sp>
+    </p:spTree>
+  </p:cSld>
+  <p:clrMapOvr>
+    <a:masterClrMapping/>
+  </p:clrMapOvr>
+</p:notes>
+</file>
+
+<file path=ppt/notesSlides/notesSlide3.xml><?xml version="1.0" encoding="utf-8"?>
+<p:notes xmlns:a="http://schemas.openxmlformats.org/drawingml/2006/main" xmlns:r="http://schemas.openxmlformats.org/officeDocument/2006/relationships" xmlns:p="http://schemas.openxmlformats.org/presentationml/2006/main">
+  <p:cSld>
+    <p:spTree>
+      <p:nvGrpSpPr>
+        <p:cNvPr id="1" name=""/>
+        <p:cNvGrpSpPr/>
+        <p:nvPr/>
+      </p:nvGrpSpPr>
+      <p:grpSpPr>
+        <a:xfrm>
+          <a:off x="0" y="0"/>
+          <a:ext cx="0" cy="0"/>
+          <a:chOff x="0" y="0"/>
+          <a:chExt cx="0" cy="0"/>
+        </a:xfrm>
+      </p:grpSpPr>
+      <p:sp>
+        <p:nvSpPr>
+          <p:cNvPr id="7" name="Slide Number Placeholder 6">
+            <a:extLst>
+              <a:ext uri="{FF2B5EF4-FFF2-40B4-BE49-F238E27FC236}">
+                <a16:creationId xmlns:a16="http://schemas.microsoft.com/office/drawing/2014/main" id="{F68B0570-8658-E094-7972-21C1A61AB943}"/>
+              </a:ext>
+            </a:extLst>
+          </p:cNvPr>
+          <p:cNvSpPr txBox="1">
+            <a:spLocks noGrp="1"/>
+          </p:cNvSpPr>
+          <p:nvPr>
+            <p:ph type="sldNum" sz="quarter" idx="5"/>
+          </p:nvPr>
+        </p:nvSpPr>
+        <p:spPr>
+          <a:ln/>
+        </p:spPr>
+        <p:txBody>
+          <a:bodyPr vert="horz" lIns="0" tIns="0" rIns="0" bIns="0" anchor="b" anchorCtr="0">
+            <a:noAutofit/>
+          </a:bodyPr>
+          <a:lstStyle/>
+          <a:p>
+            <a:pPr lvl="0"/>
+            <a:fld id="{718C3242-5655-4775-AEA5-0476A7203C26}" type="slidenum">
+              <a:t>3</a:t>
+            </a:fld>
+            <a:endParaRPr lang="en-US"/>
+          </a:p>
+        </p:txBody>
+      </p:sp>
+      <p:sp>
+        <p:nvSpPr>
+          <p:cNvPr id="2" name="Slide Image Placeholder 1">
+            <a:extLst>
+              <a:ext uri="{FF2B5EF4-FFF2-40B4-BE49-F238E27FC236}">
+                <a16:creationId xmlns:a16="http://schemas.microsoft.com/office/drawing/2014/main" id="{928EEEFE-7D98-7196-FB29-973866CF5DD6}"/>
+              </a:ext>
+            </a:extLst>
+          </p:cNvPr>
+          <p:cNvSpPr>
+            <a:spLocks noGrp="1" noRot="1" noChangeAspect="1" noResize="1"/>
+          </p:cNvSpPr>
+          <p:nvPr>
+            <p:ph type="sldImg"/>
+          </p:nvPr>
+        </p:nvSpPr>
+        <p:spPr>
+          <a:xfrm>
+            <a:off x="1370013" y="763588"/>
+            <a:ext cx="5030787" cy="3771900"/>
+          </a:xfrm>
+          <a:solidFill>
+            <a:srgbClr val="729FCF"/>
+          </a:solidFill>
+          <a:ln w="25400">
+            <a:solidFill>
+              <a:srgbClr val="3465A4"/>
+            </a:solidFill>
+            <a:prstDash val="solid"/>
+          </a:ln>
+        </p:spPr>
+      </p:sp>
+      <p:sp>
+        <p:nvSpPr>
+          <p:cNvPr id="3" name="Notes Placeholder 2">
+            <a:extLst>
+              <a:ext uri="{FF2B5EF4-FFF2-40B4-BE49-F238E27FC236}">
+                <a16:creationId xmlns:a16="http://schemas.microsoft.com/office/drawing/2014/main" id="{48D2DF3A-0FCC-271A-E1C7-89DB9A13F1A8}"/>
+              </a:ext>
+            </a:extLst>
+          </p:cNvPr>
+          <p:cNvSpPr txBox="1">
+            <a:spLocks noGrp="1"/>
+          </p:cNvSpPr>
+          <p:nvPr>
+            <p:ph type="body" sz="quarter" idx="1"/>
+          </p:nvPr>
+        </p:nvSpPr>
+        <p:spPr>
+          <a:xfrm>
+            <a:off x="777239" y="4777560"/>
+            <a:ext cx="6217560" cy="4525920"/>
+          </a:xfrm>
+        </p:spPr>
+        <p:txBody>
+          <a:bodyPr vert="horz"/>
+          <a:lstStyle/>
+          <a:p>
+            <a:endParaRPr lang="en-US"/>
+          </a:p>
+        </p:txBody>
+      </p:sp>
+    </p:spTree>
+  </p:cSld>
+  <p:clrMapOvr>
+    <a:masterClrMapping/>
+  </p:clrMapOvr>
+</p:notes>
+</file>
+
+<file path=ppt/notesSlides/notesSlide4.xml><?xml version="1.0" encoding="utf-8"?>
+<p:notes xmlns:a="http://schemas.openxmlformats.org/drawingml/2006/main" xmlns:r="http://schemas.openxmlformats.org/officeDocument/2006/relationships" xmlns:p="http://schemas.openxmlformats.org/presentationml/2006/main">
+  <p:cSld>
+    <p:spTree>
+      <p:nvGrpSpPr>
+        <p:cNvPr id="1" name="">
+          <a:extLst>
+            <a:ext uri="{FF2B5EF4-FFF2-40B4-BE49-F238E27FC236}">
+              <a16:creationId xmlns:a16="http://schemas.microsoft.com/office/drawing/2014/main" id="{4C7F96B1-5E45-9BC7-9275-7AEBC1F08BF3}"/>
+            </a:ext>
+          </a:extLst>
+        </p:cNvPr>
+        <p:cNvGrpSpPr/>
+        <p:nvPr/>
+      </p:nvGrpSpPr>
+      <p:grpSpPr>
+        <a:xfrm>
+          <a:off x="0" y="0"/>
+          <a:ext cx="0" cy="0"/>
+          <a:chOff x="0" y="0"/>
+          <a:chExt cx="0" cy="0"/>
+        </a:xfrm>
+      </p:grpSpPr>
+      <p:sp>
+        <p:nvSpPr>
+          <p:cNvPr id="7" name="Slide Number Placeholder 6">
+            <a:extLst>
+              <a:ext uri="{FF2B5EF4-FFF2-40B4-BE49-F238E27FC236}">
+                <a16:creationId xmlns:a16="http://schemas.microsoft.com/office/drawing/2014/main" id="{BDD3BEA8-7759-48CE-72A6-B93E73121A46}"/>
+              </a:ext>
+            </a:extLst>
+          </p:cNvPr>
+          <p:cNvSpPr txBox="1">
+            <a:spLocks noGrp="1"/>
+          </p:cNvSpPr>
+          <p:nvPr>
+            <p:ph type="sldNum" sz="quarter" idx="5"/>
+          </p:nvPr>
+        </p:nvSpPr>
+        <p:spPr>
+          <a:ln/>
+        </p:spPr>
+        <p:txBody>
+          <a:bodyPr vert="horz" lIns="0" tIns="0" rIns="0" bIns="0" anchor="b" anchorCtr="0">
+            <a:noAutofit/>
+          </a:bodyPr>
+          <a:lstStyle/>
+          <a:p>
+            <a:pPr lvl="0"/>
+            <a:fld id="{718C3242-5655-4775-AEA5-0476A7203C26}" type="slidenum">
+              <a:t>4</a:t>
+            </a:fld>
+            <a:endParaRPr lang="en-US"/>
+          </a:p>
+        </p:txBody>
+      </p:sp>
+      <p:sp>
+        <p:nvSpPr>
+          <p:cNvPr id="2" name="Slide Image Placeholder 1">
+            <a:extLst>
+              <a:ext uri="{FF2B5EF4-FFF2-40B4-BE49-F238E27FC236}">
+                <a16:creationId xmlns:a16="http://schemas.microsoft.com/office/drawing/2014/main" id="{97D24027-2D1F-CFC2-67C1-7F3C406287F8}"/>
+              </a:ext>
+            </a:extLst>
+          </p:cNvPr>
+          <p:cNvSpPr>
+            <a:spLocks noGrp="1" noRot="1" noChangeAspect="1" noResize="1"/>
+          </p:cNvSpPr>
+          <p:nvPr>
+            <p:ph type="sldImg"/>
+          </p:nvPr>
+        </p:nvSpPr>
+        <p:spPr>
+          <a:xfrm>
+            <a:off x="1370013" y="763588"/>
+            <a:ext cx="5030787" cy="3771900"/>
+          </a:xfrm>
+          <a:solidFill>
+            <a:srgbClr val="729FCF"/>
+          </a:solidFill>
+          <a:ln w="25400">
+            <a:solidFill>
+              <a:srgbClr val="3465A4"/>
+            </a:solidFill>
+            <a:prstDash val="solid"/>
+          </a:ln>
+        </p:spPr>
+      </p:sp>
+      <p:sp>
+        <p:nvSpPr>
+          <p:cNvPr id="3" name="Notes Placeholder 2">
+            <a:extLst>
+              <a:ext uri="{FF2B5EF4-FFF2-40B4-BE49-F238E27FC236}">
+                <a16:creationId xmlns:a16="http://schemas.microsoft.com/office/drawing/2014/main" id="{F79227FF-3DF3-7224-718C-63A9C9B12B89}"/>
+              </a:ext>
+            </a:extLst>
+          </p:cNvPr>
+          <p:cNvSpPr txBox="1">
+            <a:spLocks noGrp="1"/>
+          </p:cNvSpPr>
+          <p:nvPr>
+            <p:ph type="body" sz="quarter" idx="1"/>
+          </p:nvPr>
+        </p:nvSpPr>
+        <p:spPr>
+          <a:xfrm>
+            <a:off x="777239" y="4777560"/>
+            <a:ext cx="6217560" cy="4525920"/>
+          </a:xfrm>
+        </p:spPr>
+        <p:txBody>
+          <a:bodyPr vert="horz"/>
+          <a:lstStyle/>
+          <a:p>
+            <a:endParaRPr lang="en-US"/>
+          </a:p>
+        </p:txBody>
+      </p:sp>
+    </p:spTree>
+    <p:extLst>
+      <p:ext uri="{BB962C8B-B14F-4D97-AF65-F5344CB8AC3E}">
+        <p14:creationId xmlns:p14="http://schemas.microsoft.com/office/powerpoint/2010/main" val="761972676"/>
+      </p:ext>
+    </p:extLst>
+  </p:cSld>
+  <p:clrMapOvr>
+    <a:masterClrMapping/>
+  </p:clrMapOvr>
+</p:notes>
+</file>
+
+<file path=ppt/notesSlides/notesSlide5.xml><?xml version="1.0" encoding="utf-8"?>
+<p:notes xmlns:a="http://schemas.openxmlformats.org/drawingml/2006/main" xmlns:r="http://schemas.openxmlformats.org/officeDocument/2006/relationships" xmlns:p="http://schemas.openxmlformats.org/presentationml/2006/main">
+  <p:cSld>
+    <p:spTree>
+      <p:nvGrpSpPr>
+        <p:cNvPr id="1" name="">
+          <a:extLst>
+            <a:ext uri="{FF2B5EF4-FFF2-40B4-BE49-F238E27FC236}">
+              <a16:creationId xmlns:a16="http://schemas.microsoft.com/office/drawing/2014/main" id="{7106916F-67BA-5C46-37AE-DFCD6DC3D55D}"/>
+            </a:ext>
+          </a:extLst>
+        </p:cNvPr>
+        <p:cNvGrpSpPr/>
+        <p:nvPr/>
+      </p:nvGrpSpPr>
+      <p:grpSpPr>
+        <a:xfrm>
+          <a:off x="0" y="0"/>
+          <a:ext cx="0" cy="0"/>
+          <a:chOff x="0" y="0"/>
+          <a:chExt cx="0" cy="0"/>
+        </a:xfrm>
+      </p:grpSpPr>
+      <p:sp>
+        <p:nvSpPr>
+          <p:cNvPr id="7" name="Slide Number Placeholder 6">
+            <a:extLst>
+              <a:ext uri="{FF2B5EF4-FFF2-40B4-BE49-F238E27FC236}">
+                <a16:creationId xmlns:a16="http://schemas.microsoft.com/office/drawing/2014/main" id="{F66A8406-8541-EBA6-0729-3B2C1496B899}"/>
+              </a:ext>
+            </a:extLst>
+          </p:cNvPr>
+          <p:cNvSpPr txBox="1">
+            <a:spLocks noGrp="1"/>
+          </p:cNvSpPr>
+          <p:nvPr>
+            <p:ph type="sldNum" sz="quarter" idx="5"/>
+          </p:nvPr>
+        </p:nvSpPr>
+        <p:spPr>
+          <a:ln/>
+        </p:spPr>
+        <p:txBody>
+          <a:bodyPr vert="horz" lIns="0" tIns="0" rIns="0" bIns="0" anchor="b" anchorCtr="0">
+            <a:noAutofit/>
+          </a:bodyPr>
+          <a:lstStyle/>
+          <a:p>
+            <a:pPr lvl="0"/>
+            <a:fld id="{718C3242-5655-4775-AEA5-0476A7203C26}" type="slidenum">
+              <a:t>5</a:t>
+            </a:fld>
+            <a:endParaRPr lang="en-US"/>
+          </a:p>
+        </p:txBody>
+      </p:sp>
+      <p:sp>
+        <p:nvSpPr>
+          <p:cNvPr id="2" name="Slide Image Placeholder 1">
+            <a:extLst>
+              <a:ext uri="{FF2B5EF4-FFF2-40B4-BE49-F238E27FC236}">
+                <a16:creationId xmlns:a16="http://schemas.microsoft.com/office/drawing/2014/main" id="{BE8ABE46-269E-2089-78FA-84D63B26F17A}"/>
+              </a:ext>
+            </a:extLst>
+          </p:cNvPr>
+          <p:cNvSpPr>
+            <a:spLocks noGrp="1" noRot="1" noChangeAspect="1" noResize="1"/>
+          </p:cNvSpPr>
+          <p:nvPr>
+            <p:ph type="sldImg"/>
+          </p:nvPr>
+        </p:nvSpPr>
+        <p:spPr>
+          <a:xfrm>
+            <a:off x="1370013" y="763588"/>
+            <a:ext cx="5030787" cy="3771900"/>
+          </a:xfrm>
+          <a:solidFill>
+            <a:srgbClr val="729FCF"/>
+          </a:solidFill>
+          <a:ln w="25400">
+            <a:solidFill>
+              <a:srgbClr val="3465A4"/>
+            </a:solidFill>
+            <a:prstDash val="solid"/>
+          </a:ln>
+        </p:spPr>
+      </p:sp>
+      <p:sp>
+        <p:nvSpPr>
+          <p:cNvPr id="3" name="Notes Placeholder 2">
+            <a:extLst>
+              <a:ext uri="{FF2B5EF4-FFF2-40B4-BE49-F238E27FC236}">
+                <a16:creationId xmlns:a16="http://schemas.microsoft.com/office/drawing/2014/main" id="{C2A158CF-8B9C-4ED4-CDDE-FF99A025ADD3}"/>
+              </a:ext>
+            </a:extLst>
+          </p:cNvPr>
+          <p:cNvSpPr txBox="1">
+            <a:spLocks noGrp="1"/>
+          </p:cNvSpPr>
+          <p:nvPr>
+            <p:ph type="body" sz="quarter" idx="1"/>
+          </p:nvPr>
+        </p:nvSpPr>
+        <p:spPr>
+          <a:xfrm>
+            <a:off x="777239" y="4777560"/>
+            <a:ext cx="6217560" cy="4525920"/>
+          </a:xfrm>
+        </p:spPr>
+        <p:txBody>
+          <a:bodyPr vert="horz"/>
+          <a:lstStyle/>
+          <a:p>
+            <a:endParaRPr lang="en-US"/>
+          </a:p>
+        </p:txBody>
+      </p:sp>
+    </p:spTree>
+    <p:extLst>
+      <p:ext uri="{BB962C8B-B14F-4D97-AF65-F5344CB8AC3E}">
+        <p14:creationId xmlns:p14="http://schemas.microsoft.com/office/powerpoint/2010/main" val="406011923"/>
+      </p:ext>
+    </p:extLst>
+  </p:cSld>
+  <p:clrMapOvr>
+    <a:masterClrMapping/>
+  </p:clrMapOvr>
+</p:notes>
+</file>
+
+<file path=ppt/notesSlides/notesSlide6.xml><?xml version="1.0" encoding="utf-8"?>
+<p:notes xmlns:a="http://schemas.openxmlformats.org/drawingml/2006/main" xmlns:r="http://schemas.openxmlformats.org/officeDocument/2006/relationships" xmlns:p="http://schemas.openxmlformats.org/presentationml/2006/main">
+  <p:cSld>
+    <p:spTree>
+      <p:nvGrpSpPr>
+        <p:cNvPr id="1" name="">
+          <a:extLst>
+            <a:ext uri="{FF2B5EF4-FFF2-40B4-BE49-F238E27FC236}">
+              <a16:creationId xmlns:a16="http://schemas.microsoft.com/office/drawing/2014/main" id="{B43E8ED0-AB00-CA30-C59C-6657BDFDAF79}"/>
+            </a:ext>
+          </a:extLst>
+        </p:cNvPr>
+        <p:cNvGrpSpPr/>
+        <p:nvPr/>
+      </p:nvGrpSpPr>
+      <p:grpSpPr>
+        <a:xfrm>
+          <a:off x="0" y="0"/>
+          <a:ext cx="0" cy="0"/>
+          <a:chOff x="0" y="0"/>
+          <a:chExt cx="0" cy="0"/>
+        </a:xfrm>
+      </p:grpSpPr>
+      <p:sp>
+        <p:nvSpPr>
+          <p:cNvPr id="7" name="Slide Number Placeholder 6">
+            <a:extLst>
+              <a:ext uri="{FF2B5EF4-FFF2-40B4-BE49-F238E27FC236}">
+                <a16:creationId xmlns:a16="http://schemas.microsoft.com/office/drawing/2014/main" id="{D1A91B50-489A-907A-B30B-5B120D45D437}"/>
+              </a:ext>
+            </a:extLst>
+          </p:cNvPr>
+          <p:cNvSpPr txBox="1">
+            <a:spLocks noGrp="1"/>
+          </p:cNvSpPr>
+          <p:nvPr>
+            <p:ph type="sldNum" sz="quarter" idx="5"/>
+          </p:nvPr>
+        </p:nvSpPr>
+        <p:spPr>
+          <a:ln/>
+        </p:spPr>
+        <p:txBody>
+          <a:bodyPr vert="horz" lIns="0" tIns="0" rIns="0" bIns="0" anchor="b" anchorCtr="0">
+            <a:noAutofit/>
+          </a:bodyPr>
+          <a:lstStyle/>
+          <a:p>
+            <a:pPr lvl="0"/>
+            <a:fld id="{718C3242-5655-4775-AEA5-0476A7203C26}" type="slidenum">
+              <a:t>6</a:t>
+            </a:fld>
+            <a:endParaRPr lang="en-US"/>
+          </a:p>
+        </p:txBody>
+      </p:sp>
+      <p:sp>
+        <p:nvSpPr>
+          <p:cNvPr id="2" name="Slide Image Placeholder 1">
+            <a:extLst>
+              <a:ext uri="{FF2B5EF4-FFF2-40B4-BE49-F238E27FC236}">
+                <a16:creationId xmlns:a16="http://schemas.microsoft.com/office/drawing/2014/main" id="{83B17019-921F-3501-D0F9-0DDE146A1FB6}"/>
+              </a:ext>
+            </a:extLst>
+          </p:cNvPr>
+          <p:cNvSpPr>
+            <a:spLocks noGrp="1" noRot="1" noChangeAspect="1" noResize="1"/>
+          </p:cNvSpPr>
+          <p:nvPr>
+            <p:ph type="sldImg"/>
+          </p:nvPr>
+        </p:nvSpPr>
+        <p:spPr>
+          <a:xfrm>
+            <a:off x="1370013" y="763588"/>
+            <a:ext cx="5030787" cy="3771900"/>
+          </a:xfrm>
+          <a:solidFill>
+            <a:srgbClr val="729FCF"/>
+          </a:solidFill>
+          <a:ln w="25400">
+            <a:solidFill>
+              <a:srgbClr val="3465A4"/>
+            </a:solidFill>
+            <a:prstDash val="solid"/>
+          </a:ln>
+        </p:spPr>
+      </p:sp>
+      <p:sp>
+        <p:nvSpPr>
+          <p:cNvPr id="3" name="Notes Placeholder 2">
+            <a:extLst>
+              <a:ext uri="{FF2B5EF4-FFF2-40B4-BE49-F238E27FC236}">
+                <a16:creationId xmlns:a16="http://schemas.microsoft.com/office/drawing/2014/main" id="{A85D42FF-96C9-8C25-4C9A-F537A6002FA7}"/>
+              </a:ext>
+            </a:extLst>
+          </p:cNvPr>
+          <p:cNvSpPr txBox="1">
+            <a:spLocks noGrp="1"/>
+          </p:cNvSpPr>
+          <p:nvPr>
+            <p:ph type="body" sz="quarter" idx="1"/>
+          </p:nvPr>
+        </p:nvSpPr>
+        <p:spPr>
+          <a:xfrm>
+            <a:off x="777239" y="4777560"/>
+            <a:ext cx="6217560" cy="4525920"/>
+          </a:xfrm>
+        </p:spPr>
+        <p:txBody>
+          <a:bodyPr vert="horz"/>
+          <a:lstStyle/>
+          <a:p>
+            <a:endParaRPr lang="en-US"/>
+          </a:p>
+        </p:txBody>
+      </p:sp>
+    </p:spTree>
+    <p:extLst>
+      <p:ext uri="{BB962C8B-B14F-4D97-AF65-F5344CB8AC3E}">
+        <p14:creationId xmlns:p14="http://schemas.microsoft.com/office/powerpoint/2010/main" val="1452019093"/>
+      </p:ext>
+    </p:extLst>
+  </p:cSld>
+  <p:clrMapOvr>
+    <a:masterClrMapping/>
+  </p:clrMapOvr>
+</p:notes>
+</file>
+
+<file path=ppt/notesSlides/notesSlide7.xml><?xml version="1.0" encoding="utf-8"?>
+<p:notes xmlns:a="http://schemas.openxmlformats.org/drawingml/2006/main" xmlns:r="http://schemas.openxmlformats.org/officeDocument/2006/relationships" xmlns:p="http://schemas.openxmlformats.org/presentationml/2006/main">
+  <p:cSld>
+    <p:spTree>
+      <p:nvGrpSpPr>
+        <p:cNvPr id="1" name="">
+          <a:extLst>
+            <a:ext uri="{FF2B5EF4-FFF2-40B4-BE49-F238E27FC236}">
+              <a16:creationId xmlns:a16="http://schemas.microsoft.com/office/drawing/2014/main" id="{D4A89605-92DB-21BC-34D0-FFB0BB0F33E7}"/>
+            </a:ext>
+          </a:extLst>
+        </p:cNvPr>
+        <p:cNvGrpSpPr/>
+        <p:nvPr/>
+      </p:nvGrpSpPr>
+      <p:grpSpPr>
+        <a:xfrm>
+          <a:off x="0" y="0"/>
+          <a:ext cx="0" cy="0"/>
+          <a:chOff x="0" y="0"/>
+          <a:chExt cx="0" cy="0"/>
+        </a:xfrm>
+      </p:grpSpPr>
+      <p:sp>
+        <p:nvSpPr>
+          <p:cNvPr id="7" name="Slide Number Placeholder 6">
+            <a:extLst>
+              <a:ext uri="{FF2B5EF4-FFF2-40B4-BE49-F238E27FC236}">
+                <a16:creationId xmlns:a16="http://schemas.microsoft.com/office/drawing/2014/main" id="{5ED29847-4810-83BA-F7E2-CF4DBD9F54BE}"/>
+              </a:ext>
+            </a:extLst>
+          </p:cNvPr>
+          <p:cNvSpPr txBox="1">
+            <a:spLocks noGrp="1"/>
+          </p:cNvSpPr>
+          <p:nvPr>
+            <p:ph type="sldNum" sz="quarter" idx="5"/>
+          </p:nvPr>
+        </p:nvSpPr>
+        <p:spPr>
+          <a:ln/>
+        </p:spPr>
+        <p:txBody>
+          <a:bodyPr vert="horz" lIns="0" tIns="0" rIns="0" bIns="0" anchor="b" anchorCtr="0">
+            <a:noAutofit/>
+          </a:bodyPr>
+          <a:lstStyle/>
+          <a:p>
+            <a:pPr lvl="0"/>
+            <a:fld id="{718C3242-5655-4775-AEA5-0476A7203C26}" type="slidenum">
+              <a:t>7</a:t>
+            </a:fld>
+            <a:endParaRPr lang="en-US"/>
+          </a:p>
+        </p:txBody>
+      </p:sp>
+      <p:sp>
+        <p:nvSpPr>
+          <p:cNvPr id="2" name="Slide Image Placeholder 1">
+            <a:extLst>
+              <a:ext uri="{FF2B5EF4-FFF2-40B4-BE49-F238E27FC236}">
+                <a16:creationId xmlns:a16="http://schemas.microsoft.com/office/drawing/2014/main" id="{45930F4C-55DE-89F8-25B7-8EDB67A1E87B}"/>
+              </a:ext>
+            </a:extLst>
+          </p:cNvPr>
+          <p:cNvSpPr>
+            <a:spLocks noGrp="1" noRot="1" noChangeAspect="1" noResize="1"/>
+          </p:cNvSpPr>
+          <p:nvPr>
+            <p:ph type="sldImg"/>
+          </p:nvPr>
+        </p:nvSpPr>
+        <p:spPr>
+          <a:xfrm>
+            <a:off x="1370013" y="763588"/>
+            <a:ext cx="5030787" cy="3771900"/>
+          </a:xfrm>
+          <a:solidFill>
+            <a:srgbClr val="729FCF"/>
+          </a:solidFill>
+          <a:ln w="25400">
+            <a:solidFill>
+              <a:srgbClr val="3465A4"/>
+            </a:solidFill>
+            <a:prstDash val="solid"/>
+          </a:ln>
+        </p:spPr>
+      </p:sp>
+      <p:sp>
+        <p:nvSpPr>
+          <p:cNvPr id="3" name="Notes Placeholder 2">
+            <a:extLst>
+              <a:ext uri="{FF2B5EF4-FFF2-40B4-BE49-F238E27FC236}">
+                <a16:creationId xmlns:a16="http://schemas.microsoft.com/office/drawing/2014/main" id="{99690DB1-2713-E42A-CBAD-AE90F1414ACE}"/>
+              </a:ext>
+            </a:extLst>
+          </p:cNvPr>
+          <p:cNvSpPr txBox="1">
+            <a:spLocks noGrp="1"/>
+          </p:cNvSpPr>
+          <p:nvPr>
+            <p:ph type="body" sz="quarter" idx="1"/>
+          </p:nvPr>
+        </p:nvSpPr>
+        <p:spPr>
+          <a:xfrm>
+            <a:off x="777239" y="4777560"/>
+            <a:ext cx="6217560" cy="4525920"/>
+          </a:xfrm>
+        </p:spPr>
+        <p:txBody>
+          <a:bodyPr vert="horz"/>
+          <a:lstStyle/>
+          <a:p>
+            <a:endParaRPr lang="en-US"/>
+          </a:p>
+        </p:txBody>
+      </p:sp>
+    </p:spTree>
+    <p:extLst>
+      <p:ext uri="{BB962C8B-B14F-4D97-AF65-F5344CB8AC3E}">
+        <p14:creationId xmlns:p14="http://schemas.microsoft.com/office/powerpoint/2010/main" val="1818579294"/>
+      </p:ext>
+    </p:extLst>
+  </p:cSld>
+  <p:clrMapOvr>
+    <a:masterClrMapping/>
+  </p:clrMapOvr>
+</p:notes>
+</file>
+
+<file path=ppt/notesSlides/notesSlide8.xml><?xml version="1.0" encoding="utf-8"?>
+<p:notes xmlns:a="http://schemas.openxmlformats.org/drawingml/2006/main" xmlns:r="http://schemas.openxmlformats.org/officeDocument/2006/relationships" xmlns:p="http://schemas.openxmlformats.org/presentationml/2006/main">
+  <p:cSld>
+    <p:spTree>
+      <p:nvGrpSpPr>
+        <p:cNvPr id="1" name="">
+          <a:extLst>
+            <a:ext uri="{FF2B5EF4-FFF2-40B4-BE49-F238E27FC236}">
+              <a16:creationId xmlns:a16="http://schemas.microsoft.com/office/drawing/2014/main" id="{AFBFC71C-889E-1A33-7071-249D436708B0}"/>
+            </a:ext>
+          </a:extLst>
+        </p:cNvPr>
+        <p:cNvGrpSpPr/>
+        <p:nvPr/>
+      </p:nvGrpSpPr>
+      <p:grpSpPr>
+        <a:xfrm>
+          <a:off x="0" y="0"/>
+          <a:ext cx="0" cy="0"/>
+          <a:chOff x="0" y="0"/>
+          <a:chExt cx="0" cy="0"/>
+        </a:xfrm>
+      </p:grpSpPr>
+      <p:sp>
+        <p:nvSpPr>
+          <p:cNvPr id="7" name="Slide Number Placeholder 6">
+            <a:extLst>
+              <a:ext uri="{FF2B5EF4-FFF2-40B4-BE49-F238E27FC236}">
+                <a16:creationId xmlns:a16="http://schemas.microsoft.com/office/drawing/2014/main" id="{AAD690E5-FFFD-9890-6FEE-9B9F60DEB6F7}"/>
+              </a:ext>
+            </a:extLst>
+          </p:cNvPr>
+          <p:cNvSpPr txBox="1">
+            <a:spLocks noGrp="1"/>
+          </p:cNvSpPr>
+          <p:nvPr>
+            <p:ph type="sldNum" sz="quarter" idx="5"/>
+          </p:nvPr>
+        </p:nvSpPr>
+        <p:spPr>
+          <a:ln/>
+        </p:spPr>
+        <p:txBody>
+          <a:bodyPr vert="horz" lIns="0" tIns="0" rIns="0" bIns="0" anchor="b" anchorCtr="0">
+            <a:noAutofit/>
+          </a:bodyPr>
+          <a:lstStyle/>
+          <a:p>
+            <a:pPr lvl="0"/>
+            <a:fld id="{718C3242-5655-4775-AEA5-0476A7203C26}" type="slidenum">
+              <a:t>8</a:t>
+            </a:fld>
+            <a:endParaRPr lang="en-US"/>
+          </a:p>
+        </p:txBody>
+      </p:sp>
+      <p:sp>
+        <p:nvSpPr>
+          <p:cNvPr id="2" name="Slide Image Placeholder 1">
+            <a:extLst>
+              <a:ext uri="{FF2B5EF4-FFF2-40B4-BE49-F238E27FC236}">
+                <a16:creationId xmlns:a16="http://schemas.microsoft.com/office/drawing/2014/main" id="{F9226C5F-5F1F-6D3C-C1BF-34AF2B4E5ADA}"/>
+              </a:ext>
+            </a:extLst>
+          </p:cNvPr>
+          <p:cNvSpPr>
+            <a:spLocks noGrp="1" noRot="1" noChangeAspect="1" noResize="1"/>
+          </p:cNvSpPr>
+          <p:nvPr>
+            <p:ph type="sldImg"/>
+          </p:nvPr>
+        </p:nvSpPr>
+        <p:spPr>
+          <a:xfrm>
+            <a:off x="1370013" y="763588"/>
+            <a:ext cx="5030787" cy="3771900"/>
+          </a:xfrm>
+          <a:solidFill>
+            <a:srgbClr val="729FCF"/>
+          </a:solidFill>
+          <a:ln w="25400">
+            <a:solidFill>
+              <a:srgbClr val="3465A4"/>
+            </a:solidFill>
+            <a:prstDash val="solid"/>
+          </a:ln>
+        </p:spPr>
+      </p:sp>
+      <p:sp>
+        <p:nvSpPr>
+          <p:cNvPr id="3" name="Notes Placeholder 2">
+            <a:extLst>
+              <a:ext uri="{FF2B5EF4-FFF2-40B4-BE49-F238E27FC236}">
+                <a16:creationId xmlns:a16="http://schemas.microsoft.com/office/drawing/2014/main" id="{EF499EDB-1E22-8397-2F92-29E06671EBD5}"/>
+              </a:ext>
+            </a:extLst>
+          </p:cNvPr>
+          <p:cNvSpPr txBox="1">
+            <a:spLocks noGrp="1"/>
+          </p:cNvSpPr>
+          <p:nvPr>
+            <p:ph type="body" sz="quarter" idx="1"/>
+          </p:nvPr>
+        </p:nvSpPr>
+        <p:spPr>
+          <a:xfrm>
+            <a:off x="777239" y="4777560"/>
+            <a:ext cx="6217560" cy="4525920"/>
+          </a:xfrm>
+        </p:spPr>
+        <p:txBody>
+          <a:bodyPr vert="horz"/>
+          <a:lstStyle/>
+          <a:p>
+            <a:endParaRPr lang="en-US"/>
+          </a:p>
+        </p:txBody>
+      </p:sp>
+    </p:spTree>
+    <p:extLst>
+      <p:ext uri="{BB962C8B-B14F-4D97-AF65-F5344CB8AC3E}">
+        <p14:creationId xmlns:p14="http://schemas.microsoft.com/office/powerpoint/2010/main" val="4259312998"/>
+      </p:ext>
+    </p:extLst>
+  </p:cSld>
+  <p:clrMapOvr>
+    <a:masterClrMapping/>
+  </p:clrMapOvr>
+</p:notes>
+</file>
+
+<file path=ppt/notesSlides/notesSlide9.xml><?xml version="1.0" encoding="utf-8"?>
+<p:notes xmlns:a="http://schemas.openxmlformats.org/drawingml/2006/main" xmlns:r="http://schemas.openxmlformats.org/officeDocument/2006/relationships" xmlns:p="http://schemas.openxmlformats.org/presentationml/2006/main">
+  <p:cSld>
+    <p:spTree>
+      <p:nvGrpSpPr>
+        <p:cNvPr id="1" name="">
+          <a:extLst>
+            <a:ext uri="{FF2B5EF4-FFF2-40B4-BE49-F238E27FC236}">
               <a16:creationId xmlns:a16="http://schemas.microsoft.com/office/drawing/2014/main" id="{4362C4EA-BFF0-2B90-BBDB-44B3E5BF0BB4}"/>
             </a:ext>
           </a:extLst>
@@ -918,7 +2074,7 @@
           <a:p>
             <a:pPr lvl="0"/>
             <a:fld id="{718C3242-5655-4775-AEA5-0476A7203C26}" type="slidenum">
-              <a:t>10</a:t>
+              <a:t>9</a:t>
             </a:fld>
             <a:endParaRPr lang="en-US"/>
           </a:p>
@@ -990,1283 +2146,6 @@
     <p:extLst>
       <p:ext uri="{BB962C8B-B14F-4D97-AF65-F5344CB8AC3E}">
         <p14:creationId xmlns:p14="http://schemas.microsoft.com/office/powerpoint/2010/main" val="4287842457"/>
-      </p:ext>
-    </p:extLst>
-  </p:cSld>
-  <p:clrMapOvr>
-    <a:masterClrMapping/>
-  </p:clrMapOvr>
-</p:notes>
-</file>
-
-<file path=ppt/notesSlides/notesSlide11.xml><?xml version="1.0" encoding="utf-8"?>
-<p:notes xmlns:a="http://schemas.openxmlformats.org/drawingml/2006/main" xmlns:r="http://schemas.openxmlformats.org/officeDocument/2006/relationships" xmlns:p="http://schemas.openxmlformats.org/presentationml/2006/main">
-  <p:cSld>
-    <p:spTree>
-      <p:nvGrpSpPr>
-        <p:cNvPr id="1" name="">
-          <a:extLst>
-            <a:ext uri="{FF2B5EF4-FFF2-40B4-BE49-F238E27FC236}">
-              <a16:creationId xmlns:a16="http://schemas.microsoft.com/office/drawing/2014/main" id="{14C92714-EDA9-C305-1889-828E5AAAF041}"/>
-            </a:ext>
-          </a:extLst>
-        </p:cNvPr>
-        <p:cNvGrpSpPr/>
-        <p:nvPr/>
-      </p:nvGrpSpPr>
-      <p:grpSpPr>
-        <a:xfrm>
-          <a:off x="0" y="0"/>
-          <a:ext cx="0" cy="0"/>
-          <a:chOff x="0" y="0"/>
-          <a:chExt cx="0" cy="0"/>
-        </a:xfrm>
-      </p:grpSpPr>
-      <p:sp>
-        <p:nvSpPr>
-          <p:cNvPr id="7" name="Slide Number Placeholder 6">
-            <a:extLst>
-              <a:ext uri="{FF2B5EF4-FFF2-40B4-BE49-F238E27FC236}">
-                <a16:creationId xmlns:a16="http://schemas.microsoft.com/office/drawing/2014/main" id="{FCA0C20F-DF70-D242-EEF8-238C93F431E7}"/>
-              </a:ext>
-            </a:extLst>
-          </p:cNvPr>
-          <p:cNvSpPr txBox="1">
-            <a:spLocks noGrp="1"/>
-          </p:cNvSpPr>
-          <p:nvPr>
-            <p:ph type="sldNum" sz="quarter" idx="5"/>
-          </p:nvPr>
-        </p:nvSpPr>
-        <p:spPr>
-          <a:ln/>
-        </p:spPr>
-        <p:txBody>
-          <a:bodyPr vert="horz" lIns="0" tIns="0" rIns="0" bIns="0" anchor="b" anchorCtr="0">
-            <a:noAutofit/>
-          </a:bodyPr>
-          <a:lstStyle/>
-          <a:p>
-            <a:pPr lvl="0"/>
-            <a:fld id="{718C3242-5655-4775-AEA5-0476A7203C26}" type="slidenum">
-              <a:t>11</a:t>
-            </a:fld>
-            <a:endParaRPr lang="en-US"/>
-          </a:p>
-        </p:txBody>
-      </p:sp>
-      <p:sp>
-        <p:nvSpPr>
-          <p:cNvPr id="2" name="Slide Image Placeholder 1">
-            <a:extLst>
-              <a:ext uri="{FF2B5EF4-FFF2-40B4-BE49-F238E27FC236}">
-                <a16:creationId xmlns:a16="http://schemas.microsoft.com/office/drawing/2014/main" id="{7B475400-5F25-AD38-0FB8-73E30C489D09}"/>
-              </a:ext>
-            </a:extLst>
-          </p:cNvPr>
-          <p:cNvSpPr>
-            <a:spLocks noGrp="1" noRot="1" noChangeAspect="1" noResize="1"/>
-          </p:cNvSpPr>
-          <p:nvPr>
-            <p:ph type="sldImg"/>
-          </p:nvPr>
-        </p:nvSpPr>
-        <p:spPr>
-          <a:xfrm>
-            <a:off x="1370013" y="763588"/>
-            <a:ext cx="5030787" cy="3771900"/>
-          </a:xfrm>
-          <a:solidFill>
-            <a:srgbClr val="729FCF"/>
-          </a:solidFill>
-          <a:ln w="25400">
-            <a:solidFill>
-              <a:srgbClr val="3465A4"/>
-            </a:solidFill>
-            <a:prstDash val="solid"/>
-          </a:ln>
-        </p:spPr>
-      </p:sp>
-      <p:sp>
-        <p:nvSpPr>
-          <p:cNvPr id="3" name="Notes Placeholder 2">
-            <a:extLst>
-              <a:ext uri="{FF2B5EF4-FFF2-40B4-BE49-F238E27FC236}">
-                <a16:creationId xmlns:a16="http://schemas.microsoft.com/office/drawing/2014/main" id="{79912296-88B0-5E60-4C33-76D98DBDBEE6}"/>
-              </a:ext>
-            </a:extLst>
-          </p:cNvPr>
-          <p:cNvSpPr txBox="1">
-            <a:spLocks noGrp="1"/>
-          </p:cNvSpPr>
-          <p:nvPr>
-            <p:ph type="body" sz="quarter" idx="1"/>
-          </p:nvPr>
-        </p:nvSpPr>
-        <p:spPr>
-          <a:xfrm>
-            <a:off x="777239" y="4777560"/>
-            <a:ext cx="6217560" cy="4525920"/>
-          </a:xfrm>
-        </p:spPr>
-        <p:txBody>
-          <a:bodyPr vert="horz"/>
-          <a:lstStyle/>
-          <a:p>
-            <a:endParaRPr lang="en-US"/>
-          </a:p>
-        </p:txBody>
-      </p:sp>
-    </p:spTree>
-    <p:extLst>
-      <p:ext uri="{BB962C8B-B14F-4D97-AF65-F5344CB8AC3E}">
-        <p14:creationId xmlns:p14="http://schemas.microsoft.com/office/powerpoint/2010/main" val="3757723694"/>
-      </p:ext>
-    </p:extLst>
-  </p:cSld>
-  <p:clrMapOvr>
-    <a:masterClrMapping/>
-  </p:clrMapOvr>
-</p:notes>
-</file>
-
-<file path=ppt/notesSlides/notesSlide12.xml><?xml version="1.0" encoding="utf-8"?>
-<p:notes xmlns:a="http://schemas.openxmlformats.org/drawingml/2006/main" xmlns:r="http://schemas.openxmlformats.org/officeDocument/2006/relationships" xmlns:p="http://schemas.openxmlformats.org/presentationml/2006/main">
-  <p:cSld>
-    <p:spTree>
-      <p:nvGrpSpPr>
-        <p:cNvPr id="1" name="">
-          <a:extLst>
-            <a:ext uri="{FF2B5EF4-FFF2-40B4-BE49-F238E27FC236}">
-              <a16:creationId xmlns:a16="http://schemas.microsoft.com/office/drawing/2014/main" id="{93FF5064-33B6-4752-8330-0B505BB262C0}"/>
-            </a:ext>
-          </a:extLst>
-        </p:cNvPr>
-        <p:cNvGrpSpPr/>
-        <p:nvPr/>
-      </p:nvGrpSpPr>
-      <p:grpSpPr>
-        <a:xfrm>
-          <a:off x="0" y="0"/>
-          <a:ext cx="0" cy="0"/>
-          <a:chOff x="0" y="0"/>
-          <a:chExt cx="0" cy="0"/>
-        </a:xfrm>
-      </p:grpSpPr>
-      <p:sp>
-        <p:nvSpPr>
-          <p:cNvPr id="7" name="Slide Number Placeholder 6">
-            <a:extLst>
-              <a:ext uri="{FF2B5EF4-FFF2-40B4-BE49-F238E27FC236}">
-                <a16:creationId xmlns:a16="http://schemas.microsoft.com/office/drawing/2014/main" id="{D82E2972-48DB-D6B5-5FA5-35F2A876D523}"/>
-              </a:ext>
-            </a:extLst>
-          </p:cNvPr>
-          <p:cNvSpPr txBox="1">
-            <a:spLocks noGrp="1"/>
-          </p:cNvSpPr>
-          <p:nvPr>
-            <p:ph type="sldNum" sz="quarter" idx="5"/>
-          </p:nvPr>
-        </p:nvSpPr>
-        <p:spPr>
-          <a:ln/>
-        </p:spPr>
-        <p:txBody>
-          <a:bodyPr vert="horz" lIns="0" tIns="0" rIns="0" bIns="0" anchor="b" anchorCtr="0">
-            <a:noAutofit/>
-          </a:bodyPr>
-          <a:lstStyle/>
-          <a:p>
-            <a:pPr lvl="0"/>
-            <a:fld id="{718C3242-5655-4775-AEA5-0476A7203C26}" type="slidenum">
-              <a:t>12</a:t>
-            </a:fld>
-            <a:endParaRPr lang="en-US"/>
-          </a:p>
-        </p:txBody>
-      </p:sp>
-      <p:sp>
-        <p:nvSpPr>
-          <p:cNvPr id="2" name="Slide Image Placeholder 1">
-            <a:extLst>
-              <a:ext uri="{FF2B5EF4-FFF2-40B4-BE49-F238E27FC236}">
-                <a16:creationId xmlns:a16="http://schemas.microsoft.com/office/drawing/2014/main" id="{CF7D8AF3-886F-3AFE-93DE-C107B85EBB29}"/>
-              </a:ext>
-            </a:extLst>
-          </p:cNvPr>
-          <p:cNvSpPr>
-            <a:spLocks noGrp="1" noRot="1" noChangeAspect="1" noResize="1"/>
-          </p:cNvSpPr>
-          <p:nvPr>
-            <p:ph type="sldImg"/>
-          </p:nvPr>
-        </p:nvSpPr>
-        <p:spPr>
-          <a:xfrm>
-            <a:off x="1370013" y="763588"/>
-            <a:ext cx="5030787" cy="3771900"/>
-          </a:xfrm>
-          <a:solidFill>
-            <a:srgbClr val="729FCF"/>
-          </a:solidFill>
-          <a:ln w="25400">
-            <a:solidFill>
-              <a:srgbClr val="3465A4"/>
-            </a:solidFill>
-            <a:prstDash val="solid"/>
-          </a:ln>
-        </p:spPr>
-      </p:sp>
-      <p:sp>
-        <p:nvSpPr>
-          <p:cNvPr id="3" name="Notes Placeholder 2">
-            <a:extLst>
-              <a:ext uri="{FF2B5EF4-FFF2-40B4-BE49-F238E27FC236}">
-                <a16:creationId xmlns:a16="http://schemas.microsoft.com/office/drawing/2014/main" id="{63179FE0-3353-7435-6EBD-61E03DF0348D}"/>
-              </a:ext>
-            </a:extLst>
-          </p:cNvPr>
-          <p:cNvSpPr txBox="1">
-            <a:spLocks noGrp="1"/>
-          </p:cNvSpPr>
-          <p:nvPr>
-            <p:ph type="body" sz="quarter" idx="1"/>
-          </p:nvPr>
-        </p:nvSpPr>
-        <p:spPr>
-          <a:xfrm>
-            <a:off x="777239" y="4777560"/>
-            <a:ext cx="6217560" cy="4525920"/>
-          </a:xfrm>
-        </p:spPr>
-        <p:txBody>
-          <a:bodyPr vert="horz"/>
-          <a:lstStyle/>
-          <a:p>
-            <a:endParaRPr lang="en-US"/>
-          </a:p>
-        </p:txBody>
-      </p:sp>
-    </p:spTree>
-    <p:extLst>
-      <p:ext uri="{BB962C8B-B14F-4D97-AF65-F5344CB8AC3E}">
-        <p14:creationId xmlns:p14="http://schemas.microsoft.com/office/powerpoint/2010/main" val="1071363989"/>
-      </p:ext>
-    </p:extLst>
-  </p:cSld>
-  <p:clrMapOvr>
-    <a:masterClrMapping/>
-  </p:clrMapOvr>
-</p:notes>
-</file>
-
-<file path=ppt/notesSlides/notesSlide2.xml><?xml version="1.0" encoding="utf-8"?>
-<p:notes xmlns:a="http://schemas.openxmlformats.org/drawingml/2006/main" xmlns:r="http://schemas.openxmlformats.org/officeDocument/2006/relationships" xmlns:p="http://schemas.openxmlformats.org/presentationml/2006/main">
-  <p:cSld>
-    <p:spTree>
-      <p:nvGrpSpPr>
-        <p:cNvPr id="1" name=""/>
-        <p:cNvGrpSpPr/>
-        <p:nvPr/>
-      </p:nvGrpSpPr>
-      <p:grpSpPr>
-        <a:xfrm>
-          <a:off x="0" y="0"/>
-          <a:ext cx="0" cy="0"/>
-          <a:chOff x="0" y="0"/>
-          <a:chExt cx="0" cy="0"/>
-        </a:xfrm>
-      </p:grpSpPr>
-      <p:sp>
-        <p:nvSpPr>
-          <p:cNvPr id="7" name="Slide Number Placeholder 6">
-            <a:extLst>
-              <a:ext uri="{FF2B5EF4-FFF2-40B4-BE49-F238E27FC236}">
-                <a16:creationId xmlns:a16="http://schemas.microsoft.com/office/drawing/2014/main" id="{D053B4CE-8BF1-6220-D2D7-9C39D02B3E9A}"/>
-              </a:ext>
-            </a:extLst>
-          </p:cNvPr>
-          <p:cNvSpPr txBox="1">
-            <a:spLocks noGrp="1"/>
-          </p:cNvSpPr>
-          <p:nvPr>
-            <p:ph type="sldNum" sz="quarter" idx="5"/>
-          </p:nvPr>
-        </p:nvSpPr>
-        <p:spPr>
-          <a:ln/>
-        </p:spPr>
-        <p:txBody>
-          <a:bodyPr vert="horz" lIns="0" tIns="0" rIns="0" bIns="0" anchor="b" anchorCtr="0">
-            <a:noAutofit/>
-          </a:bodyPr>
-          <a:lstStyle/>
-          <a:p>
-            <a:pPr lvl="0"/>
-            <a:fld id="{EAD7540E-4E81-44F9-A934-853F8EDA42D3}" type="slidenum">
-              <a:t>2</a:t>
-            </a:fld>
-            <a:endParaRPr lang="en-US"/>
-          </a:p>
-        </p:txBody>
-      </p:sp>
-      <p:sp>
-        <p:nvSpPr>
-          <p:cNvPr id="2" name="Slide Image Placeholder 1">
-            <a:extLst>
-              <a:ext uri="{FF2B5EF4-FFF2-40B4-BE49-F238E27FC236}">
-                <a16:creationId xmlns:a16="http://schemas.microsoft.com/office/drawing/2014/main" id="{B73F4F0C-F340-DA78-976D-46ED7B45EB9E}"/>
-              </a:ext>
-            </a:extLst>
-          </p:cNvPr>
-          <p:cNvSpPr>
-            <a:spLocks noGrp="1" noRot="1" noChangeAspect="1" noResize="1"/>
-          </p:cNvSpPr>
-          <p:nvPr>
-            <p:ph type="sldImg"/>
-          </p:nvPr>
-        </p:nvSpPr>
-        <p:spPr>
-          <a:xfrm>
-            <a:off x="1370013" y="763588"/>
-            <a:ext cx="5030787" cy="3771900"/>
-          </a:xfrm>
-          <a:solidFill>
-            <a:srgbClr val="729FCF"/>
-          </a:solidFill>
-          <a:ln w="25400">
-            <a:solidFill>
-              <a:srgbClr val="3465A4"/>
-            </a:solidFill>
-            <a:prstDash val="solid"/>
-          </a:ln>
-        </p:spPr>
-      </p:sp>
-      <p:sp>
-        <p:nvSpPr>
-          <p:cNvPr id="3" name="Notes Placeholder 2">
-            <a:extLst>
-              <a:ext uri="{FF2B5EF4-FFF2-40B4-BE49-F238E27FC236}">
-                <a16:creationId xmlns:a16="http://schemas.microsoft.com/office/drawing/2014/main" id="{84E934B3-FBA6-6845-DBA5-17E8AF89BD22}"/>
-              </a:ext>
-            </a:extLst>
-          </p:cNvPr>
-          <p:cNvSpPr txBox="1">
-            <a:spLocks noGrp="1"/>
-          </p:cNvSpPr>
-          <p:nvPr>
-            <p:ph type="body" sz="quarter" idx="1"/>
-          </p:nvPr>
-        </p:nvSpPr>
-        <p:spPr>
-          <a:xfrm>
-            <a:off x="777239" y="4777560"/>
-            <a:ext cx="6217560" cy="4525920"/>
-          </a:xfrm>
-        </p:spPr>
-        <p:txBody>
-          <a:bodyPr vert="horz"/>
-          <a:lstStyle/>
-          <a:p>
-            <a:endParaRPr lang="en-US"/>
-          </a:p>
-        </p:txBody>
-      </p:sp>
-    </p:spTree>
-  </p:cSld>
-  <p:clrMapOvr>
-    <a:masterClrMapping/>
-  </p:clrMapOvr>
-</p:notes>
-</file>
-
-<file path=ppt/notesSlides/notesSlide3.xml><?xml version="1.0" encoding="utf-8"?>
-<p:notes xmlns:a="http://schemas.openxmlformats.org/drawingml/2006/main" xmlns:r="http://schemas.openxmlformats.org/officeDocument/2006/relationships" xmlns:p="http://schemas.openxmlformats.org/presentationml/2006/main">
-  <p:cSld>
-    <p:spTree>
-      <p:nvGrpSpPr>
-        <p:cNvPr id="1" name=""/>
-        <p:cNvGrpSpPr/>
-        <p:nvPr/>
-      </p:nvGrpSpPr>
-      <p:grpSpPr>
-        <a:xfrm>
-          <a:off x="0" y="0"/>
-          <a:ext cx="0" cy="0"/>
-          <a:chOff x="0" y="0"/>
-          <a:chExt cx="0" cy="0"/>
-        </a:xfrm>
-      </p:grpSpPr>
-      <p:sp>
-        <p:nvSpPr>
-          <p:cNvPr id="7" name="Slide Number Placeholder 6">
-            <a:extLst>
-              <a:ext uri="{FF2B5EF4-FFF2-40B4-BE49-F238E27FC236}">
-                <a16:creationId xmlns:a16="http://schemas.microsoft.com/office/drawing/2014/main" id="{3D67A9F7-34DD-47D2-0FCF-050BFC80186C}"/>
-              </a:ext>
-            </a:extLst>
-          </p:cNvPr>
-          <p:cNvSpPr txBox="1">
-            <a:spLocks noGrp="1"/>
-          </p:cNvSpPr>
-          <p:nvPr>
-            <p:ph type="sldNum" sz="quarter" idx="5"/>
-          </p:nvPr>
-        </p:nvSpPr>
-        <p:spPr>
-          <a:ln/>
-        </p:spPr>
-        <p:txBody>
-          <a:bodyPr vert="horz" lIns="0" tIns="0" rIns="0" bIns="0" anchor="b" anchorCtr="0">
-            <a:noAutofit/>
-          </a:bodyPr>
-          <a:lstStyle/>
-          <a:p>
-            <a:pPr lvl="0"/>
-            <a:fld id="{99E5F690-897A-4239-AE2D-58963BB2C8B9}" type="slidenum">
-              <a:t>3</a:t>
-            </a:fld>
-            <a:endParaRPr lang="en-US"/>
-          </a:p>
-        </p:txBody>
-      </p:sp>
-      <p:sp>
-        <p:nvSpPr>
-          <p:cNvPr id="2" name="Slide Image Placeholder 1">
-            <a:extLst>
-              <a:ext uri="{FF2B5EF4-FFF2-40B4-BE49-F238E27FC236}">
-                <a16:creationId xmlns:a16="http://schemas.microsoft.com/office/drawing/2014/main" id="{1CB6D3F5-271A-6046-3F2B-C974217203DE}"/>
-              </a:ext>
-            </a:extLst>
-          </p:cNvPr>
-          <p:cNvSpPr>
-            <a:spLocks noGrp="1" noRot="1" noChangeAspect="1" noResize="1"/>
-          </p:cNvSpPr>
-          <p:nvPr>
-            <p:ph type="sldImg"/>
-          </p:nvPr>
-        </p:nvSpPr>
-        <p:spPr>
-          <a:xfrm>
-            <a:off x="1370013" y="763588"/>
-            <a:ext cx="5030787" cy="3771900"/>
-          </a:xfrm>
-          <a:solidFill>
-            <a:srgbClr val="729FCF"/>
-          </a:solidFill>
-          <a:ln w="25400">
-            <a:solidFill>
-              <a:srgbClr val="3465A4"/>
-            </a:solidFill>
-            <a:prstDash val="solid"/>
-          </a:ln>
-        </p:spPr>
-      </p:sp>
-      <p:sp>
-        <p:nvSpPr>
-          <p:cNvPr id="3" name="Notes Placeholder 2">
-            <a:extLst>
-              <a:ext uri="{FF2B5EF4-FFF2-40B4-BE49-F238E27FC236}">
-                <a16:creationId xmlns:a16="http://schemas.microsoft.com/office/drawing/2014/main" id="{0B10D0D6-925C-2565-8BC1-2669010D919E}"/>
-              </a:ext>
-            </a:extLst>
-          </p:cNvPr>
-          <p:cNvSpPr txBox="1">
-            <a:spLocks noGrp="1"/>
-          </p:cNvSpPr>
-          <p:nvPr>
-            <p:ph type="body" sz="quarter" idx="1"/>
-          </p:nvPr>
-        </p:nvSpPr>
-        <p:spPr>
-          <a:xfrm>
-            <a:off x="777239" y="4777560"/>
-            <a:ext cx="6217560" cy="4525920"/>
-          </a:xfrm>
-        </p:spPr>
-        <p:txBody>
-          <a:bodyPr vert="horz"/>
-          <a:lstStyle/>
-          <a:p>
-            <a:endParaRPr lang="en-US"/>
-          </a:p>
-        </p:txBody>
-      </p:sp>
-    </p:spTree>
-  </p:cSld>
-  <p:clrMapOvr>
-    <a:masterClrMapping/>
-  </p:clrMapOvr>
-</p:notes>
-</file>
-
-<file path=ppt/notesSlides/notesSlide4.xml><?xml version="1.0" encoding="utf-8"?>
-<p:notes xmlns:a="http://schemas.openxmlformats.org/drawingml/2006/main" xmlns:r="http://schemas.openxmlformats.org/officeDocument/2006/relationships" xmlns:p="http://schemas.openxmlformats.org/presentationml/2006/main">
-  <p:cSld>
-    <p:spTree>
-      <p:nvGrpSpPr>
-        <p:cNvPr id="1" name=""/>
-        <p:cNvGrpSpPr/>
-        <p:nvPr/>
-      </p:nvGrpSpPr>
-      <p:grpSpPr>
-        <a:xfrm>
-          <a:off x="0" y="0"/>
-          <a:ext cx="0" cy="0"/>
-          <a:chOff x="0" y="0"/>
-          <a:chExt cx="0" cy="0"/>
-        </a:xfrm>
-      </p:grpSpPr>
-      <p:sp>
-        <p:nvSpPr>
-          <p:cNvPr id="7" name="Slide Number Placeholder 6">
-            <a:extLst>
-              <a:ext uri="{FF2B5EF4-FFF2-40B4-BE49-F238E27FC236}">
-                <a16:creationId xmlns:a16="http://schemas.microsoft.com/office/drawing/2014/main" id="{F68B0570-8658-E094-7972-21C1A61AB943}"/>
-              </a:ext>
-            </a:extLst>
-          </p:cNvPr>
-          <p:cNvSpPr txBox="1">
-            <a:spLocks noGrp="1"/>
-          </p:cNvSpPr>
-          <p:nvPr>
-            <p:ph type="sldNum" sz="quarter" idx="5"/>
-          </p:nvPr>
-        </p:nvSpPr>
-        <p:spPr>
-          <a:ln/>
-        </p:spPr>
-        <p:txBody>
-          <a:bodyPr vert="horz" lIns="0" tIns="0" rIns="0" bIns="0" anchor="b" anchorCtr="0">
-            <a:noAutofit/>
-          </a:bodyPr>
-          <a:lstStyle/>
-          <a:p>
-            <a:pPr lvl="0"/>
-            <a:fld id="{718C3242-5655-4775-AEA5-0476A7203C26}" type="slidenum">
-              <a:t>4</a:t>
-            </a:fld>
-            <a:endParaRPr lang="en-US"/>
-          </a:p>
-        </p:txBody>
-      </p:sp>
-      <p:sp>
-        <p:nvSpPr>
-          <p:cNvPr id="2" name="Slide Image Placeholder 1">
-            <a:extLst>
-              <a:ext uri="{FF2B5EF4-FFF2-40B4-BE49-F238E27FC236}">
-                <a16:creationId xmlns:a16="http://schemas.microsoft.com/office/drawing/2014/main" id="{928EEEFE-7D98-7196-FB29-973866CF5DD6}"/>
-              </a:ext>
-            </a:extLst>
-          </p:cNvPr>
-          <p:cNvSpPr>
-            <a:spLocks noGrp="1" noRot="1" noChangeAspect="1" noResize="1"/>
-          </p:cNvSpPr>
-          <p:nvPr>
-            <p:ph type="sldImg"/>
-          </p:nvPr>
-        </p:nvSpPr>
-        <p:spPr>
-          <a:xfrm>
-            <a:off x="1370013" y="763588"/>
-            <a:ext cx="5030787" cy="3771900"/>
-          </a:xfrm>
-          <a:solidFill>
-            <a:srgbClr val="729FCF"/>
-          </a:solidFill>
-          <a:ln w="25400">
-            <a:solidFill>
-              <a:srgbClr val="3465A4"/>
-            </a:solidFill>
-            <a:prstDash val="solid"/>
-          </a:ln>
-        </p:spPr>
-      </p:sp>
-      <p:sp>
-        <p:nvSpPr>
-          <p:cNvPr id="3" name="Notes Placeholder 2">
-            <a:extLst>
-              <a:ext uri="{FF2B5EF4-FFF2-40B4-BE49-F238E27FC236}">
-                <a16:creationId xmlns:a16="http://schemas.microsoft.com/office/drawing/2014/main" id="{48D2DF3A-0FCC-271A-E1C7-89DB9A13F1A8}"/>
-              </a:ext>
-            </a:extLst>
-          </p:cNvPr>
-          <p:cNvSpPr txBox="1">
-            <a:spLocks noGrp="1"/>
-          </p:cNvSpPr>
-          <p:nvPr>
-            <p:ph type="body" sz="quarter" idx="1"/>
-          </p:nvPr>
-        </p:nvSpPr>
-        <p:spPr>
-          <a:xfrm>
-            <a:off x="777239" y="4777560"/>
-            <a:ext cx="6217560" cy="4525920"/>
-          </a:xfrm>
-        </p:spPr>
-        <p:txBody>
-          <a:bodyPr vert="horz"/>
-          <a:lstStyle/>
-          <a:p>
-            <a:endParaRPr lang="en-US"/>
-          </a:p>
-        </p:txBody>
-      </p:sp>
-    </p:spTree>
-  </p:cSld>
-  <p:clrMapOvr>
-    <a:masterClrMapping/>
-  </p:clrMapOvr>
-</p:notes>
-</file>
-
-<file path=ppt/notesSlides/notesSlide5.xml><?xml version="1.0" encoding="utf-8"?>
-<p:notes xmlns:a="http://schemas.openxmlformats.org/drawingml/2006/main" xmlns:r="http://schemas.openxmlformats.org/officeDocument/2006/relationships" xmlns:p="http://schemas.openxmlformats.org/presentationml/2006/main">
-  <p:cSld>
-    <p:spTree>
-      <p:nvGrpSpPr>
-        <p:cNvPr id="1" name="">
-          <a:extLst>
-            <a:ext uri="{FF2B5EF4-FFF2-40B4-BE49-F238E27FC236}">
-              <a16:creationId xmlns:a16="http://schemas.microsoft.com/office/drawing/2014/main" id="{4C7F96B1-5E45-9BC7-9275-7AEBC1F08BF3}"/>
-            </a:ext>
-          </a:extLst>
-        </p:cNvPr>
-        <p:cNvGrpSpPr/>
-        <p:nvPr/>
-      </p:nvGrpSpPr>
-      <p:grpSpPr>
-        <a:xfrm>
-          <a:off x="0" y="0"/>
-          <a:ext cx="0" cy="0"/>
-          <a:chOff x="0" y="0"/>
-          <a:chExt cx="0" cy="0"/>
-        </a:xfrm>
-      </p:grpSpPr>
-      <p:sp>
-        <p:nvSpPr>
-          <p:cNvPr id="7" name="Slide Number Placeholder 6">
-            <a:extLst>
-              <a:ext uri="{FF2B5EF4-FFF2-40B4-BE49-F238E27FC236}">
-                <a16:creationId xmlns:a16="http://schemas.microsoft.com/office/drawing/2014/main" id="{BDD3BEA8-7759-48CE-72A6-B93E73121A46}"/>
-              </a:ext>
-            </a:extLst>
-          </p:cNvPr>
-          <p:cNvSpPr txBox="1">
-            <a:spLocks noGrp="1"/>
-          </p:cNvSpPr>
-          <p:nvPr>
-            <p:ph type="sldNum" sz="quarter" idx="5"/>
-          </p:nvPr>
-        </p:nvSpPr>
-        <p:spPr>
-          <a:ln/>
-        </p:spPr>
-        <p:txBody>
-          <a:bodyPr vert="horz" lIns="0" tIns="0" rIns="0" bIns="0" anchor="b" anchorCtr="0">
-            <a:noAutofit/>
-          </a:bodyPr>
-          <a:lstStyle/>
-          <a:p>
-            <a:pPr lvl="0"/>
-            <a:fld id="{718C3242-5655-4775-AEA5-0476A7203C26}" type="slidenum">
-              <a:t>5</a:t>
-            </a:fld>
-            <a:endParaRPr lang="en-US"/>
-          </a:p>
-        </p:txBody>
-      </p:sp>
-      <p:sp>
-        <p:nvSpPr>
-          <p:cNvPr id="2" name="Slide Image Placeholder 1">
-            <a:extLst>
-              <a:ext uri="{FF2B5EF4-FFF2-40B4-BE49-F238E27FC236}">
-                <a16:creationId xmlns:a16="http://schemas.microsoft.com/office/drawing/2014/main" id="{97D24027-2D1F-CFC2-67C1-7F3C406287F8}"/>
-              </a:ext>
-            </a:extLst>
-          </p:cNvPr>
-          <p:cNvSpPr>
-            <a:spLocks noGrp="1" noRot="1" noChangeAspect="1" noResize="1"/>
-          </p:cNvSpPr>
-          <p:nvPr>
-            <p:ph type="sldImg"/>
-          </p:nvPr>
-        </p:nvSpPr>
-        <p:spPr>
-          <a:xfrm>
-            <a:off x="1370013" y="763588"/>
-            <a:ext cx="5030787" cy="3771900"/>
-          </a:xfrm>
-          <a:solidFill>
-            <a:srgbClr val="729FCF"/>
-          </a:solidFill>
-          <a:ln w="25400">
-            <a:solidFill>
-              <a:srgbClr val="3465A4"/>
-            </a:solidFill>
-            <a:prstDash val="solid"/>
-          </a:ln>
-        </p:spPr>
-      </p:sp>
-      <p:sp>
-        <p:nvSpPr>
-          <p:cNvPr id="3" name="Notes Placeholder 2">
-            <a:extLst>
-              <a:ext uri="{FF2B5EF4-FFF2-40B4-BE49-F238E27FC236}">
-                <a16:creationId xmlns:a16="http://schemas.microsoft.com/office/drawing/2014/main" id="{F79227FF-3DF3-7224-718C-63A9C9B12B89}"/>
-              </a:ext>
-            </a:extLst>
-          </p:cNvPr>
-          <p:cNvSpPr txBox="1">
-            <a:spLocks noGrp="1"/>
-          </p:cNvSpPr>
-          <p:nvPr>
-            <p:ph type="body" sz="quarter" idx="1"/>
-          </p:nvPr>
-        </p:nvSpPr>
-        <p:spPr>
-          <a:xfrm>
-            <a:off x="777239" y="4777560"/>
-            <a:ext cx="6217560" cy="4525920"/>
-          </a:xfrm>
-        </p:spPr>
-        <p:txBody>
-          <a:bodyPr vert="horz"/>
-          <a:lstStyle/>
-          <a:p>
-            <a:endParaRPr lang="en-US"/>
-          </a:p>
-        </p:txBody>
-      </p:sp>
-    </p:spTree>
-    <p:extLst>
-      <p:ext uri="{BB962C8B-B14F-4D97-AF65-F5344CB8AC3E}">
-        <p14:creationId xmlns:p14="http://schemas.microsoft.com/office/powerpoint/2010/main" val="761972676"/>
-      </p:ext>
-    </p:extLst>
-  </p:cSld>
-  <p:clrMapOvr>
-    <a:masterClrMapping/>
-  </p:clrMapOvr>
-</p:notes>
-</file>
-
-<file path=ppt/notesSlides/notesSlide6.xml><?xml version="1.0" encoding="utf-8"?>
-<p:notes xmlns:a="http://schemas.openxmlformats.org/drawingml/2006/main" xmlns:r="http://schemas.openxmlformats.org/officeDocument/2006/relationships" xmlns:p="http://schemas.openxmlformats.org/presentationml/2006/main">
-  <p:cSld>
-    <p:spTree>
-      <p:nvGrpSpPr>
-        <p:cNvPr id="1" name="">
-          <a:extLst>
-            <a:ext uri="{FF2B5EF4-FFF2-40B4-BE49-F238E27FC236}">
-              <a16:creationId xmlns:a16="http://schemas.microsoft.com/office/drawing/2014/main" id="{7106916F-67BA-5C46-37AE-DFCD6DC3D55D}"/>
-            </a:ext>
-          </a:extLst>
-        </p:cNvPr>
-        <p:cNvGrpSpPr/>
-        <p:nvPr/>
-      </p:nvGrpSpPr>
-      <p:grpSpPr>
-        <a:xfrm>
-          <a:off x="0" y="0"/>
-          <a:ext cx="0" cy="0"/>
-          <a:chOff x="0" y="0"/>
-          <a:chExt cx="0" cy="0"/>
-        </a:xfrm>
-      </p:grpSpPr>
-      <p:sp>
-        <p:nvSpPr>
-          <p:cNvPr id="7" name="Slide Number Placeholder 6">
-            <a:extLst>
-              <a:ext uri="{FF2B5EF4-FFF2-40B4-BE49-F238E27FC236}">
-                <a16:creationId xmlns:a16="http://schemas.microsoft.com/office/drawing/2014/main" id="{F66A8406-8541-EBA6-0729-3B2C1496B899}"/>
-              </a:ext>
-            </a:extLst>
-          </p:cNvPr>
-          <p:cNvSpPr txBox="1">
-            <a:spLocks noGrp="1"/>
-          </p:cNvSpPr>
-          <p:nvPr>
-            <p:ph type="sldNum" sz="quarter" idx="5"/>
-          </p:nvPr>
-        </p:nvSpPr>
-        <p:spPr>
-          <a:ln/>
-        </p:spPr>
-        <p:txBody>
-          <a:bodyPr vert="horz" lIns="0" tIns="0" rIns="0" bIns="0" anchor="b" anchorCtr="0">
-            <a:noAutofit/>
-          </a:bodyPr>
-          <a:lstStyle/>
-          <a:p>
-            <a:pPr lvl="0"/>
-            <a:fld id="{718C3242-5655-4775-AEA5-0476A7203C26}" type="slidenum">
-              <a:t>6</a:t>
-            </a:fld>
-            <a:endParaRPr lang="en-US"/>
-          </a:p>
-        </p:txBody>
-      </p:sp>
-      <p:sp>
-        <p:nvSpPr>
-          <p:cNvPr id="2" name="Slide Image Placeholder 1">
-            <a:extLst>
-              <a:ext uri="{FF2B5EF4-FFF2-40B4-BE49-F238E27FC236}">
-                <a16:creationId xmlns:a16="http://schemas.microsoft.com/office/drawing/2014/main" id="{BE8ABE46-269E-2089-78FA-84D63B26F17A}"/>
-              </a:ext>
-            </a:extLst>
-          </p:cNvPr>
-          <p:cNvSpPr>
-            <a:spLocks noGrp="1" noRot="1" noChangeAspect="1" noResize="1"/>
-          </p:cNvSpPr>
-          <p:nvPr>
-            <p:ph type="sldImg"/>
-          </p:nvPr>
-        </p:nvSpPr>
-        <p:spPr>
-          <a:xfrm>
-            <a:off x="1370013" y="763588"/>
-            <a:ext cx="5030787" cy="3771900"/>
-          </a:xfrm>
-          <a:solidFill>
-            <a:srgbClr val="729FCF"/>
-          </a:solidFill>
-          <a:ln w="25400">
-            <a:solidFill>
-              <a:srgbClr val="3465A4"/>
-            </a:solidFill>
-            <a:prstDash val="solid"/>
-          </a:ln>
-        </p:spPr>
-      </p:sp>
-      <p:sp>
-        <p:nvSpPr>
-          <p:cNvPr id="3" name="Notes Placeholder 2">
-            <a:extLst>
-              <a:ext uri="{FF2B5EF4-FFF2-40B4-BE49-F238E27FC236}">
-                <a16:creationId xmlns:a16="http://schemas.microsoft.com/office/drawing/2014/main" id="{C2A158CF-8B9C-4ED4-CDDE-FF99A025ADD3}"/>
-              </a:ext>
-            </a:extLst>
-          </p:cNvPr>
-          <p:cNvSpPr txBox="1">
-            <a:spLocks noGrp="1"/>
-          </p:cNvSpPr>
-          <p:nvPr>
-            <p:ph type="body" sz="quarter" idx="1"/>
-          </p:nvPr>
-        </p:nvSpPr>
-        <p:spPr>
-          <a:xfrm>
-            <a:off x="777239" y="4777560"/>
-            <a:ext cx="6217560" cy="4525920"/>
-          </a:xfrm>
-        </p:spPr>
-        <p:txBody>
-          <a:bodyPr vert="horz"/>
-          <a:lstStyle/>
-          <a:p>
-            <a:endParaRPr lang="en-US"/>
-          </a:p>
-        </p:txBody>
-      </p:sp>
-    </p:spTree>
-    <p:extLst>
-      <p:ext uri="{BB962C8B-B14F-4D97-AF65-F5344CB8AC3E}">
-        <p14:creationId xmlns:p14="http://schemas.microsoft.com/office/powerpoint/2010/main" val="406011923"/>
-      </p:ext>
-    </p:extLst>
-  </p:cSld>
-  <p:clrMapOvr>
-    <a:masterClrMapping/>
-  </p:clrMapOvr>
-</p:notes>
-</file>
-
-<file path=ppt/notesSlides/notesSlide7.xml><?xml version="1.0" encoding="utf-8"?>
-<p:notes xmlns:a="http://schemas.openxmlformats.org/drawingml/2006/main" xmlns:r="http://schemas.openxmlformats.org/officeDocument/2006/relationships" xmlns:p="http://schemas.openxmlformats.org/presentationml/2006/main">
-  <p:cSld>
-    <p:spTree>
-      <p:nvGrpSpPr>
-        <p:cNvPr id="1" name="">
-          <a:extLst>
-            <a:ext uri="{FF2B5EF4-FFF2-40B4-BE49-F238E27FC236}">
-              <a16:creationId xmlns:a16="http://schemas.microsoft.com/office/drawing/2014/main" id="{B43E8ED0-AB00-CA30-C59C-6657BDFDAF79}"/>
-            </a:ext>
-          </a:extLst>
-        </p:cNvPr>
-        <p:cNvGrpSpPr/>
-        <p:nvPr/>
-      </p:nvGrpSpPr>
-      <p:grpSpPr>
-        <a:xfrm>
-          <a:off x="0" y="0"/>
-          <a:ext cx="0" cy="0"/>
-          <a:chOff x="0" y="0"/>
-          <a:chExt cx="0" cy="0"/>
-        </a:xfrm>
-      </p:grpSpPr>
-      <p:sp>
-        <p:nvSpPr>
-          <p:cNvPr id="7" name="Slide Number Placeholder 6">
-            <a:extLst>
-              <a:ext uri="{FF2B5EF4-FFF2-40B4-BE49-F238E27FC236}">
-                <a16:creationId xmlns:a16="http://schemas.microsoft.com/office/drawing/2014/main" id="{D1A91B50-489A-907A-B30B-5B120D45D437}"/>
-              </a:ext>
-            </a:extLst>
-          </p:cNvPr>
-          <p:cNvSpPr txBox="1">
-            <a:spLocks noGrp="1"/>
-          </p:cNvSpPr>
-          <p:nvPr>
-            <p:ph type="sldNum" sz="quarter" idx="5"/>
-          </p:nvPr>
-        </p:nvSpPr>
-        <p:spPr>
-          <a:ln/>
-        </p:spPr>
-        <p:txBody>
-          <a:bodyPr vert="horz" lIns="0" tIns="0" rIns="0" bIns="0" anchor="b" anchorCtr="0">
-            <a:noAutofit/>
-          </a:bodyPr>
-          <a:lstStyle/>
-          <a:p>
-            <a:pPr lvl="0"/>
-            <a:fld id="{718C3242-5655-4775-AEA5-0476A7203C26}" type="slidenum">
-              <a:t>7</a:t>
-            </a:fld>
-            <a:endParaRPr lang="en-US"/>
-          </a:p>
-        </p:txBody>
-      </p:sp>
-      <p:sp>
-        <p:nvSpPr>
-          <p:cNvPr id="2" name="Slide Image Placeholder 1">
-            <a:extLst>
-              <a:ext uri="{FF2B5EF4-FFF2-40B4-BE49-F238E27FC236}">
-                <a16:creationId xmlns:a16="http://schemas.microsoft.com/office/drawing/2014/main" id="{83B17019-921F-3501-D0F9-0DDE146A1FB6}"/>
-              </a:ext>
-            </a:extLst>
-          </p:cNvPr>
-          <p:cNvSpPr>
-            <a:spLocks noGrp="1" noRot="1" noChangeAspect="1" noResize="1"/>
-          </p:cNvSpPr>
-          <p:nvPr>
-            <p:ph type="sldImg"/>
-          </p:nvPr>
-        </p:nvSpPr>
-        <p:spPr>
-          <a:xfrm>
-            <a:off x="1370013" y="763588"/>
-            <a:ext cx="5030787" cy="3771900"/>
-          </a:xfrm>
-          <a:solidFill>
-            <a:srgbClr val="729FCF"/>
-          </a:solidFill>
-          <a:ln w="25400">
-            <a:solidFill>
-              <a:srgbClr val="3465A4"/>
-            </a:solidFill>
-            <a:prstDash val="solid"/>
-          </a:ln>
-        </p:spPr>
-      </p:sp>
-      <p:sp>
-        <p:nvSpPr>
-          <p:cNvPr id="3" name="Notes Placeholder 2">
-            <a:extLst>
-              <a:ext uri="{FF2B5EF4-FFF2-40B4-BE49-F238E27FC236}">
-                <a16:creationId xmlns:a16="http://schemas.microsoft.com/office/drawing/2014/main" id="{A85D42FF-96C9-8C25-4C9A-F537A6002FA7}"/>
-              </a:ext>
-            </a:extLst>
-          </p:cNvPr>
-          <p:cNvSpPr txBox="1">
-            <a:spLocks noGrp="1"/>
-          </p:cNvSpPr>
-          <p:nvPr>
-            <p:ph type="body" sz="quarter" idx="1"/>
-          </p:nvPr>
-        </p:nvSpPr>
-        <p:spPr>
-          <a:xfrm>
-            <a:off x="777239" y="4777560"/>
-            <a:ext cx="6217560" cy="4525920"/>
-          </a:xfrm>
-        </p:spPr>
-        <p:txBody>
-          <a:bodyPr vert="horz"/>
-          <a:lstStyle/>
-          <a:p>
-            <a:endParaRPr lang="en-US"/>
-          </a:p>
-        </p:txBody>
-      </p:sp>
-    </p:spTree>
-    <p:extLst>
-      <p:ext uri="{BB962C8B-B14F-4D97-AF65-F5344CB8AC3E}">
-        <p14:creationId xmlns:p14="http://schemas.microsoft.com/office/powerpoint/2010/main" val="1452019093"/>
-      </p:ext>
-    </p:extLst>
-  </p:cSld>
-  <p:clrMapOvr>
-    <a:masterClrMapping/>
-  </p:clrMapOvr>
-</p:notes>
-</file>
-
-<file path=ppt/notesSlides/notesSlide8.xml><?xml version="1.0" encoding="utf-8"?>
-<p:notes xmlns:a="http://schemas.openxmlformats.org/drawingml/2006/main" xmlns:r="http://schemas.openxmlformats.org/officeDocument/2006/relationships" xmlns:p="http://schemas.openxmlformats.org/presentationml/2006/main">
-  <p:cSld>
-    <p:spTree>
-      <p:nvGrpSpPr>
-        <p:cNvPr id="1" name="">
-          <a:extLst>
-            <a:ext uri="{FF2B5EF4-FFF2-40B4-BE49-F238E27FC236}">
-              <a16:creationId xmlns:a16="http://schemas.microsoft.com/office/drawing/2014/main" id="{D4A89605-92DB-21BC-34D0-FFB0BB0F33E7}"/>
-            </a:ext>
-          </a:extLst>
-        </p:cNvPr>
-        <p:cNvGrpSpPr/>
-        <p:nvPr/>
-      </p:nvGrpSpPr>
-      <p:grpSpPr>
-        <a:xfrm>
-          <a:off x="0" y="0"/>
-          <a:ext cx="0" cy="0"/>
-          <a:chOff x="0" y="0"/>
-          <a:chExt cx="0" cy="0"/>
-        </a:xfrm>
-      </p:grpSpPr>
-      <p:sp>
-        <p:nvSpPr>
-          <p:cNvPr id="7" name="Slide Number Placeholder 6">
-            <a:extLst>
-              <a:ext uri="{FF2B5EF4-FFF2-40B4-BE49-F238E27FC236}">
-                <a16:creationId xmlns:a16="http://schemas.microsoft.com/office/drawing/2014/main" id="{5ED29847-4810-83BA-F7E2-CF4DBD9F54BE}"/>
-              </a:ext>
-            </a:extLst>
-          </p:cNvPr>
-          <p:cNvSpPr txBox="1">
-            <a:spLocks noGrp="1"/>
-          </p:cNvSpPr>
-          <p:nvPr>
-            <p:ph type="sldNum" sz="quarter" idx="5"/>
-          </p:nvPr>
-        </p:nvSpPr>
-        <p:spPr>
-          <a:ln/>
-        </p:spPr>
-        <p:txBody>
-          <a:bodyPr vert="horz" lIns="0" tIns="0" rIns="0" bIns="0" anchor="b" anchorCtr="0">
-            <a:noAutofit/>
-          </a:bodyPr>
-          <a:lstStyle/>
-          <a:p>
-            <a:pPr lvl="0"/>
-            <a:fld id="{718C3242-5655-4775-AEA5-0476A7203C26}" type="slidenum">
-              <a:t>8</a:t>
-            </a:fld>
-            <a:endParaRPr lang="en-US"/>
-          </a:p>
-        </p:txBody>
-      </p:sp>
-      <p:sp>
-        <p:nvSpPr>
-          <p:cNvPr id="2" name="Slide Image Placeholder 1">
-            <a:extLst>
-              <a:ext uri="{FF2B5EF4-FFF2-40B4-BE49-F238E27FC236}">
-                <a16:creationId xmlns:a16="http://schemas.microsoft.com/office/drawing/2014/main" id="{45930F4C-55DE-89F8-25B7-8EDB67A1E87B}"/>
-              </a:ext>
-            </a:extLst>
-          </p:cNvPr>
-          <p:cNvSpPr>
-            <a:spLocks noGrp="1" noRot="1" noChangeAspect="1" noResize="1"/>
-          </p:cNvSpPr>
-          <p:nvPr>
-            <p:ph type="sldImg"/>
-          </p:nvPr>
-        </p:nvSpPr>
-        <p:spPr>
-          <a:xfrm>
-            <a:off x="1370013" y="763588"/>
-            <a:ext cx="5030787" cy="3771900"/>
-          </a:xfrm>
-          <a:solidFill>
-            <a:srgbClr val="729FCF"/>
-          </a:solidFill>
-          <a:ln w="25400">
-            <a:solidFill>
-              <a:srgbClr val="3465A4"/>
-            </a:solidFill>
-            <a:prstDash val="solid"/>
-          </a:ln>
-        </p:spPr>
-      </p:sp>
-      <p:sp>
-        <p:nvSpPr>
-          <p:cNvPr id="3" name="Notes Placeholder 2">
-            <a:extLst>
-              <a:ext uri="{FF2B5EF4-FFF2-40B4-BE49-F238E27FC236}">
-                <a16:creationId xmlns:a16="http://schemas.microsoft.com/office/drawing/2014/main" id="{99690DB1-2713-E42A-CBAD-AE90F1414ACE}"/>
-              </a:ext>
-            </a:extLst>
-          </p:cNvPr>
-          <p:cNvSpPr txBox="1">
-            <a:spLocks noGrp="1"/>
-          </p:cNvSpPr>
-          <p:nvPr>
-            <p:ph type="body" sz="quarter" idx="1"/>
-          </p:nvPr>
-        </p:nvSpPr>
-        <p:spPr>
-          <a:xfrm>
-            <a:off x="777239" y="4777560"/>
-            <a:ext cx="6217560" cy="4525920"/>
-          </a:xfrm>
-        </p:spPr>
-        <p:txBody>
-          <a:bodyPr vert="horz"/>
-          <a:lstStyle/>
-          <a:p>
-            <a:endParaRPr lang="en-US"/>
-          </a:p>
-        </p:txBody>
-      </p:sp>
-    </p:spTree>
-    <p:extLst>
-      <p:ext uri="{BB962C8B-B14F-4D97-AF65-F5344CB8AC3E}">
-        <p14:creationId xmlns:p14="http://schemas.microsoft.com/office/powerpoint/2010/main" val="1818579294"/>
-      </p:ext>
-    </p:extLst>
-  </p:cSld>
-  <p:clrMapOvr>
-    <a:masterClrMapping/>
-  </p:clrMapOvr>
-</p:notes>
-</file>
-
-<file path=ppt/notesSlides/notesSlide9.xml><?xml version="1.0" encoding="utf-8"?>
-<p:notes xmlns:a="http://schemas.openxmlformats.org/drawingml/2006/main" xmlns:r="http://schemas.openxmlformats.org/officeDocument/2006/relationships" xmlns:p="http://schemas.openxmlformats.org/presentationml/2006/main">
-  <p:cSld>
-    <p:spTree>
-      <p:nvGrpSpPr>
-        <p:cNvPr id="1" name="">
-          <a:extLst>
-            <a:ext uri="{FF2B5EF4-FFF2-40B4-BE49-F238E27FC236}">
-              <a16:creationId xmlns:a16="http://schemas.microsoft.com/office/drawing/2014/main" id="{AFBFC71C-889E-1A33-7071-249D436708B0}"/>
-            </a:ext>
-          </a:extLst>
-        </p:cNvPr>
-        <p:cNvGrpSpPr/>
-        <p:nvPr/>
-      </p:nvGrpSpPr>
-      <p:grpSpPr>
-        <a:xfrm>
-          <a:off x="0" y="0"/>
-          <a:ext cx="0" cy="0"/>
-          <a:chOff x="0" y="0"/>
-          <a:chExt cx="0" cy="0"/>
-        </a:xfrm>
-      </p:grpSpPr>
-      <p:sp>
-        <p:nvSpPr>
-          <p:cNvPr id="7" name="Slide Number Placeholder 6">
-            <a:extLst>
-              <a:ext uri="{FF2B5EF4-FFF2-40B4-BE49-F238E27FC236}">
-                <a16:creationId xmlns:a16="http://schemas.microsoft.com/office/drawing/2014/main" id="{AAD690E5-FFFD-9890-6FEE-9B9F60DEB6F7}"/>
-              </a:ext>
-            </a:extLst>
-          </p:cNvPr>
-          <p:cNvSpPr txBox="1">
-            <a:spLocks noGrp="1"/>
-          </p:cNvSpPr>
-          <p:nvPr>
-            <p:ph type="sldNum" sz="quarter" idx="5"/>
-          </p:nvPr>
-        </p:nvSpPr>
-        <p:spPr>
-          <a:ln/>
-        </p:spPr>
-        <p:txBody>
-          <a:bodyPr vert="horz" lIns="0" tIns="0" rIns="0" bIns="0" anchor="b" anchorCtr="0">
-            <a:noAutofit/>
-          </a:bodyPr>
-          <a:lstStyle/>
-          <a:p>
-            <a:pPr lvl="0"/>
-            <a:fld id="{718C3242-5655-4775-AEA5-0476A7203C26}" type="slidenum">
-              <a:t>9</a:t>
-            </a:fld>
-            <a:endParaRPr lang="en-US"/>
-          </a:p>
-        </p:txBody>
-      </p:sp>
-      <p:sp>
-        <p:nvSpPr>
-          <p:cNvPr id="2" name="Slide Image Placeholder 1">
-            <a:extLst>
-              <a:ext uri="{FF2B5EF4-FFF2-40B4-BE49-F238E27FC236}">
-                <a16:creationId xmlns:a16="http://schemas.microsoft.com/office/drawing/2014/main" id="{F9226C5F-5F1F-6D3C-C1BF-34AF2B4E5ADA}"/>
-              </a:ext>
-            </a:extLst>
-          </p:cNvPr>
-          <p:cNvSpPr>
-            <a:spLocks noGrp="1" noRot="1" noChangeAspect="1" noResize="1"/>
-          </p:cNvSpPr>
-          <p:nvPr>
-            <p:ph type="sldImg"/>
-          </p:nvPr>
-        </p:nvSpPr>
-        <p:spPr>
-          <a:xfrm>
-            <a:off x="1370013" y="763588"/>
-            <a:ext cx="5030787" cy="3771900"/>
-          </a:xfrm>
-          <a:solidFill>
-            <a:srgbClr val="729FCF"/>
-          </a:solidFill>
-          <a:ln w="25400">
-            <a:solidFill>
-              <a:srgbClr val="3465A4"/>
-            </a:solidFill>
-            <a:prstDash val="solid"/>
-          </a:ln>
-        </p:spPr>
-      </p:sp>
-      <p:sp>
-        <p:nvSpPr>
-          <p:cNvPr id="3" name="Notes Placeholder 2">
-            <a:extLst>
-              <a:ext uri="{FF2B5EF4-FFF2-40B4-BE49-F238E27FC236}">
-                <a16:creationId xmlns:a16="http://schemas.microsoft.com/office/drawing/2014/main" id="{EF499EDB-1E22-8397-2F92-29E06671EBD5}"/>
-              </a:ext>
-            </a:extLst>
-          </p:cNvPr>
-          <p:cNvSpPr txBox="1">
-            <a:spLocks noGrp="1"/>
-          </p:cNvSpPr>
-          <p:nvPr>
-            <p:ph type="body" sz="quarter" idx="1"/>
-          </p:nvPr>
-        </p:nvSpPr>
-        <p:spPr>
-          <a:xfrm>
-            <a:off x="777239" y="4777560"/>
-            <a:ext cx="6217560" cy="4525920"/>
-          </a:xfrm>
-        </p:spPr>
-        <p:txBody>
-          <a:bodyPr vert="horz"/>
-          <a:lstStyle/>
-          <a:p>
-            <a:endParaRPr lang="en-US"/>
-          </a:p>
-        </p:txBody>
-      </p:sp>
-    </p:spTree>
-    <p:extLst>
-      <p:ext uri="{BB962C8B-B14F-4D97-AF65-F5344CB8AC3E}">
-        <p14:creationId xmlns:p14="http://schemas.microsoft.com/office/powerpoint/2010/main" val="4259312998"/>
       </p:ext>
     </p:extLst>
   </p:cSld>
@@ -7837,7 +7716,7 @@
           <a:p>
             <a:fld id="{F1859F69-94B2-4F62-9C97-3A66B652706B}" type="datetimeFigureOut">
               <a:rPr lang="en-IL" smtClean="0"/>
-              <a:t>28/03/2025</a:t>
+              <a:t>30/03/2025</a:t>
             </a:fld>
             <a:endParaRPr lang="en-IL"/>
           </a:p>
@@ -8036,7 +7915,7 @@
           <a:p>
             <a:fld id="{F1859F69-94B2-4F62-9C97-3A66B652706B}" type="datetimeFigureOut">
               <a:rPr lang="en-IL" smtClean="0"/>
-              <a:t>28/03/2025</a:t>
+              <a:t>30/03/2025</a:t>
             </a:fld>
             <a:endParaRPr lang="en-IL"/>
           </a:p>
@@ -8311,7 +8190,7 @@
           <a:p>
             <a:fld id="{F1859F69-94B2-4F62-9C97-3A66B652706B}" type="datetimeFigureOut">
               <a:rPr lang="en-IL" smtClean="0"/>
-              <a:t>28/03/2025</a:t>
+              <a:t>30/03/2025</a:t>
             </a:fld>
             <a:endParaRPr lang="en-IL"/>
           </a:p>
@@ -8578,7 +8457,7 @@
           <a:p>
             <a:fld id="{F1859F69-94B2-4F62-9C97-3A66B652706B}" type="datetimeFigureOut">
               <a:rPr lang="en-IL" smtClean="0"/>
-              <a:t>28/03/2025</a:t>
+              <a:t>30/03/2025</a:t>
             </a:fld>
             <a:endParaRPr lang="en-IL"/>
           </a:p>
@@ -8992,7 +8871,7 @@
           <a:p>
             <a:fld id="{F1859F69-94B2-4F62-9C97-3A66B652706B}" type="datetimeFigureOut">
               <a:rPr lang="en-IL" smtClean="0"/>
-              <a:t>28/03/2025</a:t>
+              <a:t>30/03/2025</a:t>
             </a:fld>
             <a:endParaRPr lang="en-IL"/>
           </a:p>
@@ -9133,7 +9012,7 @@
           <a:p>
             <a:fld id="{F1859F69-94B2-4F62-9C97-3A66B652706B}" type="datetimeFigureOut">
               <a:rPr lang="en-IL" smtClean="0"/>
-              <a:t>28/03/2025</a:t>
+              <a:t>30/03/2025</a:t>
             </a:fld>
             <a:endParaRPr lang="en-IL"/>
           </a:p>
@@ -9508,7 +9387,7 @@
           <a:p>
             <a:fld id="{F1859F69-94B2-4F62-9C97-3A66B652706B}" type="datetimeFigureOut">
               <a:rPr lang="en-IL" smtClean="0"/>
-              <a:t>28/03/2025</a:t>
+              <a:t>30/03/2025</a:t>
             </a:fld>
             <a:endParaRPr lang="en-IL"/>
           </a:p>
@@ -9820,7 +9699,7 @@
           <a:p>
             <a:fld id="{F1859F69-94B2-4F62-9C97-3A66B652706B}" type="datetimeFigureOut">
               <a:rPr lang="en-IL" smtClean="0"/>
-              <a:t>28/03/2025</a:t>
+              <a:t>30/03/2025</a:t>
             </a:fld>
             <a:endParaRPr lang="en-IL"/>
           </a:p>
@@ -10108,7 +9987,7 @@
           <a:p>
             <a:fld id="{F1859F69-94B2-4F62-9C97-3A66B652706B}" type="datetimeFigureOut">
               <a:rPr lang="en-IL" smtClean="0"/>
-              <a:t>28/03/2025</a:t>
+              <a:t>30/03/2025</a:t>
             </a:fld>
             <a:endParaRPr lang="en-IL"/>
           </a:p>
@@ -10307,7 +10186,7 @@
           <a:p>
             <a:fld id="{F1859F69-94B2-4F62-9C97-3A66B652706B}" type="datetimeFigureOut">
               <a:rPr lang="en-IL" smtClean="0"/>
-              <a:t>28/03/2025</a:t>
+              <a:t>30/03/2025</a:t>
             </a:fld>
             <a:endParaRPr lang="en-IL"/>
           </a:p>
@@ -10516,7 +10395,7 @@
           <a:p>
             <a:fld id="{F1859F69-94B2-4F62-9C97-3A66B652706B}" type="datetimeFigureOut">
               <a:rPr lang="en-IL" smtClean="0"/>
-              <a:t>28/03/2025</a:t>
+              <a:t>30/03/2025</a:t>
             </a:fld>
             <a:endParaRPr lang="en-IL"/>
           </a:p>
@@ -13642,7 +13521,7 @@
           <a:p>
             <a:fld id="{F1859F69-94B2-4F62-9C97-3A66B652706B}" type="datetimeFigureOut">
               <a:rPr lang="en-IL" smtClean="0"/>
-              <a:t>28/03/2025</a:t>
+              <a:t>30/03/2025</a:t>
             </a:fld>
             <a:endParaRPr lang="en-IL"/>
           </a:p>
@@ -14262,7 +14141,7 @@
         <p:cNvPr id="1" name="">
           <a:extLst>
             <a:ext uri="{FF2B5EF4-FFF2-40B4-BE49-F238E27FC236}">
-              <a16:creationId xmlns:a16="http://schemas.microsoft.com/office/drawing/2014/main" id="{C6CE9C1B-9375-6C08-CCD8-0346D8925225}"/>
+              <a16:creationId xmlns:a16="http://schemas.microsoft.com/office/drawing/2014/main" id="{7C7F58F2-44B2-276F-5189-1B8D210C8A73}"/>
             </a:ext>
           </a:extLst>
         </p:cNvPr>
@@ -14282,7 +14161,7 @@
           <p:cNvPr id="2" name="Title 1">
             <a:extLst>
               <a:ext uri="{FF2B5EF4-FFF2-40B4-BE49-F238E27FC236}">
-                <a16:creationId xmlns:a16="http://schemas.microsoft.com/office/drawing/2014/main" id="{68EEEDDD-23E8-1D3F-49E9-9DE45D5D359C}"/>
+                <a16:creationId xmlns:a16="http://schemas.microsoft.com/office/drawing/2014/main" id="{37FAFA07-C5D3-E660-28B9-B6E29EFB67A5}"/>
               </a:ext>
             </a:extLst>
           </p:cNvPr>
@@ -14315,10 +14194,10 @@
       </p:sp>
       <p:sp>
         <p:nvSpPr>
-          <p:cNvPr id="4" name="TextBox 3">
+          <p:cNvPr id="5" name="TextBox 4">
             <a:extLst>
               <a:ext uri="{FF2B5EF4-FFF2-40B4-BE49-F238E27FC236}">
-                <a16:creationId xmlns:a16="http://schemas.microsoft.com/office/drawing/2014/main" id="{44CD3B88-89AD-A460-8F4A-C1223E1CC0BD}"/>
+                <a16:creationId xmlns:a16="http://schemas.microsoft.com/office/drawing/2014/main" id="{F0DB0CC6-FC9A-2DCE-3230-FC08184AE420}"/>
               </a:ext>
             </a:extLst>
           </p:cNvPr>
@@ -14327,8 +14206,8 @@
         </p:nvSpPr>
         <p:spPr>
           <a:xfrm>
-            <a:off x="216693" y="1074960"/>
-            <a:ext cx="9647238" cy="1978319"/>
+            <a:off x="457200" y="1074960"/>
+            <a:ext cx="9486901" cy="6225059"/>
           </a:xfrm>
           <a:prstGeom prst="rect">
             <a:avLst/>
@@ -14357,172 +14236,26 @@
               <a:tabLst/>
             </a:pPr>
             <a:r>
+              <a:rPr lang="he-IL" sz="3200" b="1" i="1" u="none" strike="noStrike" kern="1200" cap="none">
+                <a:ln>
+                  <a:noFill/>
+                </a:ln>
+                <a:latin typeface="Liberation Sans" pitchFamily="34"/>
+                <a:ea typeface="Noto Sans CJK SC Regular" pitchFamily="2"/>
+                <a:cs typeface="Liberation Sans" pitchFamily="34"/>
+              </a:rPr>
+              <a:t>המשך הוכחה</a:t>
+            </a:r>
+            <a:r>
               <a:rPr lang="he-IL" sz="3200" b="1" u="none" strike="noStrike" kern="1200" cap="none">
                 <a:ln>
                   <a:noFill/>
                 </a:ln>
-                <a:solidFill>
-                  <a:schemeClr val="accent3"/>
-                </a:solidFill>
-                <a:latin typeface="Liberation Sans" pitchFamily="34"/>
-                <a:ea typeface="Noto Sans CJK SC Regular" pitchFamily="2"/>
-                <a:cs typeface="Liberation Sans" pitchFamily="34"/>
-              </a:rPr>
-              <a:t>משפט</a:t>
-            </a:r>
-            <a:r>
-              <a:rPr lang="he-IL" sz="3200" b="0" u="none" strike="noStrike" kern="1200" cap="none">
-                <a:ln>
-                  <a:noFill/>
-                </a:ln>
-                <a:solidFill>
-                  <a:schemeClr val="accent3"/>
-                </a:solidFill>
-                <a:latin typeface="Liberation Sans" pitchFamily="34"/>
-                <a:ea typeface="Noto Sans CJK SC Regular" pitchFamily="2"/>
-                <a:cs typeface="Liberation Sans" pitchFamily="34"/>
-              </a:rPr>
-              <a:t>: אם חלוקה </a:t>
-            </a:r>
-            <a:r>
-              <a:rPr lang="en-US" sz="3200" b="0" u="none" strike="noStrike" kern="1200" cap="none">
-                <a:ln>
-                  <a:noFill/>
-                </a:ln>
-                <a:solidFill>
-                  <a:schemeClr val="accent3"/>
-                </a:solidFill>
-                <a:latin typeface="Liberation Sans" pitchFamily="34"/>
-                <a:ea typeface="Noto Sans CJK SC Regular" pitchFamily="2"/>
-                <a:cs typeface="Liberation Sans" pitchFamily="34"/>
-              </a:rPr>
-              <a:t>X</a:t>
-            </a:r>
-            <a:r>
-              <a:rPr lang="he-IL" sz="3200" b="0" u="none" strike="noStrike" kern="1200" cap="none">
-                <a:ln>
-                  <a:noFill/>
-                </a:ln>
-                <a:solidFill>
-                  <a:schemeClr val="accent3"/>
-                </a:solidFill>
-                <a:latin typeface="Liberation Sans" pitchFamily="34"/>
-                <a:ea typeface="Noto Sans CJK SC Regular" pitchFamily="2"/>
-                <a:cs typeface="Liberation Sans" pitchFamily="34"/>
-              </a:rPr>
-              <a:t> ממקסמת את סכום הלוגריתמים, אז קיים תימחור </a:t>
-            </a:r>
-            <a:r>
-              <a:rPr lang="en-US" sz="3200" b="0" u="none" strike="noStrike" kern="1200" cap="none">
-                <a:ln>
-                  <a:noFill/>
-                </a:ln>
-                <a:solidFill>
-                  <a:schemeClr val="accent3"/>
-                </a:solidFill>
-                <a:latin typeface="Liberation Sans" pitchFamily="34"/>
-                <a:ea typeface="Noto Sans CJK SC Regular" pitchFamily="2"/>
-                <a:cs typeface="Liberation Sans" pitchFamily="34"/>
-              </a:rPr>
-              <a:t>p</a:t>
-            </a:r>
-            <a:r>
-              <a:rPr lang="he-IL" sz="3200" b="0" u="none" strike="noStrike" kern="1200" cap="none">
-                <a:ln>
-                  <a:noFill/>
-                </a:ln>
-                <a:solidFill>
-                  <a:schemeClr val="accent3"/>
-                </a:solidFill>
-                <a:latin typeface="Liberation Sans" pitchFamily="34"/>
-                <a:ea typeface="Noto Sans CJK SC Regular" pitchFamily="2"/>
-                <a:cs typeface="Liberation Sans" pitchFamily="34"/>
-              </a:rPr>
-              <a:t> כך שהזוג </a:t>
-            </a:r>
-            <a:r>
-              <a:rPr lang="en-US" sz="3200" b="0" u="none" strike="noStrike" kern="1200" cap="none">
-                <a:ln>
-                  <a:noFill/>
-                </a:ln>
-                <a:solidFill>
-                  <a:schemeClr val="accent3"/>
-                </a:solidFill>
-                <a:latin typeface="Liberation Sans" pitchFamily="34"/>
-                <a:ea typeface="Noto Sans CJK SC Regular" pitchFamily="2"/>
-                <a:cs typeface="Liberation Sans" pitchFamily="34"/>
-              </a:rPr>
-              <a:t>(</a:t>
-            </a:r>
-            <a:r>
-              <a:rPr lang="en-US" sz="3200" b="0" i="1" u="none" strike="noStrike" kern="1200" cap="none">
-                <a:ln>
-                  <a:noFill/>
-                </a:ln>
-                <a:solidFill>
-                  <a:schemeClr val="accent3"/>
-                </a:solidFill>
-                <a:latin typeface="Liberation Sans" pitchFamily="34"/>
-                <a:ea typeface="Noto Sans CJK SC Regular" pitchFamily="2"/>
-                <a:cs typeface="Liberation Sans" pitchFamily="34"/>
-              </a:rPr>
-              <a:t>X</a:t>
-            </a:r>
-            <a:r>
-              <a:rPr lang="en-US" sz="3200" b="0" u="none" strike="noStrike" kern="1200" cap="none">
-                <a:ln>
-                  <a:noFill/>
-                </a:ln>
-                <a:solidFill>
-                  <a:schemeClr val="accent3"/>
-                </a:solidFill>
-                <a:latin typeface="Liberation Sans" pitchFamily="34"/>
-                <a:ea typeface="Noto Sans CJK SC Regular" pitchFamily="2"/>
-                <a:cs typeface="Liberation Sans" pitchFamily="34"/>
-              </a:rPr>
-              <a:t>, </a:t>
-            </a:r>
-            <a:r>
-              <a:rPr lang="en-US" sz="3200" b="0" i="1" u="none" strike="noStrike" kern="1200" cap="none">
-                <a:ln>
-                  <a:noFill/>
-                </a:ln>
-                <a:solidFill>
-                  <a:schemeClr val="accent3"/>
-                </a:solidFill>
-                <a:latin typeface="Liberation Sans" pitchFamily="34"/>
-                <a:ea typeface="Noto Sans CJK SC Regular" pitchFamily="2"/>
-                <a:cs typeface="Liberation Sans" pitchFamily="34"/>
-              </a:rPr>
-              <a:t>p</a:t>
-            </a:r>
-            <a:r>
-              <a:rPr lang="en-US" sz="3200" b="0" u="none" strike="noStrike" kern="1200" cap="none">
-                <a:ln>
-                  <a:noFill/>
-                </a:ln>
-                <a:solidFill>
-                  <a:schemeClr val="accent3"/>
-                </a:solidFill>
-                <a:latin typeface="Liberation Sans" pitchFamily="34"/>
-                <a:ea typeface="Noto Sans CJK SC Regular" pitchFamily="2"/>
-                <a:cs typeface="Liberation Sans" pitchFamily="34"/>
-              </a:rPr>
-              <a:t>)</a:t>
-            </a:r>
-            <a:r>
-              <a:rPr lang="he-IL" sz="3200" b="0" u="none" strike="noStrike" kern="1200" cap="none">
-                <a:ln>
-                  <a:noFill/>
-                </a:ln>
-                <a:solidFill>
-                  <a:schemeClr val="accent3"/>
-                </a:solidFill>
-                <a:latin typeface="Liberation Sans" pitchFamily="34"/>
-                <a:ea typeface="Noto Sans CJK SC Regular" pitchFamily="2"/>
-                <a:cs typeface="Liberation Sans" pitchFamily="34"/>
-              </a:rPr>
-              <a:t> הוא שיווי משקל תחרותי חסכוני עם תקציבים שוים.</a:t>
+                <a:latin typeface="Liberation Sans" pitchFamily="34"/>
+                <a:ea typeface="Noto Sans CJK SC Regular" pitchFamily="2"/>
+                <a:cs typeface="Liberation Sans" pitchFamily="34"/>
+              </a:rPr>
+              <a:t>. </a:t>
             </a:r>
           </a:p>
           <a:p>
@@ -14541,7 +14274,93 @@
               <a:tabLst/>
             </a:pPr>
             <a:r>
-              <a:rPr lang="he-IL" sz="3200" i="1">
+              <a:rPr lang="he-IL" sz="3200">
+                <a:latin typeface="Liberation Sans" pitchFamily="34"/>
+                <a:ea typeface="Noto Sans CJK SC Regular" pitchFamily="2"/>
+                <a:cs typeface="Liberation Sans" pitchFamily="34"/>
+              </a:rPr>
+              <a:t>מחיר הסל של כל שחקן </a:t>
+            </a:r>
+            <a:r>
+              <a:rPr lang="en-US" sz="3200">
+                <a:latin typeface="Liberation Sans" pitchFamily="34"/>
+                <a:ea typeface="Noto Sans CJK SC Regular" pitchFamily="2"/>
+                <a:cs typeface="Liberation Sans" pitchFamily="34"/>
+              </a:rPr>
+              <a:t>j</a:t>
+            </a:r>
+            <a:r>
+              <a:rPr lang="he-IL" sz="3200">
+                <a:latin typeface="Liberation Sans" pitchFamily="34"/>
+                <a:ea typeface="Noto Sans CJK SC Regular" pitchFamily="2"/>
+                <a:cs typeface="Liberation Sans" pitchFamily="34"/>
+              </a:rPr>
+              <a:t>:</a:t>
+            </a:r>
+          </a:p>
+          <a:p>
+            <a:pPr marL="457200" lvl="0" indent="-457200" hangingPunct="0">
+              <a:buFont typeface="Arial" panose="020B0604020202020204" pitchFamily="34" charset="0"/>
+              <a:buChar char="•"/>
+            </a:pPr>
+            <a:r>
+              <a:rPr lang="en-US" sz="3200">
+                <a:latin typeface="Liberation Sans" pitchFamily="34"/>
+                <a:ea typeface="Noto Sans CJK SC Regular" pitchFamily="2"/>
+                <a:cs typeface="Liberation Sans" pitchFamily="34"/>
+              </a:rPr>
+              <a:t>p(X</a:t>
+            </a:r>
+            <a:r>
+              <a:rPr lang="en-US" sz="3200" baseline="-25000">
+                <a:latin typeface="Liberation Sans" pitchFamily="34"/>
+                <a:ea typeface="Noto Sans CJK SC Regular" pitchFamily="2"/>
+                <a:cs typeface="Liberation Sans" pitchFamily="34"/>
+              </a:rPr>
+              <a:t>j</a:t>
+            </a:r>
+            <a:r>
+              <a:rPr lang="en-US" sz="3200">
+                <a:latin typeface="Liberation Sans" pitchFamily="34"/>
+                <a:ea typeface="Noto Sans CJK SC Regular" pitchFamily="2"/>
+                <a:cs typeface="Liberation Sans" pitchFamily="34"/>
+              </a:rPr>
+              <a:t>) = sum</a:t>
+            </a:r>
+            <a:r>
+              <a:rPr lang="en-US" sz="3200" baseline="-25000">
+                <a:latin typeface="Liberation Sans" pitchFamily="34"/>
+                <a:ea typeface="Noto Sans CJK SC Regular" pitchFamily="2"/>
+                <a:cs typeface="Liberation Sans" pitchFamily="34"/>
+              </a:rPr>
+              <a:t>r</a:t>
+            </a:r>
+            <a:r>
+              <a:rPr lang="en-US" sz="3200">
+                <a:latin typeface="Liberation Sans" pitchFamily="34"/>
+                <a:ea typeface="Noto Sans CJK SC Regular" pitchFamily="2"/>
+                <a:cs typeface="Liberation Sans" pitchFamily="34"/>
+              </a:rPr>
+              <a:t> (x</a:t>
+            </a:r>
+            <a:r>
+              <a:rPr lang="en-US" sz="3200" baseline="-25000">
+                <a:latin typeface="Liberation Sans" pitchFamily="34"/>
+                <a:ea typeface="Noto Sans CJK SC Regular" pitchFamily="2"/>
+                <a:cs typeface="Liberation Sans" pitchFamily="34"/>
+              </a:rPr>
+              <a:t>j,r</a:t>
+            </a:r>
+            <a:r>
+              <a:rPr lang="en-US" sz="3200">
+                <a:latin typeface="Liberation Sans" pitchFamily="34"/>
+                <a:ea typeface="Noto Sans CJK SC Regular" pitchFamily="2"/>
+                <a:cs typeface="Liberation Sans" pitchFamily="34"/>
+              </a:rPr>
+              <a:t> * </a:t>
+            </a:r>
+            <a:r>
+              <a:rPr lang="en-US" sz="3200">
                 <a:solidFill>
                   <a:schemeClr val="accent5"/>
                 </a:solidFill>
@@ -14549,139 +14368,205 @@
                 <a:ea typeface="Noto Sans CJK SC Regular" pitchFamily="2"/>
                 <a:cs typeface="Liberation Sans" pitchFamily="34"/>
               </a:rPr>
-              <a:t>משמעות: אלגוריתם יעיל לחישוב שיווי משקל תחרותי.</a:t>
-            </a:r>
-            <a:endParaRPr lang="he-IL" sz="3200" b="0" i="1" u="none" strike="noStrike" kern="1200" cap="none">
-              <a:ln>
-                <a:noFill/>
-              </a:ln>
-              <a:solidFill>
-                <a:schemeClr val="accent5"/>
-              </a:solidFill>
-              <a:latin typeface="Liberation Sans" pitchFamily="34"/>
-              <a:ea typeface="Noto Sans CJK SC Regular" pitchFamily="2"/>
-              <a:cs typeface="Liberation Sans" pitchFamily="34"/>
-            </a:endParaRPr>
-          </a:p>
-        </p:txBody>
-      </p:sp>
-      <p:sp>
-        <p:nvSpPr>
-          <p:cNvPr id="5" name="TextBox 4">
-            <a:extLst>
-              <a:ext uri="{FF2B5EF4-FFF2-40B4-BE49-F238E27FC236}">
-                <a16:creationId xmlns:a16="http://schemas.microsoft.com/office/drawing/2014/main" id="{5E022990-7669-2D44-E75E-D70DB157816F}"/>
-              </a:ext>
-            </a:extLst>
-          </p:cNvPr>
-          <p:cNvSpPr txBox="1"/>
-          <p:nvPr/>
-        </p:nvSpPr>
-        <p:spPr>
-          <a:xfrm>
-            <a:off x="377030" y="3053279"/>
-            <a:ext cx="9486901" cy="3865758"/>
-          </a:xfrm>
-          <a:prstGeom prst="rect">
-            <a:avLst/>
-          </a:prstGeom>
-          <a:noFill/>
-          <a:ln>
-            <a:noFill/>
-          </a:ln>
-        </p:spPr>
-        <p:txBody>
-          <a:bodyPr vert="horz" wrap="square" lIns="90000" tIns="45000" rIns="90000" bIns="45000" anchorCtr="0" compatLnSpc="0">
-            <a:spAutoFit/>
-          </a:bodyPr>
-          <a:lstStyle/>
-          <a:p>
-            <a:pPr marR="0" lvl="0" algn="r" rtl="1" hangingPunct="0">
-              <a:lnSpc>
-                <a:spcPct val="100000"/>
-              </a:lnSpc>
-              <a:spcBef>
-                <a:spcPts val="0"/>
-              </a:spcBef>
-              <a:spcAft>
-                <a:spcPts val="0"/>
-              </a:spcAft>
-              <a:tabLst/>
-            </a:pPr>
-            <a:r>
-              <a:rPr lang="he-IL" sz="3200" b="1" u="none" strike="noStrike" kern="1200" cap="none">
-                <a:ln>
-                  <a:noFill/>
-                </a:ln>
-                <a:latin typeface="Liberation Sans" pitchFamily="34"/>
-                <a:ea typeface="Noto Sans CJK SC Regular" pitchFamily="2"/>
-                <a:cs typeface="Liberation Sans" pitchFamily="34"/>
-              </a:rPr>
-              <a:t>הוכחה. </a:t>
-            </a:r>
-          </a:p>
-          <a:p>
-            <a:pPr marL="457200" marR="0" lvl="0" indent="-457200" algn="r" rtl="1" hangingPunct="0">
-              <a:lnSpc>
-                <a:spcPct val="100000"/>
-              </a:lnSpc>
-              <a:spcBef>
-                <a:spcPts val="0"/>
-              </a:spcBef>
-              <a:spcAft>
-                <a:spcPts val="0"/>
-              </a:spcAft>
+              <a:t>p</a:t>
+            </a:r>
+            <a:r>
+              <a:rPr lang="en-US" sz="3200" baseline="-25000">
+                <a:solidFill>
+                  <a:schemeClr val="accent5"/>
+                </a:solidFill>
+                <a:latin typeface="Liberation Sans" pitchFamily="34"/>
+                <a:ea typeface="Noto Sans CJK SC Regular" pitchFamily="2"/>
+                <a:cs typeface="Liberation Sans" pitchFamily="34"/>
+              </a:rPr>
+              <a:t>r</a:t>
+            </a:r>
+            <a:r>
+              <a:rPr lang="en-US" sz="3200">
+                <a:latin typeface="Liberation Sans" pitchFamily="34"/>
+                <a:ea typeface="Noto Sans CJK SC Regular" pitchFamily="2"/>
+                <a:cs typeface="Liberation Sans" pitchFamily="34"/>
+              </a:rPr>
+              <a:t>) = sum</a:t>
+            </a:r>
+            <a:r>
+              <a:rPr lang="en-US" sz="3200" baseline="-25000">
+                <a:latin typeface="Liberation Sans" pitchFamily="34"/>
+                <a:ea typeface="Noto Sans CJK SC Regular" pitchFamily="2"/>
+                <a:cs typeface="Liberation Sans" pitchFamily="34"/>
+              </a:rPr>
+              <a:t>r</a:t>
+            </a:r>
+            <a:r>
+              <a:rPr lang="en-US" sz="3200">
+                <a:latin typeface="Liberation Sans" pitchFamily="34"/>
+                <a:ea typeface="Noto Sans CJK SC Regular" pitchFamily="2"/>
+                <a:cs typeface="Liberation Sans" pitchFamily="34"/>
+              </a:rPr>
+              <a:t> (x</a:t>
+            </a:r>
+            <a:r>
+              <a:rPr lang="en-US" sz="3200" baseline="-25000">
+                <a:latin typeface="Liberation Sans" pitchFamily="34"/>
+                <a:ea typeface="Noto Sans CJK SC Regular" pitchFamily="2"/>
+                <a:cs typeface="Liberation Sans" pitchFamily="34"/>
+              </a:rPr>
+              <a:t>j,r</a:t>
+            </a:r>
+            <a:r>
+              <a:rPr lang="en-US" sz="3200">
+                <a:latin typeface="Liberation Sans" pitchFamily="34"/>
+                <a:ea typeface="Noto Sans CJK SC Regular" pitchFamily="2"/>
+                <a:cs typeface="Liberation Sans" pitchFamily="34"/>
+              </a:rPr>
+              <a:t> * </a:t>
+            </a:r>
+            <a:r>
+              <a:rPr lang="en-US" sz="3200">
+                <a:solidFill>
+                  <a:schemeClr val="accent5"/>
+                </a:solidFill>
+                <a:latin typeface="Liberation Sans" pitchFamily="34"/>
+                <a:ea typeface="Noto Sans CJK SC Regular" pitchFamily="2"/>
+                <a:cs typeface="Liberation Sans" pitchFamily="34"/>
+              </a:rPr>
+              <a:t>v</a:t>
+            </a:r>
+            <a:r>
+              <a:rPr lang="en-US" sz="3200" baseline="-25000">
+                <a:solidFill>
+                  <a:schemeClr val="accent5"/>
+                </a:solidFill>
+                <a:latin typeface="Liberation Sans" pitchFamily="34"/>
+                <a:ea typeface="Noto Sans CJK SC Regular" pitchFamily="2"/>
+                <a:cs typeface="Liberation Sans" pitchFamily="34"/>
+              </a:rPr>
+              <a:t>j</a:t>
+            </a:r>
+            <a:r>
+              <a:rPr lang="en-US" sz="3200">
+                <a:solidFill>
+                  <a:schemeClr val="accent5"/>
+                </a:solidFill>
+                <a:latin typeface="Liberation Sans" pitchFamily="34"/>
+                <a:ea typeface="Noto Sans CJK SC Regular" pitchFamily="2"/>
+                <a:cs typeface="Liberation Sans" pitchFamily="34"/>
+              </a:rPr>
+              <a:t>(r)/v</a:t>
+            </a:r>
+            <a:r>
+              <a:rPr lang="en-US" sz="3200" baseline="-25000">
+                <a:solidFill>
+                  <a:schemeClr val="accent5"/>
+                </a:solidFill>
+                <a:latin typeface="Liberation Sans" pitchFamily="34"/>
+                <a:ea typeface="Noto Sans CJK SC Regular" pitchFamily="2"/>
+                <a:cs typeface="Liberation Sans" pitchFamily="34"/>
+              </a:rPr>
+              <a:t>j</a:t>
+            </a:r>
+            <a:r>
+              <a:rPr lang="en-US" sz="3200">
+                <a:solidFill>
+                  <a:schemeClr val="accent5"/>
+                </a:solidFill>
+                <a:latin typeface="Liberation Sans" pitchFamily="34"/>
+                <a:ea typeface="Noto Sans CJK SC Regular" pitchFamily="2"/>
+                <a:cs typeface="Liberation Sans" pitchFamily="34"/>
+              </a:rPr>
+              <a:t>(X</a:t>
+            </a:r>
+            <a:r>
+              <a:rPr lang="en-US" sz="3200" baseline="-25000">
+                <a:solidFill>
+                  <a:schemeClr val="accent5"/>
+                </a:solidFill>
+                <a:latin typeface="Liberation Sans" pitchFamily="34"/>
+                <a:ea typeface="Noto Sans CJK SC Regular" pitchFamily="2"/>
+                <a:cs typeface="Liberation Sans" pitchFamily="34"/>
+              </a:rPr>
+              <a:t>j</a:t>
+            </a:r>
+            <a:r>
+              <a:rPr lang="en-US" sz="3200">
+                <a:solidFill>
+                  <a:schemeClr val="accent5"/>
+                </a:solidFill>
+                <a:latin typeface="Liberation Sans" pitchFamily="34"/>
+                <a:ea typeface="Noto Sans CJK SC Regular" pitchFamily="2"/>
+                <a:cs typeface="Liberation Sans" pitchFamily="34"/>
+              </a:rPr>
+              <a:t>)</a:t>
+            </a:r>
+            <a:r>
+              <a:rPr lang="en-US" sz="3200">
+                <a:latin typeface="Liberation Sans" pitchFamily="34"/>
+                <a:ea typeface="Noto Sans CJK SC Regular" pitchFamily="2"/>
+                <a:cs typeface="Liberation Sans" pitchFamily="34"/>
+              </a:rPr>
+              <a:t>)</a:t>
+            </a:r>
+          </a:p>
+          <a:p>
+            <a:pPr marL="457200" lvl="0" indent="-457200" hangingPunct="0">
               <a:buFont typeface="Arial" panose="020B0604020202020204" pitchFamily="34" charset="0"/>
               <a:buChar char="•"/>
-              <a:tabLst/>
             </a:pPr>
             <a:r>
-              <a:rPr lang="he-IL" sz="3200">
-                <a:latin typeface="Liberation Sans" pitchFamily="34"/>
-                <a:ea typeface="Noto Sans CJK SC Regular" pitchFamily="2"/>
-                <a:cs typeface="Liberation Sans" pitchFamily="34"/>
-              </a:rPr>
-              <a:t>בחלוקה הממקסמת את סכום הלוגריתמים, כל משאב </a:t>
-            </a:r>
-            <a:r>
               <a:rPr lang="en-US" sz="3200">
                 <a:latin typeface="Liberation Sans" pitchFamily="34"/>
                 <a:ea typeface="Noto Sans CJK SC Regular" pitchFamily="2"/>
                 <a:cs typeface="Liberation Sans" pitchFamily="34"/>
               </a:rPr>
+              <a:t>        = sum</a:t>
+            </a:r>
+            <a:r>
+              <a:rPr lang="en-US" sz="3200" baseline="-25000">
+                <a:latin typeface="Liberation Sans" pitchFamily="34"/>
+                <a:ea typeface="Noto Sans CJK SC Regular" pitchFamily="2"/>
+                <a:cs typeface="Liberation Sans" pitchFamily="34"/>
+              </a:rPr>
               <a:t>r</a:t>
             </a:r>
             <a:r>
-              <a:rPr lang="he-IL" sz="3200">
-                <a:latin typeface="Liberation Sans" pitchFamily="34"/>
-                <a:ea typeface="Noto Sans CJK SC Regular" pitchFamily="2"/>
-                <a:cs typeface="Liberation Sans" pitchFamily="34"/>
-              </a:rPr>
-              <a:t> ניתן לשחקן </a:t>
-            </a:r>
-            <a:r>
               <a:rPr lang="en-US" sz="3200">
                 <a:latin typeface="Liberation Sans" pitchFamily="34"/>
                 <a:ea typeface="Noto Sans CJK SC Regular" pitchFamily="2"/>
                 <a:cs typeface="Liberation Sans" pitchFamily="34"/>
               </a:rPr>
+              <a:t> (x</a:t>
+            </a:r>
+            <a:r>
+              <a:rPr lang="en-US" sz="3200" baseline="-25000">
+                <a:latin typeface="Liberation Sans" pitchFamily="34"/>
+                <a:ea typeface="Noto Sans CJK SC Regular" pitchFamily="2"/>
+                <a:cs typeface="Liberation Sans" pitchFamily="34"/>
+              </a:rPr>
+              <a:t>j,r</a:t>
+            </a:r>
+            <a:r>
+              <a:rPr lang="en-US" sz="3200">
+                <a:latin typeface="Liberation Sans" pitchFamily="34"/>
+                <a:ea typeface="Noto Sans CJK SC Regular" pitchFamily="2"/>
+                <a:cs typeface="Liberation Sans" pitchFamily="34"/>
+              </a:rPr>
+              <a:t> * v</a:t>
+            </a:r>
+            <a:r>
+              <a:rPr lang="en-US" sz="3200" baseline="-25000">
+                <a:latin typeface="Liberation Sans" pitchFamily="34"/>
+                <a:ea typeface="Noto Sans CJK SC Regular" pitchFamily="2"/>
+                <a:cs typeface="Liberation Sans" pitchFamily="34"/>
+              </a:rPr>
               <a:t>j</a:t>
             </a:r>
             <a:r>
-              <a:rPr lang="he-IL" sz="3200">
-                <a:latin typeface="Liberation Sans" pitchFamily="34"/>
-                <a:ea typeface="Noto Sans CJK SC Regular" pitchFamily="2"/>
-                <a:cs typeface="Liberation Sans" pitchFamily="34"/>
-              </a:rPr>
-              <a:t> כלשהו, שעבורו המנה </a:t>
-            </a:r>
-            <a:r>
               <a:rPr lang="en-US" sz="3200">
                 <a:latin typeface="Liberation Sans" pitchFamily="34"/>
                 <a:ea typeface="Noto Sans CJK SC Regular" pitchFamily="2"/>
                 <a:cs typeface="Liberation Sans" pitchFamily="34"/>
               </a:rPr>
-              <a:t>v</a:t>
+              <a:t>(r)) / v</a:t>
             </a:r>
             <a:r>
               <a:rPr lang="en-US" sz="3200" baseline="-25000">
@@ -14697,7 +14582,7 @@
                 <a:ea typeface="Noto Sans CJK SC Regular" pitchFamily="2"/>
                 <a:cs typeface="Liberation Sans" pitchFamily="34"/>
               </a:rPr>
-              <a:t>(r)/v</a:t>
+              <a:t>(X</a:t>
             </a:r>
             <a:r>
               <a:rPr lang="en-US" sz="3200" baseline="-25000">
@@ -14713,274 +14598,766 @@
                 <a:ea typeface="Noto Sans CJK SC Regular" pitchFamily="2"/>
                 <a:cs typeface="Liberation Sans" pitchFamily="34"/>
               </a:rPr>
-              <a:t>(X</a:t>
-            </a:r>
-            <a:r>
-              <a:rPr lang="en-US" sz="3200" baseline="-25000">
-                <a:latin typeface="Liberation Sans" pitchFamily="34"/>
-                <a:ea typeface="Noto Sans CJK SC Regular" pitchFamily="2"/>
-                <a:cs typeface="Liberation Sans" pitchFamily="34"/>
-              </a:rPr>
-              <a:t>j</a:t>
-            </a:r>
-            <a:r>
-              <a:rPr lang="en-US" sz="3200">
-                <a:latin typeface="Liberation Sans" pitchFamily="34"/>
-                <a:ea typeface="Noto Sans CJK SC Regular" pitchFamily="2"/>
-                <a:cs typeface="Liberation Sans" pitchFamily="34"/>
-              </a:rPr>
-              <a:t>) </a:t>
-            </a:r>
-            <a:r>
-              <a:rPr lang="he-IL" sz="3200">
-                <a:latin typeface="Liberation Sans" pitchFamily="34"/>
-                <a:ea typeface="Noto Sans CJK SC Regular" pitchFamily="2"/>
-                <a:cs typeface="Liberation Sans" pitchFamily="34"/>
-              </a:rPr>
-              <a:t> גדולה ביותר.</a:t>
-            </a:r>
-          </a:p>
-          <a:p>
-            <a:pPr marL="457200" marR="0" lvl="0" indent="-457200" algn="r" rtl="1" hangingPunct="0">
-              <a:lnSpc>
-                <a:spcPct val="100000"/>
-              </a:lnSpc>
-              <a:spcBef>
-                <a:spcPts val="0"/>
-              </a:spcBef>
-              <a:spcAft>
-                <a:spcPts val="0"/>
-              </a:spcAft>
+              <a:t>)</a:t>
+            </a:r>
+          </a:p>
+          <a:p>
+            <a:pPr marL="457200" lvl="0" indent="-457200" hangingPunct="0">
               <a:buFont typeface="Arial" panose="020B0604020202020204" pitchFamily="34" charset="0"/>
               <a:buChar char="•"/>
-              <a:tabLst/>
             </a:pPr>
+            <a:r>
+              <a:rPr lang="en-US" sz="3200">
+                <a:latin typeface="Liberation Sans" pitchFamily="34"/>
+                <a:ea typeface="Noto Sans CJK SC Regular" pitchFamily="2"/>
+                <a:cs typeface="Liberation Sans" pitchFamily="34"/>
+              </a:rPr>
+              <a:t>        = v</a:t>
+            </a:r>
+            <a:r>
+              <a:rPr lang="en-US" sz="3200" baseline="-25000">
+                <a:latin typeface="Liberation Sans" pitchFamily="34"/>
+                <a:ea typeface="Noto Sans CJK SC Regular" pitchFamily="2"/>
+                <a:cs typeface="Liberation Sans" pitchFamily="34"/>
+              </a:rPr>
+              <a:t>j</a:t>
+            </a:r>
+            <a:r>
+              <a:rPr lang="en-US" sz="3200">
+                <a:latin typeface="Liberation Sans" pitchFamily="34"/>
+                <a:ea typeface="Noto Sans CJK SC Regular" pitchFamily="2"/>
+                <a:cs typeface="Liberation Sans" pitchFamily="34"/>
+              </a:rPr>
+              <a:t>(X</a:t>
+            </a:r>
+            <a:r>
+              <a:rPr lang="en-US" sz="3200" baseline="-25000">
+                <a:latin typeface="Liberation Sans" pitchFamily="34"/>
+                <a:ea typeface="Noto Sans CJK SC Regular" pitchFamily="2"/>
+                <a:cs typeface="Liberation Sans" pitchFamily="34"/>
+              </a:rPr>
+              <a:t>j</a:t>
+            </a:r>
+            <a:r>
+              <a:rPr lang="en-US" sz="3200">
+                <a:latin typeface="Liberation Sans" pitchFamily="34"/>
+                <a:ea typeface="Noto Sans CJK SC Regular" pitchFamily="2"/>
+                <a:cs typeface="Liberation Sans" pitchFamily="34"/>
+              </a:rPr>
+              <a:t>) / v</a:t>
+            </a:r>
+            <a:r>
+              <a:rPr lang="en-US" sz="3200" baseline="-25000">
+                <a:latin typeface="Liberation Sans" pitchFamily="34"/>
+                <a:ea typeface="Noto Sans CJK SC Regular" pitchFamily="2"/>
+                <a:cs typeface="Liberation Sans" pitchFamily="34"/>
+              </a:rPr>
+              <a:t>j</a:t>
+            </a:r>
+            <a:r>
+              <a:rPr lang="en-US" sz="3200">
+                <a:latin typeface="Liberation Sans" pitchFamily="34"/>
+                <a:ea typeface="Noto Sans CJK SC Regular" pitchFamily="2"/>
+                <a:cs typeface="Liberation Sans" pitchFamily="34"/>
+              </a:rPr>
+              <a:t>(X</a:t>
+            </a:r>
+            <a:r>
+              <a:rPr lang="en-US" sz="3200" baseline="-25000">
+                <a:latin typeface="Liberation Sans" pitchFamily="34"/>
+                <a:ea typeface="Noto Sans CJK SC Regular" pitchFamily="2"/>
+                <a:cs typeface="Liberation Sans" pitchFamily="34"/>
+              </a:rPr>
+              <a:t>j</a:t>
+            </a:r>
+            <a:r>
+              <a:rPr lang="en-US" sz="3200">
+                <a:latin typeface="Liberation Sans" pitchFamily="34"/>
+                <a:ea typeface="Noto Sans CJK SC Regular" pitchFamily="2"/>
+                <a:cs typeface="Liberation Sans" pitchFamily="34"/>
+              </a:rPr>
+              <a:t>) = 1</a:t>
+            </a:r>
+          </a:p>
+          <a:p>
+            <a:pPr marL="457200" indent="-457200" algn="r" rtl="1" hangingPunct="0">
+              <a:buFont typeface="Arial" panose="020B0604020202020204" pitchFamily="34" charset="0"/>
+              <a:buChar char="•"/>
+            </a:pPr>
+            <a:r>
+              <a:rPr lang="he-IL" sz="3200">
+                <a:latin typeface="Liberation Sans" pitchFamily="34"/>
+                <a:ea typeface="Noto Sans CJK SC Regular" pitchFamily="2"/>
+                <a:cs typeface="Liberation Sans" pitchFamily="34"/>
+              </a:rPr>
+              <a:t>מחיר של כל סל אפשרי אחר </a:t>
+            </a:r>
+            <a:r>
+              <a:rPr lang="en-US" sz="3200">
+                <a:latin typeface="Liberation Sans" pitchFamily="34"/>
+                <a:ea typeface="Noto Sans CJK SC Regular" pitchFamily="2"/>
+                <a:cs typeface="Liberation Sans" pitchFamily="34"/>
+              </a:rPr>
+              <a:t>Y</a:t>
+            </a:r>
+            <a:r>
+              <a:rPr lang="en-US" sz="3200" baseline="-25000">
+                <a:latin typeface="Liberation Sans" pitchFamily="34"/>
+                <a:ea typeface="Noto Sans CJK SC Regular" pitchFamily="2"/>
+                <a:cs typeface="Liberation Sans" pitchFamily="34"/>
+              </a:rPr>
+              <a:t>j</a:t>
+            </a:r>
+            <a:r>
+              <a:rPr lang="he-IL" sz="3200">
+                <a:latin typeface="Liberation Sans" pitchFamily="34"/>
+                <a:ea typeface="Noto Sans CJK SC Regular" pitchFamily="2"/>
+                <a:cs typeface="Liberation Sans" pitchFamily="34"/>
+              </a:rPr>
+              <a:t>:</a:t>
+            </a:r>
+          </a:p>
+          <a:p>
+            <a:pPr marL="457200" lvl="0" indent="-457200" hangingPunct="0">
+              <a:buFont typeface="Arial" panose="020B0604020202020204" pitchFamily="34" charset="0"/>
+              <a:buChar char="•"/>
+            </a:pPr>
+            <a:r>
+              <a:rPr lang="en-US" sz="3200">
+                <a:latin typeface="Liberation Sans" pitchFamily="34"/>
+                <a:ea typeface="Noto Sans CJK SC Regular" pitchFamily="2"/>
+                <a:cs typeface="Liberation Sans" pitchFamily="34"/>
+              </a:rPr>
+              <a:t>p(Y) = sum</a:t>
+            </a:r>
+            <a:r>
+              <a:rPr lang="en-US" sz="3200" baseline="-25000">
+                <a:latin typeface="Liberation Sans" pitchFamily="34"/>
+                <a:ea typeface="Noto Sans CJK SC Regular" pitchFamily="2"/>
+                <a:cs typeface="Liberation Sans" pitchFamily="34"/>
+              </a:rPr>
+              <a:t>r</a:t>
+            </a:r>
+            <a:r>
+              <a:rPr lang="en-US" sz="3200">
+                <a:latin typeface="Liberation Sans" pitchFamily="34"/>
+                <a:ea typeface="Noto Sans CJK SC Regular" pitchFamily="2"/>
+                <a:cs typeface="Liberation Sans" pitchFamily="34"/>
+              </a:rPr>
+              <a:t> (y</a:t>
+            </a:r>
+            <a:r>
+              <a:rPr lang="en-US" sz="3200" baseline="-25000">
+                <a:latin typeface="Liberation Sans" pitchFamily="34"/>
+                <a:ea typeface="Noto Sans CJK SC Regular" pitchFamily="2"/>
+                <a:cs typeface="Liberation Sans" pitchFamily="34"/>
+              </a:rPr>
+              <a:t>j,r</a:t>
+            </a:r>
+            <a:r>
+              <a:rPr lang="en-US" sz="3200">
+                <a:latin typeface="Liberation Sans" pitchFamily="34"/>
+                <a:ea typeface="Noto Sans CJK SC Regular" pitchFamily="2"/>
+                <a:cs typeface="Liberation Sans" pitchFamily="34"/>
+              </a:rPr>
+              <a:t> * </a:t>
+            </a:r>
+            <a:r>
+              <a:rPr lang="en-US" sz="3200">
+                <a:solidFill>
+                  <a:schemeClr val="accent5"/>
+                </a:solidFill>
+                <a:latin typeface="Liberation Sans" pitchFamily="34"/>
+                <a:ea typeface="Noto Sans CJK SC Regular" pitchFamily="2"/>
+                <a:cs typeface="Liberation Sans" pitchFamily="34"/>
+              </a:rPr>
+              <a:t>p</a:t>
+            </a:r>
+            <a:r>
+              <a:rPr lang="en-US" sz="3200" baseline="-25000">
+                <a:solidFill>
+                  <a:schemeClr val="accent5"/>
+                </a:solidFill>
+                <a:latin typeface="Liberation Sans" pitchFamily="34"/>
+                <a:ea typeface="Noto Sans CJK SC Regular" pitchFamily="2"/>
+                <a:cs typeface="Liberation Sans" pitchFamily="34"/>
+              </a:rPr>
+              <a:t>r</a:t>
+            </a:r>
+            <a:r>
+              <a:rPr lang="en-US" sz="3200">
+                <a:latin typeface="Liberation Sans" pitchFamily="34"/>
+                <a:ea typeface="Noto Sans CJK SC Regular" pitchFamily="2"/>
+                <a:cs typeface="Liberation Sans" pitchFamily="34"/>
+              </a:rPr>
+              <a:t>) ≥ sum</a:t>
+            </a:r>
+            <a:r>
+              <a:rPr lang="en-US" sz="3200" baseline="-25000">
+                <a:latin typeface="Liberation Sans" pitchFamily="34"/>
+                <a:ea typeface="Noto Sans CJK SC Regular" pitchFamily="2"/>
+                <a:cs typeface="Liberation Sans" pitchFamily="34"/>
+              </a:rPr>
+              <a:t>r</a:t>
+            </a:r>
+            <a:r>
+              <a:rPr lang="en-US" sz="3200">
+                <a:latin typeface="Liberation Sans" pitchFamily="34"/>
+                <a:ea typeface="Noto Sans CJK SC Regular" pitchFamily="2"/>
+                <a:cs typeface="Liberation Sans" pitchFamily="34"/>
+              </a:rPr>
+              <a:t> (y</a:t>
+            </a:r>
+            <a:r>
+              <a:rPr lang="en-US" sz="3200" baseline="-25000">
+                <a:latin typeface="Liberation Sans" pitchFamily="34"/>
+                <a:ea typeface="Noto Sans CJK SC Regular" pitchFamily="2"/>
+                <a:cs typeface="Liberation Sans" pitchFamily="34"/>
+              </a:rPr>
+              <a:t>j,r</a:t>
+            </a:r>
+            <a:r>
+              <a:rPr lang="en-US" sz="3200">
+                <a:latin typeface="Liberation Sans" pitchFamily="34"/>
+                <a:ea typeface="Noto Sans CJK SC Regular" pitchFamily="2"/>
+                <a:cs typeface="Liberation Sans" pitchFamily="34"/>
+              </a:rPr>
+              <a:t> * </a:t>
+            </a:r>
+            <a:r>
+              <a:rPr lang="en-US" sz="3200">
+                <a:solidFill>
+                  <a:schemeClr val="accent5"/>
+                </a:solidFill>
+                <a:latin typeface="Liberation Sans" pitchFamily="34"/>
+                <a:ea typeface="Noto Sans CJK SC Regular" pitchFamily="2"/>
+                <a:cs typeface="Liberation Sans" pitchFamily="34"/>
+              </a:rPr>
+              <a:t>v</a:t>
+            </a:r>
+            <a:r>
+              <a:rPr lang="en-US" sz="3200" baseline="-25000">
+                <a:solidFill>
+                  <a:schemeClr val="accent5"/>
+                </a:solidFill>
+                <a:latin typeface="Liberation Sans" pitchFamily="34"/>
+                <a:ea typeface="Noto Sans CJK SC Regular" pitchFamily="2"/>
+                <a:cs typeface="Liberation Sans" pitchFamily="34"/>
+              </a:rPr>
+              <a:t>j</a:t>
+            </a:r>
+            <a:r>
+              <a:rPr lang="en-US" sz="3200">
+                <a:solidFill>
+                  <a:schemeClr val="accent5"/>
+                </a:solidFill>
+                <a:latin typeface="Liberation Sans" pitchFamily="34"/>
+                <a:ea typeface="Noto Sans CJK SC Regular" pitchFamily="2"/>
+                <a:cs typeface="Liberation Sans" pitchFamily="34"/>
+              </a:rPr>
+              <a:t>(r)/v</a:t>
+            </a:r>
+            <a:r>
+              <a:rPr lang="en-US" sz="3200" baseline="-25000">
+                <a:solidFill>
+                  <a:schemeClr val="accent5"/>
+                </a:solidFill>
+                <a:latin typeface="Liberation Sans" pitchFamily="34"/>
+                <a:ea typeface="Noto Sans CJK SC Regular" pitchFamily="2"/>
+                <a:cs typeface="Liberation Sans" pitchFamily="34"/>
+              </a:rPr>
+              <a:t>j</a:t>
+            </a:r>
+            <a:r>
+              <a:rPr lang="en-US" sz="3200">
+                <a:solidFill>
+                  <a:schemeClr val="accent5"/>
+                </a:solidFill>
+                <a:latin typeface="Liberation Sans" pitchFamily="34"/>
+                <a:ea typeface="Noto Sans CJK SC Regular" pitchFamily="2"/>
+                <a:cs typeface="Liberation Sans" pitchFamily="34"/>
+              </a:rPr>
+              <a:t>(X</a:t>
+            </a:r>
+            <a:r>
+              <a:rPr lang="en-US" sz="3200" baseline="-25000">
+                <a:solidFill>
+                  <a:schemeClr val="accent5"/>
+                </a:solidFill>
+                <a:latin typeface="Liberation Sans" pitchFamily="34"/>
+                <a:ea typeface="Noto Sans CJK SC Regular" pitchFamily="2"/>
+                <a:cs typeface="Liberation Sans" pitchFamily="34"/>
+              </a:rPr>
+              <a:t>j</a:t>
+            </a:r>
+            <a:r>
+              <a:rPr lang="en-US" sz="3200">
+                <a:solidFill>
+                  <a:schemeClr val="accent5"/>
+                </a:solidFill>
+                <a:latin typeface="Liberation Sans" pitchFamily="34"/>
+                <a:ea typeface="Noto Sans CJK SC Regular" pitchFamily="2"/>
+                <a:cs typeface="Liberation Sans" pitchFamily="34"/>
+              </a:rPr>
+              <a:t>)</a:t>
+            </a:r>
+            <a:r>
+              <a:rPr lang="en-US" sz="3200">
+                <a:latin typeface="Liberation Sans" pitchFamily="34"/>
+                <a:ea typeface="Noto Sans CJK SC Regular" pitchFamily="2"/>
+                <a:cs typeface="Liberation Sans" pitchFamily="34"/>
+              </a:rPr>
+              <a:t>)</a:t>
+            </a:r>
+          </a:p>
+          <a:p>
+            <a:pPr marL="457200" lvl="0" indent="-457200" hangingPunct="0">
+              <a:buFont typeface="Arial" panose="020B0604020202020204" pitchFamily="34" charset="0"/>
+              <a:buChar char="•"/>
+            </a:pPr>
+            <a:r>
+              <a:rPr lang="en-US" sz="3200">
+                <a:latin typeface="Liberation Sans" pitchFamily="34"/>
+                <a:ea typeface="Noto Sans CJK SC Regular" pitchFamily="2"/>
+                <a:cs typeface="Liberation Sans" pitchFamily="34"/>
+              </a:rPr>
+              <a:t>        = sum</a:t>
+            </a:r>
+            <a:r>
+              <a:rPr lang="en-US" sz="3200" baseline="-25000">
+                <a:latin typeface="Liberation Sans" pitchFamily="34"/>
+                <a:ea typeface="Noto Sans CJK SC Regular" pitchFamily="2"/>
+                <a:cs typeface="Liberation Sans" pitchFamily="34"/>
+              </a:rPr>
+              <a:t>r</a:t>
+            </a:r>
+            <a:r>
+              <a:rPr lang="en-US" sz="3200">
+                <a:latin typeface="Liberation Sans" pitchFamily="34"/>
+                <a:ea typeface="Noto Sans CJK SC Regular" pitchFamily="2"/>
+                <a:cs typeface="Liberation Sans" pitchFamily="34"/>
+              </a:rPr>
+              <a:t> (y</a:t>
+            </a:r>
+            <a:r>
+              <a:rPr lang="en-US" sz="3200" baseline="-25000">
+                <a:latin typeface="Liberation Sans" pitchFamily="34"/>
+                <a:ea typeface="Noto Sans CJK SC Regular" pitchFamily="2"/>
+                <a:cs typeface="Liberation Sans" pitchFamily="34"/>
+              </a:rPr>
+              <a:t>j,r</a:t>
+            </a:r>
+            <a:r>
+              <a:rPr lang="en-US" sz="3200">
+                <a:latin typeface="Liberation Sans" pitchFamily="34"/>
+                <a:ea typeface="Noto Sans CJK SC Regular" pitchFamily="2"/>
+                <a:cs typeface="Liberation Sans" pitchFamily="34"/>
+              </a:rPr>
+              <a:t> * v</a:t>
+            </a:r>
+            <a:r>
+              <a:rPr lang="en-US" sz="3200" baseline="-25000">
+                <a:latin typeface="Liberation Sans" pitchFamily="34"/>
+                <a:ea typeface="Noto Sans CJK SC Regular" pitchFamily="2"/>
+                <a:cs typeface="Liberation Sans" pitchFamily="34"/>
+              </a:rPr>
+              <a:t>j</a:t>
+            </a:r>
+            <a:r>
+              <a:rPr lang="en-US" sz="3200">
+                <a:latin typeface="Liberation Sans" pitchFamily="34"/>
+                <a:ea typeface="Noto Sans CJK SC Regular" pitchFamily="2"/>
+                <a:cs typeface="Liberation Sans" pitchFamily="34"/>
+              </a:rPr>
+              <a:t>(r)) / v</a:t>
+            </a:r>
+            <a:r>
+              <a:rPr lang="en-US" sz="3200" baseline="-25000">
+                <a:latin typeface="Liberation Sans" pitchFamily="34"/>
+                <a:ea typeface="Noto Sans CJK SC Regular" pitchFamily="2"/>
+                <a:cs typeface="Liberation Sans" pitchFamily="34"/>
+              </a:rPr>
+              <a:t>j</a:t>
+            </a:r>
+            <a:r>
+              <a:rPr lang="en-US" sz="3200">
+                <a:latin typeface="Liberation Sans" pitchFamily="34"/>
+                <a:ea typeface="Noto Sans CJK SC Regular" pitchFamily="2"/>
+                <a:cs typeface="Liberation Sans" pitchFamily="34"/>
+              </a:rPr>
+              <a:t>(X</a:t>
+            </a:r>
+            <a:r>
+              <a:rPr lang="en-US" sz="3200" baseline="-25000">
+                <a:latin typeface="Liberation Sans" pitchFamily="34"/>
+                <a:ea typeface="Noto Sans CJK SC Regular" pitchFamily="2"/>
+                <a:cs typeface="Liberation Sans" pitchFamily="34"/>
+              </a:rPr>
+              <a:t>j</a:t>
+            </a:r>
+            <a:r>
+              <a:rPr lang="en-US" sz="3200">
+                <a:latin typeface="Liberation Sans" pitchFamily="34"/>
+                <a:ea typeface="Noto Sans CJK SC Regular" pitchFamily="2"/>
+                <a:cs typeface="Liberation Sans" pitchFamily="34"/>
+              </a:rPr>
+              <a:t>)</a:t>
+            </a:r>
+          </a:p>
+          <a:p>
+            <a:pPr marL="457200" lvl="0" indent="-457200" hangingPunct="0">
+              <a:buFont typeface="Arial" panose="020B0604020202020204" pitchFamily="34" charset="0"/>
+              <a:buChar char="•"/>
+            </a:pPr>
+            <a:r>
+              <a:rPr lang="en-US" sz="3200">
+                <a:latin typeface="Liberation Sans" pitchFamily="34"/>
+                <a:ea typeface="Noto Sans CJK SC Regular" pitchFamily="2"/>
+                <a:cs typeface="Liberation Sans" pitchFamily="34"/>
+              </a:rPr>
+              <a:t>        = v</a:t>
+            </a:r>
+            <a:r>
+              <a:rPr lang="en-US" sz="3200" baseline="-25000">
+                <a:latin typeface="Liberation Sans" pitchFamily="34"/>
+                <a:ea typeface="Noto Sans CJK SC Regular" pitchFamily="2"/>
+                <a:cs typeface="Liberation Sans" pitchFamily="34"/>
+              </a:rPr>
+              <a:t>j</a:t>
+            </a:r>
+            <a:r>
+              <a:rPr lang="en-US" sz="3200">
+                <a:latin typeface="Liberation Sans" pitchFamily="34"/>
+                <a:ea typeface="Noto Sans CJK SC Regular" pitchFamily="2"/>
+                <a:cs typeface="Liberation Sans" pitchFamily="34"/>
+              </a:rPr>
+              <a:t>(Y</a:t>
+            </a:r>
+            <a:r>
+              <a:rPr lang="en-US" sz="3200" baseline="-25000">
+                <a:latin typeface="Liberation Sans" pitchFamily="34"/>
+                <a:ea typeface="Noto Sans CJK SC Regular" pitchFamily="2"/>
+                <a:cs typeface="Liberation Sans" pitchFamily="34"/>
+              </a:rPr>
+              <a:t>j</a:t>
+            </a:r>
+            <a:r>
+              <a:rPr lang="en-US" sz="3200">
+                <a:latin typeface="Liberation Sans" pitchFamily="34"/>
+                <a:ea typeface="Noto Sans CJK SC Regular" pitchFamily="2"/>
+                <a:cs typeface="Liberation Sans" pitchFamily="34"/>
+              </a:rPr>
+              <a:t>) / v</a:t>
+            </a:r>
+            <a:r>
+              <a:rPr lang="en-US" sz="3200" baseline="-25000">
+                <a:latin typeface="Liberation Sans" pitchFamily="34"/>
+                <a:ea typeface="Noto Sans CJK SC Regular" pitchFamily="2"/>
+                <a:cs typeface="Liberation Sans" pitchFamily="34"/>
+              </a:rPr>
+              <a:t>j</a:t>
+            </a:r>
+            <a:r>
+              <a:rPr lang="en-US" sz="3200">
+                <a:latin typeface="Liberation Sans" pitchFamily="34"/>
+                <a:ea typeface="Noto Sans CJK SC Regular" pitchFamily="2"/>
+                <a:cs typeface="Liberation Sans" pitchFamily="34"/>
+              </a:rPr>
+              <a:t>(X</a:t>
+            </a:r>
+            <a:r>
+              <a:rPr lang="en-US" sz="3200" baseline="-25000">
+                <a:latin typeface="Liberation Sans" pitchFamily="34"/>
+                <a:ea typeface="Noto Sans CJK SC Regular" pitchFamily="2"/>
+                <a:cs typeface="Liberation Sans" pitchFamily="34"/>
+              </a:rPr>
+              <a:t>j</a:t>
+            </a:r>
+            <a:r>
+              <a:rPr lang="en-US" sz="3200">
+                <a:latin typeface="Liberation Sans" pitchFamily="34"/>
+                <a:ea typeface="Noto Sans CJK SC Regular" pitchFamily="2"/>
+                <a:cs typeface="Liberation Sans" pitchFamily="34"/>
+              </a:rPr>
+              <a:t>)</a:t>
+            </a:r>
+          </a:p>
+          <a:p>
+            <a:pPr marL="457200" indent="-457200" algn="r" rtl="1" hangingPunct="0">
+              <a:buFont typeface="Arial" panose="020B0604020202020204" pitchFamily="34" charset="0"/>
+              <a:buChar char="•"/>
+            </a:pPr>
+            <a:r>
+              <a:rPr lang="he-IL" sz="3200">
+                <a:latin typeface="Liberation Sans" pitchFamily="34"/>
+                <a:ea typeface="Noto Sans CJK SC Regular" pitchFamily="2"/>
+                <a:cs typeface="Liberation Sans" pitchFamily="34"/>
+              </a:rPr>
+              <a:t>לכן:</a:t>
+            </a:r>
+          </a:p>
+          <a:p>
+            <a:pPr marL="914400" lvl="1" indent="-457200" algn="r" rtl="1" hangingPunct="0">
+              <a:buFont typeface="Arial" panose="020B0604020202020204" pitchFamily="34" charset="0"/>
+              <a:buChar char="•"/>
+            </a:pPr>
+            <a:r>
+              <a:rPr lang="he-IL" sz="3200">
+                <a:latin typeface="Liberation Sans" pitchFamily="34"/>
+                <a:ea typeface="Noto Sans CJK SC Regular" pitchFamily="2"/>
+                <a:cs typeface="Liberation Sans" pitchFamily="34"/>
+              </a:rPr>
+              <a:t>אם </a:t>
+            </a:r>
+            <a:r>
+              <a:rPr lang="en-US" sz="3200">
+                <a:latin typeface="Liberation Sans" pitchFamily="34"/>
+                <a:ea typeface="Noto Sans CJK SC Regular" pitchFamily="2"/>
+                <a:cs typeface="Liberation Sans" pitchFamily="34"/>
+              </a:rPr>
+              <a:t>v</a:t>
+            </a:r>
+            <a:r>
+              <a:rPr lang="en-US" sz="3200" baseline="-25000">
+                <a:latin typeface="Liberation Sans" pitchFamily="34"/>
+                <a:ea typeface="Noto Sans CJK SC Regular" pitchFamily="2"/>
+                <a:cs typeface="Liberation Sans" pitchFamily="34"/>
+              </a:rPr>
+              <a:t>j</a:t>
+            </a:r>
+            <a:r>
+              <a:rPr lang="en-US" sz="3200">
+                <a:latin typeface="Liberation Sans" pitchFamily="34"/>
+                <a:ea typeface="Noto Sans CJK SC Regular" pitchFamily="2"/>
+                <a:cs typeface="Liberation Sans" pitchFamily="34"/>
+              </a:rPr>
+              <a:t>(Y</a:t>
+            </a:r>
+            <a:r>
+              <a:rPr lang="en-US" sz="3200" baseline="-25000">
+                <a:latin typeface="Liberation Sans" pitchFamily="34"/>
+                <a:ea typeface="Noto Sans CJK SC Regular" pitchFamily="2"/>
+                <a:cs typeface="Liberation Sans" pitchFamily="34"/>
+              </a:rPr>
+              <a:t>j</a:t>
+            </a:r>
+            <a:r>
+              <a:rPr lang="en-US" sz="3200">
+                <a:latin typeface="Liberation Sans" pitchFamily="34"/>
+                <a:ea typeface="Noto Sans CJK SC Regular" pitchFamily="2"/>
+                <a:cs typeface="Liberation Sans" pitchFamily="34"/>
+              </a:rPr>
+              <a:t>) &gt; v</a:t>
+            </a:r>
+            <a:r>
+              <a:rPr lang="en-US" sz="3200" baseline="-25000">
+                <a:latin typeface="Liberation Sans" pitchFamily="34"/>
+                <a:ea typeface="Noto Sans CJK SC Regular" pitchFamily="2"/>
+                <a:cs typeface="Liberation Sans" pitchFamily="34"/>
+              </a:rPr>
+              <a:t>j</a:t>
+            </a:r>
+            <a:r>
+              <a:rPr lang="en-US" sz="3200">
+                <a:latin typeface="Liberation Sans" pitchFamily="34"/>
+                <a:ea typeface="Noto Sans CJK SC Regular" pitchFamily="2"/>
+                <a:cs typeface="Liberation Sans" pitchFamily="34"/>
+              </a:rPr>
+              <a:t>(X</a:t>
+            </a:r>
+            <a:r>
+              <a:rPr lang="en-US" sz="3200" baseline="-25000">
+                <a:latin typeface="Liberation Sans" pitchFamily="34"/>
+                <a:ea typeface="Noto Sans CJK SC Regular" pitchFamily="2"/>
+                <a:cs typeface="Liberation Sans" pitchFamily="34"/>
+              </a:rPr>
+              <a:t>j</a:t>
+            </a:r>
+            <a:r>
+              <a:rPr lang="en-US" sz="3200">
+                <a:latin typeface="Liberation Sans" pitchFamily="34"/>
+                <a:ea typeface="Noto Sans CJK SC Regular" pitchFamily="2"/>
+                <a:cs typeface="Liberation Sans" pitchFamily="34"/>
+              </a:rPr>
+              <a:t>)</a:t>
+            </a:r>
+            <a:r>
+              <a:rPr lang="he-IL" sz="3200">
+                <a:latin typeface="Liberation Sans" pitchFamily="34"/>
+                <a:ea typeface="Noto Sans CJK SC Regular" pitchFamily="2"/>
+                <a:cs typeface="Liberation Sans" pitchFamily="34"/>
+              </a:rPr>
+              <a:t>, אז  </a:t>
+            </a:r>
+            <a:r>
+              <a:rPr lang="en-US" sz="3200">
+                <a:latin typeface="Liberation Sans" pitchFamily="34"/>
+                <a:ea typeface="Noto Sans CJK SC Regular" pitchFamily="2"/>
+                <a:cs typeface="Liberation Sans" pitchFamily="34"/>
+              </a:rPr>
+              <a:t>p(Y)&gt;1</a:t>
+            </a:r>
+            <a:r>
+              <a:rPr lang="he-IL" sz="3200">
+                <a:latin typeface="Liberation Sans" pitchFamily="34"/>
+                <a:ea typeface="Noto Sans CJK SC Regular" pitchFamily="2"/>
+                <a:cs typeface="Liberation Sans" pitchFamily="34"/>
+              </a:rPr>
+              <a:t>;</a:t>
+            </a:r>
+          </a:p>
+          <a:p>
+            <a:pPr marL="914400" lvl="1" indent="-457200" algn="r" rtl="1" hangingPunct="0">
+              <a:buFont typeface="Arial" panose="020B0604020202020204" pitchFamily="34" charset="0"/>
+              <a:buChar char="•"/>
+            </a:pPr>
+            <a:r>
+              <a:rPr lang="he-IL" sz="3200">
+                <a:latin typeface="Liberation Sans" pitchFamily="34"/>
+                <a:ea typeface="Noto Sans CJK SC Regular" pitchFamily="2"/>
+                <a:cs typeface="Liberation Sans" pitchFamily="34"/>
+              </a:rPr>
+              <a:t>ואם </a:t>
+            </a:r>
+            <a:r>
+              <a:rPr lang="en-US" sz="3200">
+                <a:latin typeface="Liberation Sans" pitchFamily="34"/>
+                <a:ea typeface="Noto Sans CJK SC Regular" pitchFamily="2"/>
+                <a:cs typeface="Liberation Sans" pitchFamily="34"/>
+              </a:rPr>
+              <a:t>v</a:t>
+            </a:r>
+            <a:r>
+              <a:rPr lang="en-US" sz="3200" baseline="-25000">
+                <a:latin typeface="Liberation Sans" pitchFamily="34"/>
+                <a:ea typeface="Noto Sans CJK SC Regular" pitchFamily="2"/>
+                <a:cs typeface="Liberation Sans" pitchFamily="34"/>
+              </a:rPr>
+              <a:t>j</a:t>
+            </a:r>
+            <a:r>
+              <a:rPr lang="en-US" sz="3200">
+                <a:latin typeface="Liberation Sans" pitchFamily="34"/>
+                <a:ea typeface="Noto Sans CJK SC Regular" pitchFamily="2"/>
+                <a:cs typeface="Liberation Sans" pitchFamily="34"/>
+              </a:rPr>
+              <a:t>(Y</a:t>
+            </a:r>
+            <a:r>
+              <a:rPr lang="en-US" sz="3200" baseline="-25000">
+                <a:latin typeface="Liberation Sans" pitchFamily="34"/>
+                <a:ea typeface="Noto Sans CJK SC Regular" pitchFamily="2"/>
+                <a:cs typeface="Liberation Sans" pitchFamily="34"/>
+              </a:rPr>
+              <a:t>j</a:t>
+            </a:r>
+            <a:r>
+              <a:rPr lang="en-US" sz="3200">
+                <a:latin typeface="Liberation Sans" pitchFamily="34"/>
+                <a:ea typeface="Noto Sans CJK SC Regular" pitchFamily="2"/>
+                <a:cs typeface="Liberation Sans" pitchFamily="34"/>
+              </a:rPr>
+              <a:t>) ≥ v</a:t>
+            </a:r>
+            <a:r>
+              <a:rPr lang="en-US" sz="3200" baseline="-25000">
+                <a:latin typeface="Liberation Sans" pitchFamily="34"/>
+                <a:ea typeface="Noto Sans CJK SC Regular" pitchFamily="2"/>
+                <a:cs typeface="Liberation Sans" pitchFamily="34"/>
+              </a:rPr>
+              <a:t>j</a:t>
+            </a:r>
+            <a:r>
+              <a:rPr lang="en-US" sz="3200">
+                <a:latin typeface="Liberation Sans" pitchFamily="34"/>
+                <a:ea typeface="Noto Sans CJK SC Regular" pitchFamily="2"/>
+                <a:cs typeface="Liberation Sans" pitchFamily="34"/>
+              </a:rPr>
+              <a:t>(X</a:t>
+            </a:r>
+            <a:r>
+              <a:rPr lang="en-US" sz="3200" baseline="-25000">
+                <a:latin typeface="Liberation Sans" pitchFamily="34"/>
+                <a:ea typeface="Noto Sans CJK SC Regular" pitchFamily="2"/>
+                <a:cs typeface="Liberation Sans" pitchFamily="34"/>
+              </a:rPr>
+              <a:t>j</a:t>
+            </a:r>
+            <a:r>
+              <a:rPr lang="en-US" sz="3200">
+                <a:latin typeface="Liberation Sans" pitchFamily="34"/>
+                <a:ea typeface="Noto Sans CJK SC Regular" pitchFamily="2"/>
+                <a:cs typeface="Liberation Sans" pitchFamily="34"/>
+              </a:rPr>
+              <a:t>)</a:t>
+            </a:r>
+            <a:r>
+              <a:rPr lang="he-IL" sz="3200">
+                <a:latin typeface="Liberation Sans" pitchFamily="34"/>
+                <a:ea typeface="Noto Sans CJK SC Regular" pitchFamily="2"/>
+                <a:cs typeface="Liberation Sans" pitchFamily="34"/>
+              </a:rPr>
+              <a:t>, אז  </a:t>
+            </a:r>
+            <a:r>
+              <a:rPr lang="en-US" sz="3200">
+                <a:latin typeface="Liberation Sans" pitchFamily="34"/>
+                <a:ea typeface="Noto Sans CJK SC Regular" pitchFamily="2"/>
+                <a:cs typeface="Liberation Sans" pitchFamily="34"/>
+              </a:rPr>
+              <a:t>p(Y)≥1</a:t>
+            </a:r>
+            <a:r>
+              <a:rPr lang="he-IL" sz="3200">
+                <a:latin typeface="Liberation Sans" pitchFamily="34"/>
+                <a:ea typeface="Noto Sans CJK SC Regular" pitchFamily="2"/>
+                <a:cs typeface="Liberation Sans" pitchFamily="34"/>
+              </a:rPr>
+              <a:t>.</a:t>
+            </a:r>
+          </a:p>
+          <a:p>
+            <a:pPr algn="r" rtl="1" hangingPunct="0"/>
             <a:r>
               <a:rPr lang="he-IL" sz="3200">
                 <a:solidFill>
-                  <a:schemeClr val="accent1"/>
+                  <a:schemeClr val="accent3"/>
                 </a:solidFill>
                 <a:latin typeface="Liberation Sans" pitchFamily="34"/>
                 <a:ea typeface="Noto Sans CJK SC Regular" pitchFamily="2"/>
                 <a:cs typeface="Liberation Sans" pitchFamily="34"/>
               </a:rPr>
-              <a:t>נגדיר מחירים: </a:t>
+              <a:t>משני אלה נובע, שהזוג </a:t>
             </a:r>
             <a:r>
               <a:rPr lang="en-US" sz="3200">
                 <a:solidFill>
-                  <a:schemeClr val="accent1"/>
+                  <a:schemeClr val="accent3"/>
                 </a:solidFill>
                 <a:latin typeface="Liberation Sans" pitchFamily="34"/>
                 <a:ea typeface="Noto Sans CJK SC Regular" pitchFamily="2"/>
                 <a:cs typeface="Liberation Sans" pitchFamily="34"/>
               </a:rPr>
-              <a:t>  p(r) = v</a:t>
-            </a:r>
-            <a:r>
-              <a:rPr lang="en-US" sz="3200" baseline="-25000">
-                <a:solidFill>
-                  <a:schemeClr val="accent1"/>
-                </a:solidFill>
-                <a:latin typeface="Liberation Sans" pitchFamily="34"/>
-                <a:ea typeface="Noto Sans CJK SC Regular" pitchFamily="2"/>
-                <a:cs typeface="Liberation Sans" pitchFamily="34"/>
-              </a:rPr>
-              <a:t>j</a:t>
-            </a:r>
-            <a:r>
-              <a:rPr lang="en-US" sz="3200">
-                <a:solidFill>
-                  <a:schemeClr val="accent1"/>
-                </a:solidFill>
-                <a:latin typeface="Liberation Sans" pitchFamily="34"/>
-                <a:ea typeface="Noto Sans CJK SC Regular" pitchFamily="2"/>
-                <a:cs typeface="Liberation Sans" pitchFamily="34"/>
-              </a:rPr>
-              <a:t>(r)/v</a:t>
-            </a:r>
-            <a:r>
-              <a:rPr lang="en-US" sz="3200" baseline="-25000">
-                <a:solidFill>
-                  <a:schemeClr val="accent1"/>
-                </a:solidFill>
-                <a:latin typeface="Liberation Sans" pitchFamily="34"/>
-                <a:ea typeface="Noto Sans CJK SC Regular" pitchFamily="2"/>
-                <a:cs typeface="Liberation Sans" pitchFamily="34"/>
-              </a:rPr>
-              <a:t>j</a:t>
-            </a:r>
-            <a:r>
-              <a:rPr lang="en-US" sz="3200">
-                <a:solidFill>
-                  <a:schemeClr val="accent1"/>
-                </a:solidFill>
-                <a:latin typeface="Liberation Sans" pitchFamily="34"/>
-                <a:ea typeface="Noto Sans CJK SC Regular" pitchFamily="2"/>
-                <a:cs typeface="Liberation Sans" pitchFamily="34"/>
-              </a:rPr>
-              <a:t>(X</a:t>
-            </a:r>
-            <a:r>
-              <a:rPr lang="en-US" sz="3200" baseline="-25000">
-                <a:solidFill>
-                  <a:schemeClr val="accent1"/>
-                </a:solidFill>
-                <a:latin typeface="Liberation Sans" pitchFamily="34"/>
-                <a:ea typeface="Noto Sans CJK SC Regular" pitchFamily="2"/>
-                <a:cs typeface="Liberation Sans" pitchFamily="34"/>
-              </a:rPr>
-              <a:t>j</a:t>
-            </a:r>
-            <a:r>
-              <a:rPr lang="en-US" sz="3200">
-                <a:solidFill>
-                  <a:schemeClr val="accent1"/>
-                </a:solidFill>
-                <a:latin typeface="Liberation Sans" pitchFamily="34"/>
-                <a:ea typeface="Noto Sans CJK SC Regular" pitchFamily="2"/>
-                <a:cs typeface="Liberation Sans" pitchFamily="34"/>
-              </a:rPr>
-              <a:t>)</a:t>
+              <a:t>(X,p)</a:t>
             </a:r>
             <a:r>
               <a:rPr lang="he-IL" sz="3200">
                 <a:solidFill>
-                  <a:schemeClr val="accent1"/>
+                  <a:schemeClr val="accent3"/>
                 </a:solidFill>
                 <a:latin typeface="Liberation Sans" pitchFamily="34"/>
                 <a:ea typeface="Noto Sans CJK SC Regular" pitchFamily="2"/>
                 <a:cs typeface="Liberation Sans" pitchFamily="34"/>
               </a:rPr>
-              <a:t>כאשר </a:t>
-            </a:r>
-            <a:r>
-              <a:rPr lang="en-US" sz="3200">
-                <a:solidFill>
-                  <a:schemeClr val="accent1"/>
-                </a:solidFill>
-                <a:latin typeface="Liberation Sans" pitchFamily="34"/>
-                <a:ea typeface="Noto Sans CJK SC Regular" pitchFamily="2"/>
-                <a:cs typeface="Liberation Sans" pitchFamily="34"/>
-              </a:rPr>
-              <a:t>j</a:t>
-            </a:r>
-            <a:r>
-              <a:rPr lang="he-IL" sz="3200">
-                <a:solidFill>
-                  <a:schemeClr val="accent1"/>
-                </a:solidFill>
-                <a:latin typeface="Liberation Sans" pitchFamily="34"/>
-                <a:ea typeface="Noto Sans CJK SC Regular" pitchFamily="2"/>
-                <a:cs typeface="Liberation Sans" pitchFamily="34"/>
-              </a:rPr>
-              <a:t> הוא שחקן כלשהו המקבל כמות חיובית של משאב </a:t>
-            </a:r>
-            <a:r>
-              <a:rPr lang="en-US" sz="3200">
-                <a:solidFill>
-                  <a:schemeClr val="accent1"/>
-                </a:solidFill>
-                <a:latin typeface="Liberation Sans" pitchFamily="34"/>
-                <a:ea typeface="Noto Sans CJK SC Regular" pitchFamily="2"/>
-                <a:cs typeface="Liberation Sans" pitchFamily="34"/>
-              </a:rPr>
-              <a:t>r</a:t>
-            </a:r>
-            <a:r>
-              <a:rPr lang="he-IL" sz="3200">
-                <a:solidFill>
-                  <a:schemeClr val="accent1"/>
-                </a:solidFill>
-                <a:latin typeface="Liberation Sans" pitchFamily="34"/>
-                <a:ea typeface="Noto Sans CJK SC Regular" pitchFamily="2"/>
-                <a:cs typeface="Liberation Sans" pitchFamily="34"/>
-              </a:rPr>
-              <a:t>.</a:t>
-            </a:r>
-          </a:p>
-          <a:p>
-            <a:pPr marL="457200" marR="0" lvl="0" indent="-457200" algn="r" rtl="1" hangingPunct="0">
-              <a:lnSpc>
-                <a:spcPct val="100000"/>
-              </a:lnSpc>
-              <a:spcBef>
-                <a:spcPts val="0"/>
-              </a:spcBef>
-              <a:spcAft>
-                <a:spcPts val="0"/>
-              </a:spcAft>
-              <a:buFont typeface="Arial" panose="020B0604020202020204" pitchFamily="34" charset="0"/>
-              <a:buChar char="•"/>
-              <a:tabLst/>
-            </a:pPr>
-            <a:r>
-              <a:rPr lang="he-IL" sz="3200">
-                <a:latin typeface="Liberation Sans" pitchFamily="34"/>
-                <a:ea typeface="Noto Sans CJK SC Regular" pitchFamily="2"/>
-                <a:cs typeface="Liberation Sans" pitchFamily="34"/>
-              </a:rPr>
-              <a:t>נוכיח שהזוג </a:t>
-            </a:r>
-            <a:r>
-              <a:rPr lang="en-US" sz="3200">
-                <a:latin typeface="Liberation Sans" pitchFamily="34"/>
-                <a:ea typeface="Noto Sans CJK SC Regular" pitchFamily="2"/>
-                <a:cs typeface="Liberation Sans" pitchFamily="34"/>
-              </a:rPr>
-              <a:t>(X,p)</a:t>
-            </a:r>
-            <a:r>
-              <a:rPr lang="he-IL" sz="3200">
-                <a:latin typeface="Liberation Sans" pitchFamily="34"/>
-                <a:ea typeface="Noto Sans CJK SC Regular" pitchFamily="2"/>
-                <a:cs typeface="Liberation Sans" pitchFamily="34"/>
-              </a:rPr>
-              <a:t> הוא ש"מ תחרותי עם תקציבים = 1.</a:t>
-            </a:r>
-          </a:p>
-          <a:p>
-            <a:pPr marR="0" lvl="0" rtl="1" hangingPunct="0">
-              <a:lnSpc>
-                <a:spcPct val="100000"/>
-              </a:lnSpc>
-              <a:spcBef>
-                <a:spcPts val="0"/>
-              </a:spcBef>
-              <a:spcAft>
-                <a:spcPts val="0"/>
-              </a:spcAft>
-              <a:tabLst/>
-            </a:pPr>
-            <a:r>
-              <a:rPr lang="he-IL" sz="3200" i="1">
-                <a:latin typeface="Liberation Sans" pitchFamily="34"/>
-                <a:ea typeface="Noto Sans CJK SC Regular" pitchFamily="2"/>
-                <a:cs typeface="Liberation Sans" pitchFamily="34"/>
-              </a:rPr>
-              <a:t>המשך </a:t>
-            </a:r>
-            <a:r>
-              <a:rPr lang="he-IL" sz="3200" i="1">
-                <a:latin typeface="Liberation Sans" pitchFamily="34"/>
-                <a:ea typeface="Noto Sans CJK SC Regular" pitchFamily="2"/>
-                <a:cs typeface="Liberation Sans" pitchFamily="34"/>
-                <a:sym typeface="Wingdings" panose="05000000000000000000" pitchFamily="2" charset="2"/>
-              </a:rPr>
-              <a:t></a:t>
-            </a:r>
-            <a:endParaRPr lang="he-IL" sz="3200" i="1">
-              <a:latin typeface="Liberation Sans" pitchFamily="34"/>
-              <a:ea typeface="Noto Sans CJK SC Regular" pitchFamily="2"/>
-              <a:cs typeface="Liberation Sans" pitchFamily="34"/>
-            </a:endParaRPr>
+              <a:t> הוא ש"מ תחרותי חסכוני.</a:t>
+            </a:r>
           </a:p>
         </p:txBody>
       </p:sp>
     </p:spTree>
     <p:extLst>
       <p:ext uri="{BB962C8B-B14F-4D97-AF65-F5344CB8AC3E}">
-        <p14:creationId xmlns:p14="http://schemas.microsoft.com/office/powerpoint/2010/main" val="282841854"/>
+        <p14:creationId xmlns:p14="http://schemas.microsoft.com/office/powerpoint/2010/main" val="1585067219"/>
       </p:ext>
     </p:extLst>
   </p:cSld>
@@ -15076,1318 +15453,6 @@
         <p:cNvPr id="1" name="">
           <a:extLst>
             <a:ext uri="{FF2B5EF4-FFF2-40B4-BE49-F238E27FC236}">
-              <a16:creationId xmlns:a16="http://schemas.microsoft.com/office/drawing/2014/main" id="{7C7F58F2-44B2-276F-5189-1B8D210C8A73}"/>
-            </a:ext>
-          </a:extLst>
-        </p:cNvPr>
-        <p:cNvGrpSpPr/>
-        <p:nvPr/>
-      </p:nvGrpSpPr>
-      <p:grpSpPr>
-        <a:xfrm>
-          <a:off x="0" y="0"/>
-          <a:ext cx="0" cy="0"/>
-          <a:chOff x="0" y="0"/>
-          <a:chExt cx="0" cy="0"/>
-        </a:xfrm>
-      </p:grpSpPr>
-      <p:sp>
-        <p:nvSpPr>
-          <p:cNvPr id="2" name="Title 1">
-            <a:extLst>
-              <a:ext uri="{FF2B5EF4-FFF2-40B4-BE49-F238E27FC236}">
-                <a16:creationId xmlns:a16="http://schemas.microsoft.com/office/drawing/2014/main" id="{37FAFA07-C5D3-E660-28B9-B6E29EFB67A5}"/>
-              </a:ext>
-            </a:extLst>
-          </p:cNvPr>
-          <p:cNvSpPr txBox="1">
-            <a:spLocks noGrp="1"/>
-          </p:cNvSpPr>
-          <p:nvPr>
-            <p:ph type="title" idx="4294967295"/>
-          </p:nvPr>
-        </p:nvSpPr>
-        <p:spPr>
-          <a:xfrm>
-            <a:off x="457200" y="274320"/>
-            <a:ext cx="9072360" cy="800640"/>
-          </a:xfrm>
-        </p:spPr>
-        <p:txBody>
-          <a:bodyPr vert="horz"/>
-          <a:lstStyle/>
-          <a:p>
-            <a:pPr lvl="0" rtl="1" hangingPunct="1"/>
-            <a:r>
-              <a:rPr lang="he-IL" sz="6000">
-                <a:cs typeface="David" pitchFamily="34"/>
-              </a:rPr>
-              <a:t>שיווי משקל תחרותי - חישוב</a:t>
-            </a:r>
-          </a:p>
-        </p:txBody>
-      </p:sp>
-      <p:sp>
-        <p:nvSpPr>
-          <p:cNvPr id="5" name="TextBox 4">
-            <a:extLst>
-              <a:ext uri="{FF2B5EF4-FFF2-40B4-BE49-F238E27FC236}">
-                <a16:creationId xmlns:a16="http://schemas.microsoft.com/office/drawing/2014/main" id="{F0DB0CC6-FC9A-2DCE-3230-FC08184AE420}"/>
-              </a:ext>
-            </a:extLst>
-          </p:cNvPr>
-          <p:cNvSpPr txBox="1"/>
-          <p:nvPr/>
-        </p:nvSpPr>
-        <p:spPr>
-          <a:xfrm>
-            <a:off x="457200" y="1074960"/>
-            <a:ext cx="9486901" cy="6225059"/>
-          </a:xfrm>
-          <a:prstGeom prst="rect">
-            <a:avLst/>
-          </a:prstGeom>
-          <a:noFill/>
-          <a:ln>
-            <a:noFill/>
-          </a:ln>
-        </p:spPr>
-        <p:txBody>
-          <a:bodyPr vert="horz" wrap="square" lIns="90000" tIns="45000" rIns="90000" bIns="45000" anchorCtr="0" compatLnSpc="0">
-            <a:spAutoFit/>
-          </a:bodyPr>
-          <a:lstStyle/>
-          <a:p>
-            <a:pPr marR="0" lvl="0" algn="r" rtl="1" hangingPunct="0">
-              <a:lnSpc>
-                <a:spcPct val="100000"/>
-              </a:lnSpc>
-              <a:spcBef>
-                <a:spcPts val="0"/>
-              </a:spcBef>
-              <a:spcAft>
-                <a:spcPts val="0"/>
-              </a:spcAft>
-              <a:tabLst/>
-            </a:pPr>
-            <a:r>
-              <a:rPr lang="he-IL" sz="3200" b="1" i="1" u="none" strike="noStrike" kern="1200" cap="none">
-                <a:ln>
-                  <a:noFill/>
-                </a:ln>
-                <a:latin typeface="Liberation Sans" pitchFamily="34"/>
-                <a:ea typeface="Noto Sans CJK SC Regular" pitchFamily="2"/>
-                <a:cs typeface="Liberation Sans" pitchFamily="34"/>
-              </a:rPr>
-              <a:t>המשך הוכחה</a:t>
-            </a:r>
-            <a:r>
-              <a:rPr lang="he-IL" sz="3200" b="1" u="none" strike="noStrike" kern="1200" cap="none">
-                <a:ln>
-                  <a:noFill/>
-                </a:ln>
-                <a:latin typeface="Liberation Sans" pitchFamily="34"/>
-                <a:ea typeface="Noto Sans CJK SC Regular" pitchFamily="2"/>
-                <a:cs typeface="Liberation Sans" pitchFamily="34"/>
-              </a:rPr>
-              <a:t>. </a:t>
-            </a:r>
-          </a:p>
-          <a:p>
-            <a:pPr marL="457200" marR="0" lvl="0" indent="-457200" algn="r" rtl="1" hangingPunct="0">
-              <a:lnSpc>
-                <a:spcPct val="100000"/>
-              </a:lnSpc>
-              <a:spcBef>
-                <a:spcPts val="0"/>
-              </a:spcBef>
-              <a:spcAft>
-                <a:spcPts val="0"/>
-              </a:spcAft>
-              <a:buFont typeface="Arial" panose="020B0604020202020204" pitchFamily="34" charset="0"/>
-              <a:buChar char="•"/>
-              <a:tabLst/>
-            </a:pPr>
-            <a:r>
-              <a:rPr lang="he-IL" sz="3200">
-                <a:latin typeface="Liberation Sans" pitchFamily="34"/>
-                <a:ea typeface="Noto Sans CJK SC Regular" pitchFamily="2"/>
-                <a:cs typeface="Liberation Sans" pitchFamily="34"/>
-              </a:rPr>
-              <a:t>מחיר הסל של כל שחקן </a:t>
-            </a:r>
-            <a:r>
-              <a:rPr lang="en-US" sz="3200">
-                <a:latin typeface="Liberation Sans" pitchFamily="34"/>
-                <a:ea typeface="Noto Sans CJK SC Regular" pitchFamily="2"/>
-                <a:cs typeface="Liberation Sans" pitchFamily="34"/>
-              </a:rPr>
-              <a:t>j</a:t>
-            </a:r>
-            <a:r>
-              <a:rPr lang="he-IL" sz="3200">
-                <a:latin typeface="Liberation Sans" pitchFamily="34"/>
-                <a:ea typeface="Noto Sans CJK SC Regular" pitchFamily="2"/>
-                <a:cs typeface="Liberation Sans" pitchFamily="34"/>
-              </a:rPr>
-              <a:t>:</a:t>
-            </a:r>
-          </a:p>
-          <a:p>
-            <a:pPr marL="457200" lvl="0" indent="-457200" hangingPunct="0">
-              <a:buFont typeface="Arial" panose="020B0604020202020204" pitchFamily="34" charset="0"/>
-              <a:buChar char="•"/>
-            </a:pPr>
-            <a:r>
-              <a:rPr lang="en-US" sz="3200">
-                <a:latin typeface="Liberation Sans" pitchFamily="34"/>
-                <a:ea typeface="Noto Sans CJK SC Regular" pitchFamily="2"/>
-                <a:cs typeface="Liberation Sans" pitchFamily="34"/>
-              </a:rPr>
-              <a:t>p(X</a:t>
-            </a:r>
-            <a:r>
-              <a:rPr lang="en-US" sz="3200" baseline="-25000">
-                <a:latin typeface="Liberation Sans" pitchFamily="34"/>
-                <a:ea typeface="Noto Sans CJK SC Regular" pitchFamily="2"/>
-                <a:cs typeface="Liberation Sans" pitchFamily="34"/>
-              </a:rPr>
-              <a:t>j</a:t>
-            </a:r>
-            <a:r>
-              <a:rPr lang="en-US" sz="3200">
-                <a:latin typeface="Liberation Sans" pitchFamily="34"/>
-                <a:ea typeface="Noto Sans CJK SC Regular" pitchFamily="2"/>
-                <a:cs typeface="Liberation Sans" pitchFamily="34"/>
-              </a:rPr>
-              <a:t>) = sum</a:t>
-            </a:r>
-            <a:r>
-              <a:rPr lang="en-US" sz="3200" baseline="-25000">
-                <a:latin typeface="Liberation Sans" pitchFamily="34"/>
-                <a:ea typeface="Noto Sans CJK SC Regular" pitchFamily="2"/>
-                <a:cs typeface="Liberation Sans" pitchFamily="34"/>
-              </a:rPr>
-              <a:t>r</a:t>
-            </a:r>
-            <a:r>
-              <a:rPr lang="en-US" sz="3200">
-                <a:latin typeface="Liberation Sans" pitchFamily="34"/>
-                <a:ea typeface="Noto Sans CJK SC Regular" pitchFamily="2"/>
-                <a:cs typeface="Liberation Sans" pitchFamily="34"/>
-              </a:rPr>
-              <a:t> (x</a:t>
-            </a:r>
-            <a:r>
-              <a:rPr lang="en-US" sz="3200" baseline="-25000">
-                <a:latin typeface="Liberation Sans" pitchFamily="34"/>
-                <a:ea typeface="Noto Sans CJK SC Regular" pitchFamily="2"/>
-                <a:cs typeface="Liberation Sans" pitchFamily="34"/>
-              </a:rPr>
-              <a:t>j,r</a:t>
-            </a:r>
-            <a:r>
-              <a:rPr lang="en-US" sz="3200">
-                <a:latin typeface="Liberation Sans" pitchFamily="34"/>
-                <a:ea typeface="Noto Sans CJK SC Regular" pitchFamily="2"/>
-                <a:cs typeface="Liberation Sans" pitchFamily="34"/>
-              </a:rPr>
-              <a:t> * </a:t>
-            </a:r>
-            <a:r>
-              <a:rPr lang="en-US" sz="3200">
-                <a:solidFill>
-                  <a:schemeClr val="accent5"/>
-                </a:solidFill>
-                <a:latin typeface="Liberation Sans" pitchFamily="34"/>
-                <a:ea typeface="Noto Sans CJK SC Regular" pitchFamily="2"/>
-                <a:cs typeface="Liberation Sans" pitchFamily="34"/>
-              </a:rPr>
-              <a:t>p</a:t>
-            </a:r>
-            <a:r>
-              <a:rPr lang="en-US" sz="3200" baseline="-25000">
-                <a:solidFill>
-                  <a:schemeClr val="accent5"/>
-                </a:solidFill>
-                <a:latin typeface="Liberation Sans" pitchFamily="34"/>
-                <a:ea typeface="Noto Sans CJK SC Regular" pitchFamily="2"/>
-                <a:cs typeface="Liberation Sans" pitchFamily="34"/>
-              </a:rPr>
-              <a:t>r</a:t>
-            </a:r>
-            <a:r>
-              <a:rPr lang="en-US" sz="3200">
-                <a:latin typeface="Liberation Sans" pitchFamily="34"/>
-                <a:ea typeface="Noto Sans CJK SC Regular" pitchFamily="2"/>
-                <a:cs typeface="Liberation Sans" pitchFamily="34"/>
-              </a:rPr>
-              <a:t>) = sum</a:t>
-            </a:r>
-            <a:r>
-              <a:rPr lang="en-US" sz="3200" baseline="-25000">
-                <a:latin typeface="Liberation Sans" pitchFamily="34"/>
-                <a:ea typeface="Noto Sans CJK SC Regular" pitchFamily="2"/>
-                <a:cs typeface="Liberation Sans" pitchFamily="34"/>
-              </a:rPr>
-              <a:t>r</a:t>
-            </a:r>
-            <a:r>
-              <a:rPr lang="en-US" sz="3200">
-                <a:latin typeface="Liberation Sans" pitchFamily="34"/>
-                <a:ea typeface="Noto Sans CJK SC Regular" pitchFamily="2"/>
-                <a:cs typeface="Liberation Sans" pitchFamily="34"/>
-              </a:rPr>
-              <a:t> (x</a:t>
-            </a:r>
-            <a:r>
-              <a:rPr lang="en-US" sz="3200" baseline="-25000">
-                <a:latin typeface="Liberation Sans" pitchFamily="34"/>
-                <a:ea typeface="Noto Sans CJK SC Regular" pitchFamily="2"/>
-                <a:cs typeface="Liberation Sans" pitchFamily="34"/>
-              </a:rPr>
-              <a:t>j,r</a:t>
-            </a:r>
-            <a:r>
-              <a:rPr lang="en-US" sz="3200">
-                <a:latin typeface="Liberation Sans" pitchFamily="34"/>
-                <a:ea typeface="Noto Sans CJK SC Regular" pitchFamily="2"/>
-                <a:cs typeface="Liberation Sans" pitchFamily="34"/>
-              </a:rPr>
-              <a:t> * </a:t>
-            </a:r>
-            <a:r>
-              <a:rPr lang="en-US" sz="3200">
-                <a:solidFill>
-                  <a:schemeClr val="accent5"/>
-                </a:solidFill>
-                <a:latin typeface="Liberation Sans" pitchFamily="34"/>
-                <a:ea typeface="Noto Sans CJK SC Regular" pitchFamily="2"/>
-                <a:cs typeface="Liberation Sans" pitchFamily="34"/>
-              </a:rPr>
-              <a:t>v</a:t>
-            </a:r>
-            <a:r>
-              <a:rPr lang="en-US" sz="3200" baseline="-25000">
-                <a:solidFill>
-                  <a:schemeClr val="accent5"/>
-                </a:solidFill>
-                <a:latin typeface="Liberation Sans" pitchFamily="34"/>
-                <a:ea typeface="Noto Sans CJK SC Regular" pitchFamily="2"/>
-                <a:cs typeface="Liberation Sans" pitchFamily="34"/>
-              </a:rPr>
-              <a:t>j</a:t>
-            </a:r>
-            <a:r>
-              <a:rPr lang="en-US" sz="3200">
-                <a:solidFill>
-                  <a:schemeClr val="accent5"/>
-                </a:solidFill>
-                <a:latin typeface="Liberation Sans" pitchFamily="34"/>
-                <a:ea typeface="Noto Sans CJK SC Regular" pitchFamily="2"/>
-                <a:cs typeface="Liberation Sans" pitchFamily="34"/>
-              </a:rPr>
-              <a:t>(r)/v</a:t>
-            </a:r>
-            <a:r>
-              <a:rPr lang="en-US" sz="3200" baseline="-25000">
-                <a:solidFill>
-                  <a:schemeClr val="accent5"/>
-                </a:solidFill>
-                <a:latin typeface="Liberation Sans" pitchFamily="34"/>
-                <a:ea typeface="Noto Sans CJK SC Regular" pitchFamily="2"/>
-                <a:cs typeface="Liberation Sans" pitchFamily="34"/>
-              </a:rPr>
-              <a:t>j</a:t>
-            </a:r>
-            <a:r>
-              <a:rPr lang="en-US" sz="3200">
-                <a:solidFill>
-                  <a:schemeClr val="accent5"/>
-                </a:solidFill>
-                <a:latin typeface="Liberation Sans" pitchFamily="34"/>
-                <a:ea typeface="Noto Sans CJK SC Regular" pitchFamily="2"/>
-                <a:cs typeface="Liberation Sans" pitchFamily="34"/>
-              </a:rPr>
-              <a:t>(X</a:t>
-            </a:r>
-            <a:r>
-              <a:rPr lang="en-US" sz="3200" baseline="-25000">
-                <a:solidFill>
-                  <a:schemeClr val="accent5"/>
-                </a:solidFill>
-                <a:latin typeface="Liberation Sans" pitchFamily="34"/>
-                <a:ea typeface="Noto Sans CJK SC Regular" pitchFamily="2"/>
-                <a:cs typeface="Liberation Sans" pitchFamily="34"/>
-              </a:rPr>
-              <a:t>j</a:t>
-            </a:r>
-            <a:r>
-              <a:rPr lang="en-US" sz="3200">
-                <a:solidFill>
-                  <a:schemeClr val="accent5"/>
-                </a:solidFill>
-                <a:latin typeface="Liberation Sans" pitchFamily="34"/>
-                <a:ea typeface="Noto Sans CJK SC Regular" pitchFamily="2"/>
-                <a:cs typeface="Liberation Sans" pitchFamily="34"/>
-              </a:rPr>
-              <a:t>)</a:t>
-            </a:r>
-            <a:r>
-              <a:rPr lang="en-US" sz="3200">
-                <a:latin typeface="Liberation Sans" pitchFamily="34"/>
-                <a:ea typeface="Noto Sans CJK SC Regular" pitchFamily="2"/>
-                <a:cs typeface="Liberation Sans" pitchFamily="34"/>
-              </a:rPr>
-              <a:t>)</a:t>
-            </a:r>
-          </a:p>
-          <a:p>
-            <a:pPr marL="457200" lvl="0" indent="-457200" hangingPunct="0">
-              <a:buFont typeface="Arial" panose="020B0604020202020204" pitchFamily="34" charset="0"/>
-              <a:buChar char="•"/>
-            </a:pPr>
-            <a:r>
-              <a:rPr lang="en-US" sz="3200">
-                <a:latin typeface="Liberation Sans" pitchFamily="34"/>
-                <a:ea typeface="Noto Sans CJK SC Regular" pitchFamily="2"/>
-                <a:cs typeface="Liberation Sans" pitchFamily="34"/>
-              </a:rPr>
-              <a:t>        = sum</a:t>
-            </a:r>
-            <a:r>
-              <a:rPr lang="en-US" sz="3200" baseline="-25000">
-                <a:latin typeface="Liberation Sans" pitchFamily="34"/>
-                <a:ea typeface="Noto Sans CJK SC Regular" pitchFamily="2"/>
-                <a:cs typeface="Liberation Sans" pitchFamily="34"/>
-              </a:rPr>
-              <a:t>r</a:t>
-            </a:r>
-            <a:r>
-              <a:rPr lang="en-US" sz="3200">
-                <a:latin typeface="Liberation Sans" pitchFamily="34"/>
-                <a:ea typeface="Noto Sans CJK SC Regular" pitchFamily="2"/>
-                <a:cs typeface="Liberation Sans" pitchFamily="34"/>
-              </a:rPr>
-              <a:t> (x</a:t>
-            </a:r>
-            <a:r>
-              <a:rPr lang="en-US" sz="3200" baseline="-25000">
-                <a:latin typeface="Liberation Sans" pitchFamily="34"/>
-                <a:ea typeface="Noto Sans CJK SC Regular" pitchFamily="2"/>
-                <a:cs typeface="Liberation Sans" pitchFamily="34"/>
-              </a:rPr>
-              <a:t>j,r</a:t>
-            </a:r>
-            <a:r>
-              <a:rPr lang="en-US" sz="3200">
-                <a:latin typeface="Liberation Sans" pitchFamily="34"/>
-                <a:ea typeface="Noto Sans CJK SC Regular" pitchFamily="2"/>
-                <a:cs typeface="Liberation Sans" pitchFamily="34"/>
-              </a:rPr>
-              <a:t> * v</a:t>
-            </a:r>
-            <a:r>
-              <a:rPr lang="en-US" sz="3200" baseline="-25000">
-                <a:latin typeface="Liberation Sans" pitchFamily="34"/>
-                <a:ea typeface="Noto Sans CJK SC Regular" pitchFamily="2"/>
-                <a:cs typeface="Liberation Sans" pitchFamily="34"/>
-              </a:rPr>
-              <a:t>j</a:t>
-            </a:r>
-            <a:r>
-              <a:rPr lang="en-US" sz="3200">
-                <a:latin typeface="Liberation Sans" pitchFamily="34"/>
-                <a:ea typeface="Noto Sans CJK SC Regular" pitchFamily="2"/>
-                <a:cs typeface="Liberation Sans" pitchFamily="34"/>
-              </a:rPr>
-              <a:t>(r)) / v</a:t>
-            </a:r>
-            <a:r>
-              <a:rPr lang="en-US" sz="3200" baseline="-25000">
-                <a:latin typeface="Liberation Sans" pitchFamily="34"/>
-                <a:ea typeface="Noto Sans CJK SC Regular" pitchFamily="2"/>
-                <a:cs typeface="Liberation Sans" pitchFamily="34"/>
-              </a:rPr>
-              <a:t>j</a:t>
-            </a:r>
-            <a:r>
-              <a:rPr lang="en-US" sz="3200">
-                <a:latin typeface="Liberation Sans" pitchFamily="34"/>
-                <a:ea typeface="Noto Sans CJK SC Regular" pitchFamily="2"/>
-                <a:cs typeface="Liberation Sans" pitchFamily="34"/>
-              </a:rPr>
-              <a:t>(X</a:t>
-            </a:r>
-            <a:r>
-              <a:rPr lang="en-US" sz="3200" baseline="-25000">
-                <a:latin typeface="Liberation Sans" pitchFamily="34"/>
-                <a:ea typeface="Noto Sans CJK SC Regular" pitchFamily="2"/>
-                <a:cs typeface="Liberation Sans" pitchFamily="34"/>
-              </a:rPr>
-              <a:t>j</a:t>
-            </a:r>
-            <a:r>
-              <a:rPr lang="en-US" sz="3200">
-                <a:latin typeface="Liberation Sans" pitchFamily="34"/>
-                <a:ea typeface="Noto Sans CJK SC Regular" pitchFamily="2"/>
-                <a:cs typeface="Liberation Sans" pitchFamily="34"/>
-              </a:rPr>
-              <a:t>)</a:t>
-            </a:r>
-          </a:p>
-          <a:p>
-            <a:pPr marL="457200" lvl="0" indent="-457200" hangingPunct="0">
-              <a:buFont typeface="Arial" panose="020B0604020202020204" pitchFamily="34" charset="0"/>
-              <a:buChar char="•"/>
-            </a:pPr>
-            <a:r>
-              <a:rPr lang="en-US" sz="3200">
-                <a:latin typeface="Liberation Sans" pitchFamily="34"/>
-                <a:ea typeface="Noto Sans CJK SC Regular" pitchFamily="2"/>
-                <a:cs typeface="Liberation Sans" pitchFamily="34"/>
-              </a:rPr>
-              <a:t>        = v</a:t>
-            </a:r>
-            <a:r>
-              <a:rPr lang="en-US" sz="3200" baseline="-25000">
-                <a:latin typeface="Liberation Sans" pitchFamily="34"/>
-                <a:ea typeface="Noto Sans CJK SC Regular" pitchFamily="2"/>
-                <a:cs typeface="Liberation Sans" pitchFamily="34"/>
-              </a:rPr>
-              <a:t>j</a:t>
-            </a:r>
-            <a:r>
-              <a:rPr lang="en-US" sz="3200">
-                <a:latin typeface="Liberation Sans" pitchFamily="34"/>
-                <a:ea typeface="Noto Sans CJK SC Regular" pitchFamily="2"/>
-                <a:cs typeface="Liberation Sans" pitchFamily="34"/>
-              </a:rPr>
-              <a:t>(X</a:t>
-            </a:r>
-            <a:r>
-              <a:rPr lang="en-US" sz="3200" baseline="-25000">
-                <a:latin typeface="Liberation Sans" pitchFamily="34"/>
-                <a:ea typeface="Noto Sans CJK SC Regular" pitchFamily="2"/>
-                <a:cs typeface="Liberation Sans" pitchFamily="34"/>
-              </a:rPr>
-              <a:t>j</a:t>
-            </a:r>
-            <a:r>
-              <a:rPr lang="en-US" sz="3200">
-                <a:latin typeface="Liberation Sans" pitchFamily="34"/>
-                <a:ea typeface="Noto Sans CJK SC Regular" pitchFamily="2"/>
-                <a:cs typeface="Liberation Sans" pitchFamily="34"/>
-              </a:rPr>
-              <a:t>) / v</a:t>
-            </a:r>
-            <a:r>
-              <a:rPr lang="en-US" sz="3200" baseline="-25000">
-                <a:latin typeface="Liberation Sans" pitchFamily="34"/>
-                <a:ea typeface="Noto Sans CJK SC Regular" pitchFamily="2"/>
-                <a:cs typeface="Liberation Sans" pitchFamily="34"/>
-              </a:rPr>
-              <a:t>j</a:t>
-            </a:r>
-            <a:r>
-              <a:rPr lang="en-US" sz="3200">
-                <a:latin typeface="Liberation Sans" pitchFamily="34"/>
-                <a:ea typeface="Noto Sans CJK SC Regular" pitchFamily="2"/>
-                <a:cs typeface="Liberation Sans" pitchFamily="34"/>
-              </a:rPr>
-              <a:t>(X</a:t>
-            </a:r>
-            <a:r>
-              <a:rPr lang="en-US" sz="3200" baseline="-25000">
-                <a:latin typeface="Liberation Sans" pitchFamily="34"/>
-                <a:ea typeface="Noto Sans CJK SC Regular" pitchFamily="2"/>
-                <a:cs typeface="Liberation Sans" pitchFamily="34"/>
-              </a:rPr>
-              <a:t>j</a:t>
-            </a:r>
-            <a:r>
-              <a:rPr lang="en-US" sz="3200">
-                <a:latin typeface="Liberation Sans" pitchFamily="34"/>
-                <a:ea typeface="Noto Sans CJK SC Regular" pitchFamily="2"/>
-                <a:cs typeface="Liberation Sans" pitchFamily="34"/>
-              </a:rPr>
-              <a:t>) = 1</a:t>
-            </a:r>
-          </a:p>
-          <a:p>
-            <a:pPr marL="457200" indent="-457200" algn="r" rtl="1" hangingPunct="0">
-              <a:buFont typeface="Arial" panose="020B0604020202020204" pitchFamily="34" charset="0"/>
-              <a:buChar char="•"/>
-            </a:pPr>
-            <a:r>
-              <a:rPr lang="he-IL" sz="3200">
-                <a:latin typeface="Liberation Sans" pitchFamily="34"/>
-                <a:ea typeface="Noto Sans CJK SC Regular" pitchFamily="2"/>
-                <a:cs typeface="Liberation Sans" pitchFamily="34"/>
-              </a:rPr>
-              <a:t>מחיר של כל סל אפשרי אחר </a:t>
-            </a:r>
-            <a:r>
-              <a:rPr lang="en-US" sz="3200">
-                <a:latin typeface="Liberation Sans" pitchFamily="34"/>
-                <a:ea typeface="Noto Sans CJK SC Regular" pitchFamily="2"/>
-                <a:cs typeface="Liberation Sans" pitchFamily="34"/>
-              </a:rPr>
-              <a:t>Y</a:t>
-            </a:r>
-            <a:r>
-              <a:rPr lang="en-US" sz="3200" baseline="-25000">
-                <a:latin typeface="Liberation Sans" pitchFamily="34"/>
-                <a:ea typeface="Noto Sans CJK SC Regular" pitchFamily="2"/>
-                <a:cs typeface="Liberation Sans" pitchFamily="34"/>
-              </a:rPr>
-              <a:t>j</a:t>
-            </a:r>
-            <a:r>
-              <a:rPr lang="he-IL" sz="3200">
-                <a:latin typeface="Liberation Sans" pitchFamily="34"/>
-                <a:ea typeface="Noto Sans CJK SC Regular" pitchFamily="2"/>
-                <a:cs typeface="Liberation Sans" pitchFamily="34"/>
-              </a:rPr>
-              <a:t>:</a:t>
-            </a:r>
-          </a:p>
-          <a:p>
-            <a:pPr marL="457200" lvl="0" indent="-457200" hangingPunct="0">
-              <a:buFont typeface="Arial" panose="020B0604020202020204" pitchFamily="34" charset="0"/>
-              <a:buChar char="•"/>
-            </a:pPr>
-            <a:r>
-              <a:rPr lang="en-US" sz="3200">
-                <a:latin typeface="Liberation Sans" pitchFamily="34"/>
-                <a:ea typeface="Noto Sans CJK SC Regular" pitchFamily="2"/>
-                <a:cs typeface="Liberation Sans" pitchFamily="34"/>
-              </a:rPr>
-              <a:t>p(Y) = sum</a:t>
-            </a:r>
-            <a:r>
-              <a:rPr lang="en-US" sz="3200" baseline="-25000">
-                <a:latin typeface="Liberation Sans" pitchFamily="34"/>
-                <a:ea typeface="Noto Sans CJK SC Regular" pitchFamily="2"/>
-                <a:cs typeface="Liberation Sans" pitchFamily="34"/>
-              </a:rPr>
-              <a:t>r</a:t>
-            </a:r>
-            <a:r>
-              <a:rPr lang="en-US" sz="3200">
-                <a:latin typeface="Liberation Sans" pitchFamily="34"/>
-                <a:ea typeface="Noto Sans CJK SC Regular" pitchFamily="2"/>
-                <a:cs typeface="Liberation Sans" pitchFamily="34"/>
-              </a:rPr>
-              <a:t> (y</a:t>
-            </a:r>
-            <a:r>
-              <a:rPr lang="en-US" sz="3200" baseline="-25000">
-                <a:latin typeface="Liberation Sans" pitchFamily="34"/>
-                <a:ea typeface="Noto Sans CJK SC Regular" pitchFamily="2"/>
-                <a:cs typeface="Liberation Sans" pitchFamily="34"/>
-              </a:rPr>
-              <a:t>j,r</a:t>
-            </a:r>
-            <a:r>
-              <a:rPr lang="en-US" sz="3200">
-                <a:latin typeface="Liberation Sans" pitchFamily="34"/>
-                <a:ea typeface="Noto Sans CJK SC Regular" pitchFamily="2"/>
-                <a:cs typeface="Liberation Sans" pitchFamily="34"/>
-              </a:rPr>
-              <a:t> * </a:t>
-            </a:r>
-            <a:r>
-              <a:rPr lang="en-US" sz="3200">
-                <a:solidFill>
-                  <a:schemeClr val="accent5"/>
-                </a:solidFill>
-                <a:latin typeface="Liberation Sans" pitchFamily="34"/>
-                <a:ea typeface="Noto Sans CJK SC Regular" pitchFamily="2"/>
-                <a:cs typeface="Liberation Sans" pitchFamily="34"/>
-              </a:rPr>
-              <a:t>p</a:t>
-            </a:r>
-            <a:r>
-              <a:rPr lang="en-US" sz="3200" baseline="-25000">
-                <a:solidFill>
-                  <a:schemeClr val="accent5"/>
-                </a:solidFill>
-                <a:latin typeface="Liberation Sans" pitchFamily="34"/>
-                <a:ea typeface="Noto Sans CJK SC Regular" pitchFamily="2"/>
-                <a:cs typeface="Liberation Sans" pitchFamily="34"/>
-              </a:rPr>
-              <a:t>r</a:t>
-            </a:r>
-            <a:r>
-              <a:rPr lang="en-US" sz="3200">
-                <a:latin typeface="Liberation Sans" pitchFamily="34"/>
-                <a:ea typeface="Noto Sans CJK SC Regular" pitchFamily="2"/>
-                <a:cs typeface="Liberation Sans" pitchFamily="34"/>
-              </a:rPr>
-              <a:t>) ≥ sum</a:t>
-            </a:r>
-            <a:r>
-              <a:rPr lang="en-US" sz="3200" baseline="-25000">
-                <a:latin typeface="Liberation Sans" pitchFamily="34"/>
-                <a:ea typeface="Noto Sans CJK SC Regular" pitchFamily="2"/>
-                <a:cs typeface="Liberation Sans" pitchFamily="34"/>
-              </a:rPr>
-              <a:t>r</a:t>
-            </a:r>
-            <a:r>
-              <a:rPr lang="en-US" sz="3200">
-                <a:latin typeface="Liberation Sans" pitchFamily="34"/>
-                <a:ea typeface="Noto Sans CJK SC Regular" pitchFamily="2"/>
-                <a:cs typeface="Liberation Sans" pitchFamily="34"/>
-              </a:rPr>
-              <a:t> (y</a:t>
-            </a:r>
-            <a:r>
-              <a:rPr lang="en-US" sz="3200" baseline="-25000">
-                <a:latin typeface="Liberation Sans" pitchFamily="34"/>
-                <a:ea typeface="Noto Sans CJK SC Regular" pitchFamily="2"/>
-                <a:cs typeface="Liberation Sans" pitchFamily="34"/>
-              </a:rPr>
-              <a:t>j,r</a:t>
-            </a:r>
-            <a:r>
-              <a:rPr lang="en-US" sz="3200">
-                <a:latin typeface="Liberation Sans" pitchFamily="34"/>
-                <a:ea typeface="Noto Sans CJK SC Regular" pitchFamily="2"/>
-                <a:cs typeface="Liberation Sans" pitchFamily="34"/>
-              </a:rPr>
-              <a:t> * </a:t>
-            </a:r>
-            <a:r>
-              <a:rPr lang="en-US" sz="3200">
-                <a:solidFill>
-                  <a:schemeClr val="accent5"/>
-                </a:solidFill>
-                <a:latin typeface="Liberation Sans" pitchFamily="34"/>
-                <a:ea typeface="Noto Sans CJK SC Regular" pitchFamily="2"/>
-                <a:cs typeface="Liberation Sans" pitchFamily="34"/>
-              </a:rPr>
-              <a:t>v</a:t>
-            </a:r>
-            <a:r>
-              <a:rPr lang="en-US" sz="3200" baseline="-25000">
-                <a:solidFill>
-                  <a:schemeClr val="accent5"/>
-                </a:solidFill>
-                <a:latin typeface="Liberation Sans" pitchFamily="34"/>
-                <a:ea typeface="Noto Sans CJK SC Regular" pitchFamily="2"/>
-                <a:cs typeface="Liberation Sans" pitchFamily="34"/>
-              </a:rPr>
-              <a:t>j</a:t>
-            </a:r>
-            <a:r>
-              <a:rPr lang="en-US" sz="3200">
-                <a:solidFill>
-                  <a:schemeClr val="accent5"/>
-                </a:solidFill>
-                <a:latin typeface="Liberation Sans" pitchFamily="34"/>
-                <a:ea typeface="Noto Sans CJK SC Regular" pitchFamily="2"/>
-                <a:cs typeface="Liberation Sans" pitchFamily="34"/>
-              </a:rPr>
-              <a:t>(r)/v</a:t>
-            </a:r>
-            <a:r>
-              <a:rPr lang="en-US" sz="3200" baseline="-25000">
-                <a:solidFill>
-                  <a:schemeClr val="accent5"/>
-                </a:solidFill>
-                <a:latin typeface="Liberation Sans" pitchFamily="34"/>
-                <a:ea typeface="Noto Sans CJK SC Regular" pitchFamily="2"/>
-                <a:cs typeface="Liberation Sans" pitchFamily="34"/>
-              </a:rPr>
-              <a:t>j</a:t>
-            </a:r>
-            <a:r>
-              <a:rPr lang="en-US" sz="3200">
-                <a:solidFill>
-                  <a:schemeClr val="accent5"/>
-                </a:solidFill>
-                <a:latin typeface="Liberation Sans" pitchFamily="34"/>
-                <a:ea typeface="Noto Sans CJK SC Regular" pitchFamily="2"/>
-                <a:cs typeface="Liberation Sans" pitchFamily="34"/>
-              </a:rPr>
-              <a:t>(X</a:t>
-            </a:r>
-            <a:r>
-              <a:rPr lang="en-US" sz="3200" baseline="-25000">
-                <a:solidFill>
-                  <a:schemeClr val="accent5"/>
-                </a:solidFill>
-                <a:latin typeface="Liberation Sans" pitchFamily="34"/>
-                <a:ea typeface="Noto Sans CJK SC Regular" pitchFamily="2"/>
-                <a:cs typeface="Liberation Sans" pitchFamily="34"/>
-              </a:rPr>
-              <a:t>j</a:t>
-            </a:r>
-            <a:r>
-              <a:rPr lang="en-US" sz="3200">
-                <a:solidFill>
-                  <a:schemeClr val="accent5"/>
-                </a:solidFill>
-                <a:latin typeface="Liberation Sans" pitchFamily="34"/>
-                <a:ea typeface="Noto Sans CJK SC Regular" pitchFamily="2"/>
-                <a:cs typeface="Liberation Sans" pitchFamily="34"/>
-              </a:rPr>
-              <a:t>)</a:t>
-            </a:r>
-            <a:r>
-              <a:rPr lang="en-US" sz="3200">
-                <a:latin typeface="Liberation Sans" pitchFamily="34"/>
-                <a:ea typeface="Noto Sans CJK SC Regular" pitchFamily="2"/>
-                <a:cs typeface="Liberation Sans" pitchFamily="34"/>
-              </a:rPr>
-              <a:t>)</a:t>
-            </a:r>
-          </a:p>
-          <a:p>
-            <a:pPr marL="457200" lvl="0" indent="-457200" hangingPunct="0">
-              <a:buFont typeface="Arial" panose="020B0604020202020204" pitchFamily="34" charset="0"/>
-              <a:buChar char="•"/>
-            </a:pPr>
-            <a:r>
-              <a:rPr lang="en-US" sz="3200">
-                <a:latin typeface="Liberation Sans" pitchFamily="34"/>
-                <a:ea typeface="Noto Sans CJK SC Regular" pitchFamily="2"/>
-                <a:cs typeface="Liberation Sans" pitchFamily="34"/>
-              </a:rPr>
-              <a:t>        = sum</a:t>
-            </a:r>
-            <a:r>
-              <a:rPr lang="en-US" sz="3200" baseline="-25000">
-                <a:latin typeface="Liberation Sans" pitchFamily="34"/>
-                <a:ea typeface="Noto Sans CJK SC Regular" pitchFamily="2"/>
-                <a:cs typeface="Liberation Sans" pitchFamily="34"/>
-              </a:rPr>
-              <a:t>r</a:t>
-            </a:r>
-            <a:r>
-              <a:rPr lang="en-US" sz="3200">
-                <a:latin typeface="Liberation Sans" pitchFamily="34"/>
-                <a:ea typeface="Noto Sans CJK SC Regular" pitchFamily="2"/>
-                <a:cs typeface="Liberation Sans" pitchFamily="34"/>
-              </a:rPr>
-              <a:t> (y</a:t>
-            </a:r>
-            <a:r>
-              <a:rPr lang="en-US" sz="3200" baseline="-25000">
-                <a:latin typeface="Liberation Sans" pitchFamily="34"/>
-                <a:ea typeface="Noto Sans CJK SC Regular" pitchFamily="2"/>
-                <a:cs typeface="Liberation Sans" pitchFamily="34"/>
-              </a:rPr>
-              <a:t>j,r</a:t>
-            </a:r>
-            <a:r>
-              <a:rPr lang="en-US" sz="3200">
-                <a:latin typeface="Liberation Sans" pitchFamily="34"/>
-                <a:ea typeface="Noto Sans CJK SC Regular" pitchFamily="2"/>
-                <a:cs typeface="Liberation Sans" pitchFamily="34"/>
-              </a:rPr>
-              <a:t> * v</a:t>
-            </a:r>
-            <a:r>
-              <a:rPr lang="en-US" sz="3200" baseline="-25000">
-                <a:latin typeface="Liberation Sans" pitchFamily="34"/>
-                <a:ea typeface="Noto Sans CJK SC Regular" pitchFamily="2"/>
-                <a:cs typeface="Liberation Sans" pitchFamily="34"/>
-              </a:rPr>
-              <a:t>j</a:t>
-            </a:r>
-            <a:r>
-              <a:rPr lang="en-US" sz="3200">
-                <a:latin typeface="Liberation Sans" pitchFamily="34"/>
-                <a:ea typeface="Noto Sans CJK SC Regular" pitchFamily="2"/>
-                <a:cs typeface="Liberation Sans" pitchFamily="34"/>
-              </a:rPr>
-              <a:t>(r)) / v</a:t>
-            </a:r>
-            <a:r>
-              <a:rPr lang="en-US" sz="3200" baseline="-25000">
-                <a:latin typeface="Liberation Sans" pitchFamily="34"/>
-                <a:ea typeface="Noto Sans CJK SC Regular" pitchFamily="2"/>
-                <a:cs typeface="Liberation Sans" pitchFamily="34"/>
-              </a:rPr>
-              <a:t>j</a:t>
-            </a:r>
-            <a:r>
-              <a:rPr lang="en-US" sz="3200">
-                <a:latin typeface="Liberation Sans" pitchFamily="34"/>
-                <a:ea typeface="Noto Sans CJK SC Regular" pitchFamily="2"/>
-                <a:cs typeface="Liberation Sans" pitchFamily="34"/>
-              </a:rPr>
-              <a:t>(X</a:t>
-            </a:r>
-            <a:r>
-              <a:rPr lang="en-US" sz="3200" baseline="-25000">
-                <a:latin typeface="Liberation Sans" pitchFamily="34"/>
-                <a:ea typeface="Noto Sans CJK SC Regular" pitchFamily="2"/>
-                <a:cs typeface="Liberation Sans" pitchFamily="34"/>
-              </a:rPr>
-              <a:t>j</a:t>
-            </a:r>
-            <a:r>
-              <a:rPr lang="en-US" sz="3200">
-                <a:latin typeface="Liberation Sans" pitchFamily="34"/>
-                <a:ea typeface="Noto Sans CJK SC Regular" pitchFamily="2"/>
-                <a:cs typeface="Liberation Sans" pitchFamily="34"/>
-              </a:rPr>
-              <a:t>)</a:t>
-            </a:r>
-          </a:p>
-          <a:p>
-            <a:pPr marL="457200" lvl="0" indent="-457200" hangingPunct="0">
-              <a:buFont typeface="Arial" panose="020B0604020202020204" pitchFamily="34" charset="0"/>
-              <a:buChar char="•"/>
-            </a:pPr>
-            <a:r>
-              <a:rPr lang="en-US" sz="3200">
-                <a:latin typeface="Liberation Sans" pitchFamily="34"/>
-                <a:ea typeface="Noto Sans CJK SC Regular" pitchFamily="2"/>
-                <a:cs typeface="Liberation Sans" pitchFamily="34"/>
-              </a:rPr>
-              <a:t>        = v</a:t>
-            </a:r>
-            <a:r>
-              <a:rPr lang="en-US" sz="3200" baseline="-25000">
-                <a:latin typeface="Liberation Sans" pitchFamily="34"/>
-                <a:ea typeface="Noto Sans CJK SC Regular" pitchFamily="2"/>
-                <a:cs typeface="Liberation Sans" pitchFamily="34"/>
-              </a:rPr>
-              <a:t>j</a:t>
-            </a:r>
-            <a:r>
-              <a:rPr lang="en-US" sz="3200">
-                <a:latin typeface="Liberation Sans" pitchFamily="34"/>
-                <a:ea typeface="Noto Sans CJK SC Regular" pitchFamily="2"/>
-                <a:cs typeface="Liberation Sans" pitchFamily="34"/>
-              </a:rPr>
-              <a:t>(Y</a:t>
-            </a:r>
-            <a:r>
-              <a:rPr lang="en-US" sz="3200" baseline="-25000">
-                <a:latin typeface="Liberation Sans" pitchFamily="34"/>
-                <a:ea typeface="Noto Sans CJK SC Regular" pitchFamily="2"/>
-                <a:cs typeface="Liberation Sans" pitchFamily="34"/>
-              </a:rPr>
-              <a:t>j</a:t>
-            </a:r>
-            <a:r>
-              <a:rPr lang="en-US" sz="3200">
-                <a:latin typeface="Liberation Sans" pitchFamily="34"/>
-                <a:ea typeface="Noto Sans CJK SC Regular" pitchFamily="2"/>
-                <a:cs typeface="Liberation Sans" pitchFamily="34"/>
-              </a:rPr>
-              <a:t>) / v</a:t>
-            </a:r>
-            <a:r>
-              <a:rPr lang="en-US" sz="3200" baseline="-25000">
-                <a:latin typeface="Liberation Sans" pitchFamily="34"/>
-                <a:ea typeface="Noto Sans CJK SC Regular" pitchFamily="2"/>
-                <a:cs typeface="Liberation Sans" pitchFamily="34"/>
-              </a:rPr>
-              <a:t>j</a:t>
-            </a:r>
-            <a:r>
-              <a:rPr lang="en-US" sz="3200">
-                <a:latin typeface="Liberation Sans" pitchFamily="34"/>
-                <a:ea typeface="Noto Sans CJK SC Regular" pitchFamily="2"/>
-                <a:cs typeface="Liberation Sans" pitchFamily="34"/>
-              </a:rPr>
-              <a:t>(X</a:t>
-            </a:r>
-            <a:r>
-              <a:rPr lang="en-US" sz="3200" baseline="-25000">
-                <a:latin typeface="Liberation Sans" pitchFamily="34"/>
-                <a:ea typeface="Noto Sans CJK SC Regular" pitchFamily="2"/>
-                <a:cs typeface="Liberation Sans" pitchFamily="34"/>
-              </a:rPr>
-              <a:t>j</a:t>
-            </a:r>
-            <a:r>
-              <a:rPr lang="en-US" sz="3200">
-                <a:latin typeface="Liberation Sans" pitchFamily="34"/>
-                <a:ea typeface="Noto Sans CJK SC Regular" pitchFamily="2"/>
-                <a:cs typeface="Liberation Sans" pitchFamily="34"/>
-              </a:rPr>
-              <a:t>)</a:t>
-            </a:r>
-          </a:p>
-          <a:p>
-            <a:pPr marL="457200" indent="-457200" algn="r" rtl="1" hangingPunct="0">
-              <a:buFont typeface="Arial" panose="020B0604020202020204" pitchFamily="34" charset="0"/>
-              <a:buChar char="•"/>
-            </a:pPr>
-            <a:r>
-              <a:rPr lang="he-IL" sz="3200">
-                <a:latin typeface="Liberation Sans" pitchFamily="34"/>
-                <a:ea typeface="Noto Sans CJK SC Regular" pitchFamily="2"/>
-                <a:cs typeface="Liberation Sans" pitchFamily="34"/>
-              </a:rPr>
-              <a:t>לכן:</a:t>
-            </a:r>
-          </a:p>
-          <a:p>
-            <a:pPr marL="914400" lvl="1" indent="-457200" algn="r" rtl="1" hangingPunct="0">
-              <a:buFont typeface="Arial" panose="020B0604020202020204" pitchFamily="34" charset="0"/>
-              <a:buChar char="•"/>
-            </a:pPr>
-            <a:r>
-              <a:rPr lang="he-IL" sz="3200">
-                <a:latin typeface="Liberation Sans" pitchFamily="34"/>
-                <a:ea typeface="Noto Sans CJK SC Regular" pitchFamily="2"/>
-                <a:cs typeface="Liberation Sans" pitchFamily="34"/>
-              </a:rPr>
-              <a:t>אם </a:t>
-            </a:r>
-            <a:r>
-              <a:rPr lang="en-US" sz="3200">
-                <a:latin typeface="Liberation Sans" pitchFamily="34"/>
-                <a:ea typeface="Noto Sans CJK SC Regular" pitchFamily="2"/>
-                <a:cs typeface="Liberation Sans" pitchFamily="34"/>
-              </a:rPr>
-              <a:t>v</a:t>
-            </a:r>
-            <a:r>
-              <a:rPr lang="en-US" sz="3200" baseline="-25000">
-                <a:latin typeface="Liberation Sans" pitchFamily="34"/>
-                <a:ea typeface="Noto Sans CJK SC Regular" pitchFamily="2"/>
-                <a:cs typeface="Liberation Sans" pitchFamily="34"/>
-              </a:rPr>
-              <a:t>j</a:t>
-            </a:r>
-            <a:r>
-              <a:rPr lang="en-US" sz="3200">
-                <a:latin typeface="Liberation Sans" pitchFamily="34"/>
-                <a:ea typeface="Noto Sans CJK SC Regular" pitchFamily="2"/>
-                <a:cs typeface="Liberation Sans" pitchFamily="34"/>
-              </a:rPr>
-              <a:t>(Y</a:t>
-            </a:r>
-            <a:r>
-              <a:rPr lang="en-US" sz="3200" baseline="-25000">
-                <a:latin typeface="Liberation Sans" pitchFamily="34"/>
-                <a:ea typeface="Noto Sans CJK SC Regular" pitchFamily="2"/>
-                <a:cs typeface="Liberation Sans" pitchFamily="34"/>
-              </a:rPr>
-              <a:t>j</a:t>
-            </a:r>
-            <a:r>
-              <a:rPr lang="en-US" sz="3200">
-                <a:latin typeface="Liberation Sans" pitchFamily="34"/>
-                <a:ea typeface="Noto Sans CJK SC Regular" pitchFamily="2"/>
-                <a:cs typeface="Liberation Sans" pitchFamily="34"/>
-              </a:rPr>
-              <a:t>) &gt; v</a:t>
-            </a:r>
-            <a:r>
-              <a:rPr lang="en-US" sz="3200" baseline="-25000">
-                <a:latin typeface="Liberation Sans" pitchFamily="34"/>
-                <a:ea typeface="Noto Sans CJK SC Regular" pitchFamily="2"/>
-                <a:cs typeface="Liberation Sans" pitchFamily="34"/>
-              </a:rPr>
-              <a:t>j</a:t>
-            </a:r>
-            <a:r>
-              <a:rPr lang="en-US" sz="3200">
-                <a:latin typeface="Liberation Sans" pitchFamily="34"/>
-                <a:ea typeface="Noto Sans CJK SC Regular" pitchFamily="2"/>
-                <a:cs typeface="Liberation Sans" pitchFamily="34"/>
-              </a:rPr>
-              <a:t>(X</a:t>
-            </a:r>
-            <a:r>
-              <a:rPr lang="en-US" sz="3200" baseline="-25000">
-                <a:latin typeface="Liberation Sans" pitchFamily="34"/>
-                <a:ea typeface="Noto Sans CJK SC Regular" pitchFamily="2"/>
-                <a:cs typeface="Liberation Sans" pitchFamily="34"/>
-              </a:rPr>
-              <a:t>j</a:t>
-            </a:r>
-            <a:r>
-              <a:rPr lang="en-US" sz="3200">
-                <a:latin typeface="Liberation Sans" pitchFamily="34"/>
-                <a:ea typeface="Noto Sans CJK SC Regular" pitchFamily="2"/>
-                <a:cs typeface="Liberation Sans" pitchFamily="34"/>
-              </a:rPr>
-              <a:t>)</a:t>
-            </a:r>
-            <a:r>
-              <a:rPr lang="he-IL" sz="3200">
-                <a:latin typeface="Liberation Sans" pitchFamily="34"/>
-                <a:ea typeface="Noto Sans CJK SC Regular" pitchFamily="2"/>
-                <a:cs typeface="Liberation Sans" pitchFamily="34"/>
-              </a:rPr>
-              <a:t>, אז  </a:t>
-            </a:r>
-            <a:r>
-              <a:rPr lang="en-US" sz="3200">
-                <a:latin typeface="Liberation Sans" pitchFamily="34"/>
-                <a:ea typeface="Noto Sans CJK SC Regular" pitchFamily="2"/>
-                <a:cs typeface="Liberation Sans" pitchFamily="34"/>
-              </a:rPr>
-              <a:t>p(Y)&gt;1</a:t>
-            </a:r>
-            <a:r>
-              <a:rPr lang="he-IL" sz="3200">
-                <a:latin typeface="Liberation Sans" pitchFamily="34"/>
-                <a:ea typeface="Noto Sans CJK SC Regular" pitchFamily="2"/>
-                <a:cs typeface="Liberation Sans" pitchFamily="34"/>
-              </a:rPr>
-              <a:t>;</a:t>
-            </a:r>
-          </a:p>
-          <a:p>
-            <a:pPr marL="914400" lvl="1" indent="-457200" algn="r" rtl="1" hangingPunct="0">
-              <a:buFont typeface="Arial" panose="020B0604020202020204" pitchFamily="34" charset="0"/>
-              <a:buChar char="•"/>
-            </a:pPr>
-            <a:r>
-              <a:rPr lang="he-IL" sz="3200">
-                <a:latin typeface="Liberation Sans" pitchFamily="34"/>
-                <a:ea typeface="Noto Sans CJK SC Regular" pitchFamily="2"/>
-                <a:cs typeface="Liberation Sans" pitchFamily="34"/>
-              </a:rPr>
-              <a:t>ואם </a:t>
-            </a:r>
-            <a:r>
-              <a:rPr lang="en-US" sz="3200">
-                <a:latin typeface="Liberation Sans" pitchFamily="34"/>
-                <a:ea typeface="Noto Sans CJK SC Regular" pitchFamily="2"/>
-                <a:cs typeface="Liberation Sans" pitchFamily="34"/>
-              </a:rPr>
-              <a:t>v</a:t>
-            </a:r>
-            <a:r>
-              <a:rPr lang="en-US" sz="3200" baseline="-25000">
-                <a:latin typeface="Liberation Sans" pitchFamily="34"/>
-                <a:ea typeface="Noto Sans CJK SC Regular" pitchFamily="2"/>
-                <a:cs typeface="Liberation Sans" pitchFamily="34"/>
-              </a:rPr>
-              <a:t>j</a:t>
-            </a:r>
-            <a:r>
-              <a:rPr lang="en-US" sz="3200">
-                <a:latin typeface="Liberation Sans" pitchFamily="34"/>
-                <a:ea typeface="Noto Sans CJK SC Regular" pitchFamily="2"/>
-                <a:cs typeface="Liberation Sans" pitchFamily="34"/>
-              </a:rPr>
-              <a:t>(Y</a:t>
-            </a:r>
-            <a:r>
-              <a:rPr lang="en-US" sz="3200" baseline="-25000">
-                <a:latin typeface="Liberation Sans" pitchFamily="34"/>
-                <a:ea typeface="Noto Sans CJK SC Regular" pitchFamily="2"/>
-                <a:cs typeface="Liberation Sans" pitchFamily="34"/>
-              </a:rPr>
-              <a:t>j</a:t>
-            </a:r>
-            <a:r>
-              <a:rPr lang="en-US" sz="3200">
-                <a:latin typeface="Liberation Sans" pitchFamily="34"/>
-                <a:ea typeface="Noto Sans CJK SC Regular" pitchFamily="2"/>
-                <a:cs typeface="Liberation Sans" pitchFamily="34"/>
-              </a:rPr>
-              <a:t>) ≥ v</a:t>
-            </a:r>
-            <a:r>
-              <a:rPr lang="en-US" sz="3200" baseline="-25000">
-                <a:latin typeface="Liberation Sans" pitchFamily="34"/>
-                <a:ea typeface="Noto Sans CJK SC Regular" pitchFamily="2"/>
-                <a:cs typeface="Liberation Sans" pitchFamily="34"/>
-              </a:rPr>
-              <a:t>j</a:t>
-            </a:r>
-            <a:r>
-              <a:rPr lang="en-US" sz="3200">
-                <a:latin typeface="Liberation Sans" pitchFamily="34"/>
-                <a:ea typeface="Noto Sans CJK SC Regular" pitchFamily="2"/>
-                <a:cs typeface="Liberation Sans" pitchFamily="34"/>
-              </a:rPr>
-              <a:t>(X</a:t>
-            </a:r>
-            <a:r>
-              <a:rPr lang="en-US" sz="3200" baseline="-25000">
-                <a:latin typeface="Liberation Sans" pitchFamily="34"/>
-                <a:ea typeface="Noto Sans CJK SC Regular" pitchFamily="2"/>
-                <a:cs typeface="Liberation Sans" pitchFamily="34"/>
-              </a:rPr>
-              <a:t>j</a:t>
-            </a:r>
-            <a:r>
-              <a:rPr lang="en-US" sz="3200">
-                <a:latin typeface="Liberation Sans" pitchFamily="34"/>
-                <a:ea typeface="Noto Sans CJK SC Regular" pitchFamily="2"/>
-                <a:cs typeface="Liberation Sans" pitchFamily="34"/>
-              </a:rPr>
-              <a:t>)</a:t>
-            </a:r>
-            <a:r>
-              <a:rPr lang="he-IL" sz="3200">
-                <a:latin typeface="Liberation Sans" pitchFamily="34"/>
-                <a:ea typeface="Noto Sans CJK SC Regular" pitchFamily="2"/>
-                <a:cs typeface="Liberation Sans" pitchFamily="34"/>
-              </a:rPr>
-              <a:t>, אז  </a:t>
-            </a:r>
-            <a:r>
-              <a:rPr lang="en-US" sz="3200">
-                <a:latin typeface="Liberation Sans" pitchFamily="34"/>
-                <a:ea typeface="Noto Sans CJK SC Regular" pitchFamily="2"/>
-                <a:cs typeface="Liberation Sans" pitchFamily="34"/>
-              </a:rPr>
-              <a:t>p(Y)≥1</a:t>
-            </a:r>
-            <a:r>
-              <a:rPr lang="he-IL" sz="3200">
-                <a:latin typeface="Liberation Sans" pitchFamily="34"/>
-                <a:ea typeface="Noto Sans CJK SC Regular" pitchFamily="2"/>
-                <a:cs typeface="Liberation Sans" pitchFamily="34"/>
-              </a:rPr>
-              <a:t>.</a:t>
-            </a:r>
-          </a:p>
-          <a:p>
-            <a:pPr algn="r" rtl="1" hangingPunct="0"/>
-            <a:r>
-              <a:rPr lang="he-IL" sz="3200">
-                <a:solidFill>
-                  <a:schemeClr val="accent3"/>
-                </a:solidFill>
-                <a:latin typeface="Liberation Sans" pitchFamily="34"/>
-                <a:ea typeface="Noto Sans CJK SC Regular" pitchFamily="2"/>
-                <a:cs typeface="Liberation Sans" pitchFamily="34"/>
-              </a:rPr>
-              <a:t>משני אלה נובע, שהזוג </a:t>
-            </a:r>
-            <a:r>
-              <a:rPr lang="en-US" sz="3200">
-                <a:solidFill>
-                  <a:schemeClr val="accent3"/>
-                </a:solidFill>
-                <a:latin typeface="Liberation Sans" pitchFamily="34"/>
-                <a:ea typeface="Noto Sans CJK SC Regular" pitchFamily="2"/>
-                <a:cs typeface="Liberation Sans" pitchFamily="34"/>
-              </a:rPr>
-              <a:t>(X,p)</a:t>
-            </a:r>
-            <a:r>
-              <a:rPr lang="he-IL" sz="3200">
-                <a:solidFill>
-                  <a:schemeClr val="accent3"/>
-                </a:solidFill>
-                <a:latin typeface="Liberation Sans" pitchFamily="34"/>
-                <a:ea typeface="Noto Sans CJK SC Regular" pitchFamily="2"/>
-                <a:cs typeface="Liberation Sans" pitchFamily="34"/>
-              </a:rPr>
-              <a:t> הוא ש"מ תחרותי חסכוני.</a:t>
-            </a:r>
-          </a:p>
-        </p:txBody>
-      </p:sp>
-    </p:spTree>
-    <p:extLst>
-      <p:ext uri="{BB962C8B-B14F-4D97-AF65-F5344CB8AC3E}">
-        <p14:creationId xmlns:p14="http://schemas.microsoft.com/office/powerpoint/2010/main" val="1585067219"/>
-      </p:ext>
-    </p:extLst>
-  </p:cSld>
-  <p:clrMapOvr>
-    <a:masterClrMapping/>
-  </p:clrMapOvr>
-  <p:timing>
-    <p:tnLst>
-      <p:par>
-        <p:cTn id="1" dur="indefinite" restart="never" nodeType="tmRoot">
-          <p:childTnLst>
-            <p:seq concurrent="1" nextAc="seek">
-              <p:cTn id="2" dur="indefinite" nodeType="mainSeq">
-                <p:childTnLst>
-                  <p:par>
-                    <p:cTn id="3" fill="hold">
-                      <p:stCondLst>
-                        <p:cond delay="indefinite"/>
-                      </p:stCondLst>
-                      <p:childTnLst>
-                        <p:par>
-                          <p:cTn id="4" fill="hold">
-                            <p:stCondLst>
-                              <p:cond delay="0"/>
-                            </p:stCondLst>
-                            <p:childTnLst>
-                              <p:par>
-                                <p:cTn id="5" presetID="1" presetClass="entr" presetSubtype="0" fill="hold" grpId="0" nodeType="clickEffect">
-                                  <p:stCondLst>
-                                    <p:cond delay="0"/>
-                                  </p:stCondLst>
-                                  <p:childTnLst>
-                                    <p:set>
-                                      <p:cBhvr>
-                                        <p:cTn id="6" dur="1" fill="hold">
-                                          <p:stCondLst>
-                                            <p:cond delay="0"/>
-                                          </p:stCondLst>
-                                        </p:cTn>
-                                        <p:tgtEl>
-                                          <p:spTgt spid="5"/>
-                                        </p:tgtEl>
-                                        <p:attrNameLst>
-                                          <p:attrName>style.visibility</p:attrName>
-                                        </p:attrNameLst>
-                                      </p:cBhvr>
-                                      <p:to>
-                                        <p:strVal val="visible"/>
-                                      </p:to>
-                                    </p:set>
-                                  </p:childTnLst>
-                                </p:cTn>
-                              </p:par>
-                            </p:childTnLst>
-                          </p:cTn>
-                        </p:par>
-                      </p:childTnLst>
-                    </p:cTn>
-                  </p:par>
-                </p:childTnLst>
-              </p:cTn>
-              <p:prevCondLst>
-                <p:cond evt="onPrev" delay="0">
-                  <p:tgtEl>
-                    <p:sldTgt/>
-                  </p:tgtEl>
-                </p:cond>
-              </p:prevCondLst>
-              <p:nextCondLst>
-                <p:cond evt="onNext" delay="0">
-                  <p:tgtEl>
-                    <p:sldTgt/>
-                  </p:tgtEl>
-                </p:cond>
-              </p:nextCondLst>
-            </p:seq>
-          </p:childTnLst>
-        </p:cTn>
-      </p:par>
-    </p:tnLst>
-    <p:bldLst>
-      <p:bldP spid="5" grpId="0"/>
-    </p:bldLst>
-  </p:timing>
-</p:sld>
-</file>
-
-<file path=ppt/slides/slide12.xml><?xml version="1.0" encoding="utf-8"?>
-<p:sld xmlns:a="http://schemas.openxmlformats.org/drawingml/2006/main" xmlns:r="http://schemas.openxmlformats.org/officeDocument/2006/relationships" xmlns:p="http://schemas.openxmlformats.org/presentationml/2006/main">
-  <p:cSld>
-    <p:spTree>
-      <p:nvGrpSpPr>
-        <p:cNvPr id="1" name="">
-          <a:extLst>
-            <a:ext uri="{FF2B5EF4-FFF2-40B4-BE49-F238E27FC236}">
               <a16:creationId xmlns:a16="http://schemas.microsoft.com/office/drawing/2014/main" id="{04DBEAC0-C2B2-C0C8-3367-C6DA4C07FF2F}"/>
             </a:ext>
           </a:extLst>
@@ -16639,619 +15704,6 @@
 </file>
 
 <file path=ppt/slides/slide2.xml><?xml version="1.0" encoding="utf-8"?>
-<p:sld xmlns:a="http://schemas.openxmlformats.org/drawingml/2006/main" xmlns:r="http://schemas.openxmlformats.org/officeDocument/2006/relationships" xmlns:p="http://schemas.openxmlformats.org/presentationml/2006/main" show="0">
-  <p:cSld name="page2">
-    <p:spTree>
-      <p:nvGrpSpPr>
-        <p:cNvPr id="1" name=""/>
-        <p:cNvGrpSpPr/>
-        <p:nvPr/>
-      </p:nvGrpSpPr>
-      <p:grpSpPr>
-        <a:xfrm>
-          <a:off x="0" y="0"/>
-          <a:ext cx="0" cy="0"/>
-          <a:chOff x="0" y="0"/>
-          <a:chExt cx="0" cy="0"/>
-        </a:xfrm>
-      </p:grpSpPr>
-      <p:sp>
-        <p:nvSpPr>
-          <p:cNvPr id="2" name="Title 1">
-            <a:extLst>
-              <a:ext uri="{FF2B5EF4-FFF2-40B4-BE49-F238E27FC236}">
-                <a16:creationId xmlns:a16="http://schemas.microsoft.com/office/drawing/2014/main" id="{E5233FB0-A7FB-8514-FC89-35BFDDFB8964}"/>
-              </a:ext>
-            </a:extLst>
-          </p:cNvPr>
-          <p:cNvSpPr txBox="1">
-            <a:spLocks noGrp="1"/>
-          </p:cNvSpPr>
-          <p:nvPr>
-            <p:ph type="title" idx="4294967295"/>
-          </p:nvPr>
-        </p:nvSpPr>
-        <p:spPr>
-          <a:xfrm>
-            <a:off x="93600" y="91440"/>
-            <a:ext cx="9850500" cy="800640"/>
-          </a:xfrm>
-        </p:spPr>
-        <p:txBody>
-          <a:bodyPr vert="horz"/>
-          <a:lstStyle/>
-          <a:p>
-            <a:pPr lvl="0" rtl="1" hangingPunct="1"/>
-            <a:r>
-              <a:rPr lang="he-IL" sz="6000">
-                <a:cs typeface="David" pitchFamily="34"/>
-              </a:rPr>
-              <a:t>שוק תחרותי למשאבים הומוגניים</a:t>
-            </a:r>
-          </a:p>
-        </p:txBody>
-      </p:sp>
-      <p:pic>
-        <p:nvPicPr>
-          <p:cNvPr id="3" name="Picture 2">
-            <a:extLst>
-              <a:ext uri="{FF2B5EF4-FFF2-40B4-BE49-F238E27FC236}">
-                <a16:creationId xmlns:a16="http://schemas.microsoft.com/office/drawing/2014/main" id="{EA315E74-0FBC-347D-69C7-888D9B3796CA}"/>
-              </a:ext>
-            </a:extLst>
-          </p:cNvPr>
-          <p:cNvPicPr>
-            <a:picLocks noChangeAspect="1"/>
-          </p:cNvPicPr>
-          <p:nvPr/>
-        </p:nvPicPr>
-        <p:blipFill>
-          <a:blip r:embed="rId3">
-            <a:lum/>
-            <a:alphaModFix/>
-          </a:blip>
-          <a:srcRect/>
-          <a:stretch>
-            <a:fillRect/>
-          </a:stretch>
-        </p:blipFill>
-        <p:spPr>
-          <a:xfrm>
-            <a:off x="93600" y="3168360"/>
-            <a:ext cx="2466720" cy="1952280"/>
-          </a:xfrm>
-          <a:prstGeom prst="rect">
-            <a:avLst/>
-          </a:prstGeom>
-          <a:noFill/>
-          <a:ln>
-            <a:noFill/>
-          </a:ln>
-        </p:spPr>
-      </p:pic>
-      <p:pic>
-        <p:nvPicPr>
-          <p:cNvPr id="4" name="Picture 3">
-            <a:extLst>
-              <a:ext uri="{FF2B5EF4-FFF2-40B4-BE49-F238E27FC236}">
-                <a16:creationId xmlns:a16="http://schemas.microsoft.com/office/drawing/2014/main" id="{0F32E079-5524-4085-5CAB-737005E040E7}"/>
-              </a:ext>
-            </a:extLst>
-          </p:cNvPr>
-          <p:cNvPicPr>
-            <a:picLocks noChangeAspect="1"/>
-          </p:cNvPicPr>
-          <p:nvPr/>
-        </p:nvPicPr>
-        <p:blipFill>
-          <a:blip r:embed="rId4">
-            <a:lum/>
-            <a:alphaModFix/>
-          </a:blip>
-          <a:srcRect/>
-          <a:stretch>
-            <a:fillRect/>
-          </a:stretch>
-        </p:blipFill>
-        <p:spPr>
-          <a:xfrm rot="16192800">
-            <a:off x="3038708" y="2855152"/>
-            <a:ext cx="1938239" cy="2587320"/>
-          </a:xfrm>
-          <a:prstGeom prst="rect">
-            <a:avLst/>
-          </a:prstGeom>
-          <a:noFill/>
-          <a:ln>
-            <a:noFill/>
-          </a:ln>
-        </p:spPr>
-      </p:pic>
-      <p:pic>
-        <p:nvPicPr>
-          <p:cNvPr id="5" name="Picture 4">
-            <a:extLst>
-              <a:ext uri="{FF2B5EF4-FFF2-40B4-BE49-F238E27FC236}">
-                <a16:creationId xmlns:a16="http://schemas.microsoft.com/office/drawing/2014/main" id="{EE5DB1B1-AEB6-CF0F-ADAC-022E8BDEA0A8}"/>
-              </a:ext>
-            </a:extLst>
-          </p:cNvPr>
-          <p:cNvPicPr>
-            <a:picLocks noChangeAspect="1"/>
-          </p:cNvPicPr>
-          <p:nvPr/>
-        </p:nvPicPr>
-        <p:blipFill>
-          <a:blip r:embed="rId5">
-            <a:lum/>
-            <a:alphaModFix/>
-          </a:blip>
-          <a:srcRect/>
-          <a:stretch>
-            <a:fillRect/>
-          </a:stretch>
-        </p:blipFill>
-        <p:spPr>
-          <a:xfrm>
-            <a:off x="182880" y="916559"/>
-            <a:ext cx="2105280" cy="1826640"/>
-          </a:xfrm>
-          <a:prstGeom prst="rect">
-            <a:avLst/>
-          </a:prstGeom>
-          <a:noFill/>
-          <a:ln>
-            <a:noFill/>
-          </a:ln>
-        </p:spPr>
-      </p:pic>
-      <p:pic>
-        <p:nvPicPr>
-          <p:cNvPr id="6" name="Picture 5">
-            <a:extLst>
-              <a:ext uri="{FF2B5EF4-FFF2-40B4-BE49-F238E27FC236}">
-                <a16:creationId xmlns:a16="http://schemas.microsoft.com/office/drawing/2014/main" id="{61918A33-161E-2DAF-E8A2-4A2F1B7F8BAD}"/>
-              </a:ext>
-            </a:extLst>
-          </p:cNvPr>
-          <p:cNvPicPr>
-            <a:picLocks noChangeAspect="1"/>
-          </p:cNvPicPr>
-          <p:nvPr/>
-        </p:nvPicPr>
-        <p:blipFill>
-          <a:blip r:embed="rId6">
-            <a:lum/>
-            <a:alphaModFix/>
-          </a:blip>
-          <a:srcRect/>
-          <a:stretch>
-            <a:fillRect/>
-          </a:stretch>
-        </p:blipFill>
-        <p:spPr>
-          <a:xfrm>
-            <a:off x="5577480" y="3291839"/>
-            <a:ext cx="2103480" cy="1828800"/>
-          </a:xfrm>
-          <a:prstGeom prst="rect">
-            <a:avLst/>
-          </a:prstGeom>
-          <a:noFill/>
-          <a:ln>
-            <a:noFill/>
-          </a:ln>
-        </p:spPr>
-      </p:pic>
-      <p:pic>
-        <p:nvPicPr>
-          <p:cNvPr id="7" name="Picture 6">
-            <a:extLst>
-              <a:ext uri="{FF2B5EF4-FFF2-40B4-BE49-F238E27FC236}">
-                <a16:creationId xmlns:a16="http://schemas.microsoft.com/office/drawing/2014/main" id="{0E6D4B04-8D90-7257-B182-D216ABA8F093}"/>
-              </a:ext>
-            </a:extLst>
-          </p:cNvPr>
-          <p:cNvPicPr>
-            <a:picLocks noChangeAspect="1"/>
-          </p:cNvPicPr>
-          <p:nvPr/>
-        </p:nvPicPr>
-        <p:blipFill>
-          <a:blip r:embed="rId7">
-            <a:lum/>
-            <a:alphaModFix/>
-          </a:blip>
-          <a:srcRect b="-2807"/>
-          <a:stretch>
-            <a:fillRect/>
-          </a:stretch>
-        </p:blipFill>
-        <p:spPr>
-          <a:xfrm>
-            <a:off x="5376960" y="892079"/>
-            <a:ext cx="2212560" cy="1851119"/>
-          </a:xfrm>
-          <a:prstGeom prst="rect">
-            <a:avLst/>
-          </a:prstGeom>
-          <a:noFill/>
-          <a:ln>
-            <a:noFill/>
-          </a:ln>
-        </p:spPr>
-      </p:pic>
-      <p:pic>
-        <p:nvPicPr>
-          <p:cNvPr id="8" name="Picture 7">
-            <a:extLst>
-              <a:ext uri="{FF2B5EF4-FFF2-40B4-BE49-F238E27FC236}">
-                <a16:creationId xmlns:a16="http://schemas.microsoft.com/office/drawing/2014/main" id="{19493C8E-F7AA-42F4-38EA-BDAFE8DF471D}"/>
-              </a:ext>
-            </a:extLst>
-          </p:cNvPr>
-          <p:cNvPicPr>
-            <a:picLocks noChangeAspect="1"/>
-          </p:cNvPicPr>
-          <p:nvPr/>
-        </p:nvPicPr>
-        <p:blipFill>
-          <a:blip r:embed="rId8">
-            <a:lum/>
-            <a:alphaModFix/>
-          </a:blip>
-          <a:srcRect/>
-          <a:stretch>
-            <a:fillRect/>
-          </a:stretch>
-        </p:blipFill>
-        <p:spPr>
-          <a:xfrm>
-            <a:off x="2926079" y="5276520"/>
-            <a:ext cx="4206240" cy="2283120"/>
-          </a:xfrm>
-          <a:prstGeom prst="rect">
-            <a:avLst/>
-          </a:prstGeom>
-          <a:noFill/>
-          <a:ln>
-            <a:noFill/>
-          </a:ln>
-        </p:spPr>
-      </p:pic>
-      <p:pic>
-        <p:nvPicPr>
-          <p:cNvPr id="9" name="Picture 8">
-            <a:extLst>
-              <a:ext uri="{FF2B5EF4-FFF2-40B4-BE49-F238E27FC236}">
-                <a16:creationId xmlns:a16="http://schemas.microsoft.com/office/drawing/2014/main" id="{FB145340-178A-5F14-8B42-2B22FFAFF1F3}"/>
-              </a:ext>
-            </a:extLst>
-          </p:cNvPr>
-          <p:cNvPicPr>
-            <a:picLocks noChangeAspect="1"/>
-          </p:cNvPicPr>
-          <p:nvPr/>
-        </p:nvPicPr>
-        <p:blipFill>
-          <a:blip r:embed="rId9">
-            <a:lum/>
-            <a:alphaModFix/>
-          </a:blip>
-          <a:srcRect/>
-          <a:stretch>
-            <a:fillRect/>
-          </a:stretch>
-        </p:blipFill>
-        <p:spPr>
-          <a:xfrm>
-            <a:off x="2452680" y="1097280"/>
-            <a:ext cx="2759399" cy="1554479"/>
-          </a:xfrm>
-          <a:prstGeom prst="rect">
-            <a:avLst/>
-          </a:prstGeom>
-          <a:noFill/>
-          <a:ln>
-            <a:noFill/>
-          </a:ln>
-        </p:spPr>
-      </p:pic>
-      <p:sp>
-        <p:nvSpPr>
-          <p:cNvPr id="10" name="Straight Connector 9">
-            <a:extLst>
-              <a:ext uri="{FF2B5EF4-FFF2-40B4-BE49-F238E27FC236}">
-                <a16:creationId xmlns:a16="http://schemas.microsoft.com/office/drawing/2014/main" id="{A03CF8F8-E929-5D7D-3265-EB67E6616399}"/>
-              </a:ext>
-            </a:extLst>
-          </p:cNvPr>
-          <p:cNvSpPr/>
-          <p:nvPr/>
-        </p:nvSpPr>
-        <p:spPr>
-          <a:xfrm>
-            <a:off x="-91440" y="2926079"/>
-            <a:ext cx="10424160" cy="0"/>
-          </a:xfrm>
-          <a:prstGeom prst="line">
-            <a:avLst/>
-          </a:prstGeom>
-          <a:noFill/>
-          <a:ln w="0">
-            <a:solidFill>
-              <a:srgbClr val="000000"/>
-            </a:solidFill>
-            <a:prstDash val="solid"/>
-          </a:ln>
-        </p:spPr>
-        <p:txBody>
-          <a:bodyPr vert="horz" wrap="none" lIns="90000" tIns="45000" rIns="90000" bIns="45000" anchor="ctr" anchorCtr="0" compatLnSpc="0"/>
-          <a:lstStyle/>
-          <a:p>
-            <a:pPr marL="0" marR="0" lvl="0" indent="0" rtl="0" hangingPunct="0">
-              <a:lnSpc>
-                <a:spcPct val="100000"/>
-              </a:lnSpc>
-              <a:spcBef>
-                <a:spcPts val="0"/>
-              </a:spcBef>
-              <a:spcAft>
-                <a:spcPts val="0"/>
-              </a:spcAft>
-              <a:buNone/>
-              <a:tabLst/>
-            </a:pPr>
-            <a:endParaRPr lang="en-US" sz="1800" b="0" i="0" u="none" strike="noStrike" kern="1200" cap="none">
-              <a:ln>
-                <a:noFill/>
-              </a:ln>
-              <a:latin typeface="Liberation Sans" pitchFamily="18"/>
-              <a:ea typeface="Noto Sans CJK SC Regular" pitchFamily="2"/>
-              <a:cs typeface="Nachlieli CLM" pitchFamily="2"/>
-            </a:endParaRPr>
-          </a:p>
-        </p:txBody>
-      </p:sp>
-      <p:sp>
-        <p:nvSpPr>
-          <p:cNvPr id="11" name="Straight Connector 10">
-            <a:extLst>
-              <a:ext uri="{FF2B5EF4-FFF2-40B4-BE49-F238E27FC236}">
-                <a16:creationId xmlns:a16="http://schemas.microsoft.com/office/drawing/2014/main" id="{D4401F62-F52D-B43A-DF37-57DFCC48EA58}"/>
-              </a:ext>
-            </a:extLst>
-          </p:cNvPr>
-          <p:cNvSpPr/>
-          <p:nvPr/>
-        </p:nvSpPr>
-        <p:spPr>
-          <a:xfrm>
-            <a:off x="-182880" y="5212080"/>
-            <a:ext cx="10515600" cy="0"/>
-          </a:xfrm>
-          <a:prstGeom prst="line">
-            <a:avLst/>
-          </a:prstGeom>
-          <a:noFill/>
-          <a:ln w="0">
-            <a:solidFill>
-              <a:srgbClr val="000000"/>
-            </a:solidFill>
-            <a:prstDash val="solid"/>
-          </a:ln>
-        </p:spPr>
-        <p:txBody>
-          <a:bodyPr vert="horz" wrap="none" lIns="90000" tIns="45000" rIns="90000" bIns="45000" anchor="ctr" anchorCtr="0" compatLnSpc="0"/>
-          <a:lstStyle/>
-          <a:p>
-            <a:pPr marL="0" marR="0" lvl="0" indent="0" rtl="0" hangingPunct="0">
-              <a:lnSpc>
-                <a:spcPct val="100000"/>
-              </a:lnSpc>
-              <a:spcBef>
-                <a:spcPts val="0"/>
-              </a:spcBef>
-              <a:spcAft>
-                <a:spcPts val="0"/>
-              </a:spcAft>
-              <a:buNone/>
-              <a:tabLst/>
-            </a:pPr>
-            <a:endParaRPr lang="en-US" sz="1800" b="0" i="0" u="none" strike="noStrike" kern="1200" cap="none">
-              <a:ln>
-                <a:noFill/>
-              </a:ln>
-              <a:latin typeface="Liberation Sans" pitchFamily="18"/>
-              <a:ea typeface="Noto Sans CJK SC Regular" pitchFamily="2"/>
-              <a:cs typeface="Nachlieli CLM" pitchFamily="2"/>
-            </a:endParaRPr>
-          </a:p>
-        </p:txBody>
-      </p:sp>
-      <p:sp>
-        <p:nvSpPr>
-          <p:cNvPr id="12" name="TextBox 11">
-            <a:extLst>
-              <a:ext uri="{FF2B5EF4-FFF2-40B4-BE49-F238E27FC236}">
-                <a16:creationId xmlns:a16="http://schemas.microsoft.com/office/drawing/2014/main" id="{CE71F5BB-D459-D288-4DC3-F5AAD5B6ADD6}"/>
-              </a:ext>
-            </a:extLst>
-          </p:cNvPr>
-          <p:cNvSpPr txBox="1"/>
-          <p:nvPr/>
-        </p:nvSpPr>
-        <p:spPr>
-          <a:xfrm>
-            <a:off x="8046720" y="1486800"/>
-            <a:ext cx="1645920" cy="536760"/>
-          </a:xfrm>
-          <a:prstGeom prst="rect">
-            <a:avLst/>
-          </a:prstGeom>
-          <a:noFill/>
-          <a:ln>
-            <a:noFill/>
-          </a:ln>
-        </p:spPr>
-        <p:txBody>
-          <a:bodyPr vert="horz" wrap="none" lIns="90000" tIns="45000" rIns="90000" bIns="45000" anchorCtr="0" compatLnSpc="0">
-            <a:spAutoFit/>
-          </a:bodyPr>
-          <a:lstStyle/>
-          <a:p>
-            <a:pPr marL="0" marR="0" lvl="0" indent="0" algn="r" rtl="1" hangingPunct="0">
-              <a:lnSpc>
-                <a:spcPct val="100000"/>
-              </a:lnSpc>
-              <a:spcBef>
-                <a:spcPts val="0"/>
-              </a:spcBef>
-              <a:spcAft>
-                <a:spcPts val="0"/>
-              </a:spcAft>
-              <a:buNone/>
-              <a:tabLst/>
-            </a:pPr>
-            <a:r>
-              <a:rPr lang="he-IL" sz="3200" b="0" i="0" u="none" strike="noStrike" kern="1200" cap="none">
-                <a:ln>
-                  <a:noFill/>
-                </a:ln>
-                <a:latin typeface="Liberation Sans" pitchFamily="18"/>
-                <a:ea typeface="Noto Sans CJK SC Regular" pitchFamily="2"/>
-                <a:cs typeface="Nachlieli CLM" pitchFamily="2"/>
-              </a:rPr>
-              <a:t>סחורות:</a:t>
-            </a:r>
-          </a:p>
-        </p:txBody>
-      </p:sp>
-      <p:sp>
-        <p:nvSpPr>
-          <p:cNvPr id="13" name="TextBox 12">
-            <a:extLst>
-              <a:ext uri="{FF2B5EF4-FFF2-40B4-BE49-F238E27FC236}">
-                <a16:creationId xmlns:a16="http://schemas.microsoft.com/office/drawing/2014/main" id="{B68D16EF-1377-DD84-7F27-AC9E9A03E04E}"/>
-              </a:ext>
-            </a:extLst>
-          </p:cNvPr>
-          <p:cNvSpPr txBox="1"/>
-          <p:nvPr/>
-        </p:nvSpPr>
-        <p:spPr>
-          <a:xfrm>
-            <a:off x="8138160" y="3486600"/>
-            <a:ext cx="1645920" cy="994331"/>
-          </a:xfrm>
-          <a:prstGeom prst="rect">
-            <a:avLst/>
-          </a:prstGeom>
-          <a:noFill/>
-          <a:ln>
-            <a:noFill/>
-          </a:ln>
-        </p:spPr>
-        <p:txBody>
-          <a:bodyPr vert="horz" wrap="square" lIns="90000" tIns="45000" rIns="90000" bIns="45000" anchorCtr="0" compatLnSpc="0">
-            <a:spAutoFit/>
-          </a:bodyPr>
-          <a:lstStyle/>
-          <a:p>
-            <a:pPr marL="0" marR="0" lvl="0" indent="0" algn="r" rtl="1" hangingPunct="0">
-              <a:lnSpc>
-                <a:spcPct val="100000"/>
-              </a:lnSpc>
-              <a:spcBef>
-                <a:spcPts val="0"/>
-              </a:spcBef>
-              <a:spcAft>
-                <a:spcPts val="0"/>
-              </a:spcAft>
-              <a:buNone/>
-              <a:tabLst/>
-            </a:pPr>
-            <a:r>
-              <a:rPr lang="he-IL" sz="3200" b="0" i="0" u="none" strike="noStrike" kern="1200" cap="none">
-                <a:ln>
-                  <a:noFill/>
-                </a:ln>
-                <a:latin typeface="Liberation Sans" pitchFamily="18"/>
-                <a:ea typeface="Noto Sans CJK SC Regular" pitchFamily="2"/>
-                <a:cs typeface="Nachlieli CLM" pitchFamily="2"/>
-              </a:rPr>
-              <a:t>משאבי מחשוב:</a:t>
-            </a:r>
-          </a:p>
-        </p:txBody>
-      </p:sp>
-      <p:sp>
-        <p:nvSpPr>
-          <p:cNvPr id="14" name="TextBox 13">
-            <a:extLst>
-              <a:ext uri="{FF2B5EF4-FFF2-40B4-BE49-F238E27FC236}">
-                <a16:creationId xmlns:a16="http://schemas.microsoft.com/office/drawing/2014/main" id="{42CC9949-6108-2CF4-55E8-5A8A1B27FE47}"/>
-              </a:ext>
-            </a:extLst>
-          </p:cNvPr>
-          <p:cNvSpPr txBox="1"/>
-          <p:nvPr/>
-        </p:nvSpPr>
-        <p:spPr>
-          <a:xfrm>
-            <a:off x="8138160" y="6035040"/>
-            <a:ext cx="1645920" cy="536760"/>
-          </a:xfrm>
-          <a:prstGeom prst="rect">
-            <a:avLst/>
-          </a:prstGeom>
-          <a:noFill/>
-          <a:ln>
-            <a:noFill/>
-          </a:ln>
-        </p:spPr>
-        <p:txBody>
-          <a:bodyPr vert="horz" wrap="none" lIns="90000" tIns="45000" rIns="90000" bIns="45000" anchorCtr="0" compatLnSpc="0">
-            <a:spAutoFit/>
-          </a:bodyPr>
-          <a:lstStyle/>
-          <a:p>
-            <a:pPr marL="0" marR="0" lvl="0" indent="0" algn="r" rtl="1" hangingPunct="0">
-              <a:lnSpc>
-                <a:spcPct val="100000"/>
-              </a:lnSpc>
-              <a:spcBef>
-                <a:spcPts val="0"/>
-              </a:spcBef>
-              <a:spcAft>
-                <a:spcPts val="0"/>
-              </a:spcAft>
-              <a:buNone/>
-              <a:tabLst/>
-            </a:pPr>
-            <a:r>
-              <a:rPr lang="he-IL" sz="3200" b="0" i="0" u="none" strike="noStrike" kern="1200" cap="none">
-                <a:ln>
-                  <a:noFill/>
-                </a:ln>
-                <a:latin typeface="Liberation Sans" pitchFamily="18"/>
-                <a:ea typeface="Noto Sans CJK SC Regular" pitchFamily="2"/>
-                <a:cs typeface="Nachlieli CLM" pitchFamily="2"/>
-              </a:rPr>
-              <a:t>מניות:</a:t>
-            </a:r>
-          </a:p>
-        </p:txBody>
-      </p:sp>
-    </p:spTree>
-  </p:cSld>
-  <p:clrMapOvr>
-    <a:masterClrMapping/>
-  </p:clrMapOvr>
-</p:sld>
-</file>
-
-<file path=ppt/slides/slide3.xml><?xml version="1.0" encoding="utf-8"?>
 <p:sld xmlns:a="http://schemas.openxmlformats.org/drawingml/2006/main" xmlns:r="http://schemas.openxmlformats.org/officeDocument/2006/relationships" xmlns:p="http://schemas.openxmlformats.org/presentationml/2006/main">
   <p:cSld>
     <p:bg>
@@ -27003,7 +25455,7 @@
 </p:sld>
 </file>
 
-<file path=ppt/slides/slide4.xml><?xml version="1.0" encoding="utf-8"?>
+<file path=ppt/slides/slide3.xml><?xml version="1.0" encoding="utf-8"?>
 <p:sld xmlns:a="http://schemas.openxmlformats.org/drawingml/2006/main" xmlns:r="http://schemas.openxmlformats.org/officeDocument/2006/relationships" xmlns:p="http://schemas.openxmlformats.org/presentationml/2006/main">
   <p:cSld name="page4">
     <p:spTree>
@@ -27728,7 +26180,7 @@
 </p:sld>
 </file>
 
-<file path=ppt/slides/slide5.xml><?xml version="1.0" encoding="utf-8"?>
+<file path=ppt/slides/slide4.xml><?xml version="1.0" encoding="utf-8"?>
 <p:sld xmlns:a="http://schemas.openxmlformats.org/drawingml/2006/main" xmlns:r="http://schemas.openxmlformats.org/officeDocument/2006/relationships" xmlns:p="http://schemas.openxmlformats.org/presentationml/2006/main">
   <p:cSld>
     <p:spTree>
@@ -28858,7 +27310,7 @@
 </p:sld>
 </file>
 
-<file path=ppt/slides/slide6.xml><?xml version="1.0" encoding="utf-8"?>
+<file path=ppt/slides/slide5.xml><?xml version="1.0" encoding="utf-8"?>
 <p:sld xmlns:a="http://schemas.openxmlformats.org/drawingml/2006/main" xmlns:r="http://schemas.openxmlformats.org/officeDocument/2006/relationships" xmlns:p="http://schemas.openxmlformats.org/presentationml/2006/main">
   <p:cSld>
     <p:spTree>
@@ -29662,7 +28114,7 @@
 </p:sld>
 </file>
 
-<file path=ppt/slides/slide7.xml><?xml version="1.0" encoding="utf-8"?>
+<file path=ppt/slides/slide6.xml><?xml version="1.0" encoding="utf-8"?>
 <p:sld xmlns:a="http://schemas.openxmlformats.org/drawingml/2006/main" xmlns:r="http://schemas.openxmlformats.org/officeDocument/2006/relationships" xmlns:p="http://schemas.openxmlformats.org/presentationml/2006/main">
   <p:cSld>
     <p:spTree>
@@ -29736,7 +28188,7 @@
           <p:nvPr>
             <p:extLst>
               <p:ext uri="{D42A27DB-BD31-4B8C-83A1-F6EECF244321}">
-                <p14:modId xmlns:p14="http://schemas.microsoft.com/office/powerpoint/2010/main" val="412191834"/>
+                <p14:modId xmlns:p14="http://schemas.microsoft.com/office/powerpoint/2010/main" val="4258654268"/>
               </p:ext>
             </p:extLst>
           </p:nvPr>
@@ -29977,7 +28429,7 @@
                           <a:ea typeface="Noto Sans CJK SC Regular" pitchFamily="2"/>
                           <a:cs typeface="Nachlieli CLM" pitchFamily="2"/>
                         </a:rPr>
-                        <a:t>2</a:t>
+                        <a:t>2 ₪</a:t>
                       </a:r>
                       <a:endParaRPr lang="en-US" sz="3600" b="0" i="0" u="none" strike="noStrike" kern="1200" cap="none">
                         <a:ln>
@@ -30019,7 +28471,7 @@
                           <a:ea typeface="Noto Sans CJK SC Regular" pitchFamily="2"/>
                           <a:cs typeface="Nachlieli CLM" pitchFamily="2"/>
                         </a:rPr>
-                        <a:t>4</a:t>
+                        <a:t>4 ₪</a:t>
                       </a:r>
                       <a:endParaRPr lang="en-US" sz="3600" b="0" i="0" u="none" strike="noStrike" kern="1200" cap="none">
                         <a:ln>
@@ -30061,16 +28513,8 @@
                           <a:ea typeface="Noto Sans CJK SC Regular" pitchFamily="2"/>
                           <a:cs typeface="Nachlieli CLM" pitchFamily="2"/>
                         </a:rPr>
-                        <a:t>8</a:t>
+                        <a:t>8 ₪</a:t>
                       </a:r>
-                      <a:endParaRPr lang="en-US" sz="3600" b="0" i="0" u="none" strike="noStrike" kern="1200" cap="none">
-                        <a:ln>
-                          <a:noFill/>
-                        </a:ln>
-                        <a:latin typeface="Liberation Sans" pitchFamily="18"/>
-                        <a:ea typeface="Noto Sans CJK SC Regular" pitchFamily="2"/>
-                        <a:cs typeface="Nachlieli CLM" pitchFamily="2"/>
-                      </a:endParaRPr>
                     </a:p>
                   </a:txBody>
                   <a:tcPr/>
@@ -30187,7 +28631,7 @@
                           <a:ea typeface="Noto Sans CJK SC Regular" pitchFamily="2"/>
                           <a:cs typeface="Nachlieli CLM" pitchFamily="2"/>
                         </a:rPr>
-                        <a:t>5</a:t>
+                        <a:t>5 ₪</a:t>
                       </a:r>
                       <a:endParaRPr lang="en-US" sz="3600" b="0" i="0" u="none" strike="noStrike" kern="1200" cap="none">
                         <a:ln>
@@ -30229,7 +28673,7 @@
                           <a:ea typeface="Noto Sans CJK SC Regular" pitchFamily="2"/>
                           <a:cs typeface="Nachlieli CLM" pitchFamily="2"/>
                         </a:rPr>
-                        <a:t>6</a:t>
+                        <a:t>6 ₪</a:t>
                       </a:r>
                       <a:endParaRPr lang="en-US" sz="3600" b="0" i="0" u="none" strike="noStrike" kern="1200" cap="none">
                         <a:ln>
@@ -30271,7 +28715,7 @@
                           <a:ea typeface="Noto Sans CJK SC Regular" pitchFamily="2"/>
                           <a:cs typeface="Nachlieli CLM" pitchFamily="2"/>
                         </a:rPr>
-                        <a:t>2</a:t>
+                        <a:t>2 ₪</a:t>
                       </a:r>
                       <a:endParaRPr lang="en-US" sz="3600" b="0" i="0" u="none" strike="noStrike" kern="1200" cap="none">
                         <a:ln>
@@ -30565,7 +29009,7 @@
 </p:sld>
 </file>
 
-<file path=ppt/slides/slide8.xml><?xml version="1.0" encoding="utf-8"?>
+<file path=ppt/slides/slide7.xml><?xml version="1.0" encoding="utf-8"?>
 <p:sld xmlns:a="http://schemas.openxmlformats.org/drawingml/2006/main" xmlns:r="http://schemas.openxmlformats.org/officeDocument/2006/relationships" xmlns:p="http://schemas.openxmlformats.org/presentationml/2006/main">
   <p:cSld>
     <p:spTree>
@@ -30931,7 +29375,7 @@
         <p:spPr>
           <a:xfrm>
             <a:off x="457200" y="3053279"/>
-            <a:ext cx="9486901" cy="3393899"/>
+            <a:ext cx="9486901" cy="3865758"/>
           </a:xfrm>
           <a:prstGeom prst="rect">
             <a:avLst/>
@@ -31436,7 +29880,63 @@
                 <a:ea typeface="Noto Sans CJK SC Regular" pitchFamily="2"/>
                 <a:cs typeface="Liberation Sans" pitchFamily="34"/>
               </a:rPr>
-              <a:t>אבל סכום מחירי הסלים בשתי החלוקות זהה – סתירה. ***</a:t>
+              <a:t>לכן, סכום מחירי הסלים בחלוקה </a:t>
+            </a:r>
+            <a:r>
+              <a:rPr lang="en-US" sz="3200">
+                <a:latin typeface="Liberation Sans" pitchFamily="34"/>
+                <a:ea typeface="Noto Sans CJK SC Regular" pitchFamily="2"/>
+                <a:cs typeface="Liberation Sans" pitchFamily="34"/>
+              </a:rPr>
+              <a:t>Y</a:t>
+            </a:r>
+            <a:r>
+              <a:rPr lang="he-IL" sz="3200">
+                <a:latin typeface="Liberation Sans" pitchFamily="34"/>
+                <a:ea typeface="Noto Sans CJK SC Regular" pitchFamily="2"/>
+                <a:cs typeface="Liberation Sans" pitchFamily="34"/>
+              </a:rPr>
+              <a:t> גדול מבחלוקה </a:t>
+            </a:r>
+            <a:r>
+              <a:rPr lang="en-US" sz="3200">
+                <a:latin typeface="Liberation Sans" pitchFamily="34"/>
+                <a:ea typeface="Noto Sans CJK SC Regular" pitchFamily="2"/>
+                <a:cs typeface="Liberation Sans" pitchFamily="34"/>
+              </a:rPr>
+              <a:t>X</a:t>
+            </a:r>
+            <a:r>
+              <a:rPr lang="he-IL" sz="3200">
+                <a:latin typeface="Liberation Sans" pitchFamily="34"/>
+                <a:ea typeface="Noto Sans CJK SC Regular" pitchFamily="2"/>
+                <a:cs typeface="Liberation Sans" pitchFamily="34"/>
+              </a:rPr>
+              <a:t>.</a:t>
+            </a:r>
+          </a:p>
+          <a:p>
+            <a:pPr marL="457200" marR="0" lvl="0" indent="-457200" algn="r" rtl="1" hangingPunct="0">
+              <a:lnSpc>
+                <a:spcPct val="100000"/>
+              </a:lnSpc>
+              <a:spcBef>
+                <a:spcPts val="0"/>
+              </a:spcBef>
+              <a:spcAft>
+                <a:spcPts val="0"/>
+              </a:spcAft>
+              <a:buFont typeface="Arial" panose="020B0604020202020204" pitchFamily="34" charset="0"/>
+              <a:buChar char="•"/>
+              <a:tabLst/>
+            </a:pPr>
+            <a:r>
+              <a:rPr lang="he-IL" sz="3200">
+                <a:latin typeface="Liberation Sans" pitchFamily="34"/>
+                <a:ea typeface="Noto Sans CJK SC Regular" pitchFamily="2"/>
+                <a:cs typeface="Liberation Sans" pitchFamily="34"/>
+              </a:rPr>
+              <a:t>אבל בשתי החלוקות, הסלים כוללים אותם משאבים – סתירה. ***</a:t>
             </a:r>
           </a:p>
         </p:txBody>
@@ -31445,6 +29945,646 @@
     <p:extLst>
       <p:ext uri="{BB962C8B-B14F-4D97-AF65-F5344CB8AC3E}">
         <p14:creationId xmlns:p14="http://schemas.microsoft.com/office/powerpoint/2010/main" val="1647477718"/>
+      </p:ext>
+    </p:extLst>
+  </p:cSld>
+  <p:clrMapOvr>
+    <a:masterClrMapping/>
+  </p:clrMapOvr>
+  <p:timing>
+    <p:tnLst>
+      <p:par>
+        <p:cTn id="1" dur="indefinite" restart="never" nodeType="tmRoot">
+          <p:childTnLst>
+            <p:seq concurrent="1" nextAc="seek">
+              <p:cTn id="2" dur="indefinite" nodeType="mainSeq">
+                <p:childTnLst>
+                  <p:par>
+                    <p:cTn id="3" fill="hold">
+                      <p:stCondLst>
+                        <p:cond delay="indefinite"/>
+                      </p:stCondLst>
+                      <p:childTnLst>
+                        <p:par>
+                          <p:cTn id="4" fill="hold">
+                            <p:stCondLst>
+                              <p:cond delay="0"/>
+                            </p:stCondLst>
+                            <p:childTnLst>
+                              <p:par>
+                                <p:cTn id="5" presetID="1" presetClass="entr" presetSubtype="0" fill="hold" grpId="0" nodeType="clickEffect">
+                                  <p:stCondLst>
+                                    <p:cond delay="0"/>
+                                  </p:stCondLst>
+                                  <p:childTnLst>
+                                    <p:set>
+                                      <p:cBhvr>
+                                        <p:cTn id="6" dur="1" fill="hold">
+                                          <p:stCondLst>
+                                            <p:cond delay="0"/>
+                                          </p:stCondLst>
+                                        </p:cTn>
+                                        <p:tgtEl>
+                                          <p:spTgt spid="5"/>
+                                        </p:tgtEl>
+                                        <p:attrNameLst>
+                                          <p:attrName>style.visibility</p:attrName>
+                                        </p:attrNameLst>
+                                      </p:cBhvr>
+                                      <p:to>
+                                        <p:strVal val="visible"/>
+                                      </p:to>
+                                    </p:set>
+                                  </p:childTnLst>
+                                </p:cTn>
+                              </p:par>
+                            </p:childTnLst>
+                          </p:cTn>
+                        </p:par>
+                      </p:childTnLst>
+                    </p:cTn>
+                  </p:par>
+                </p:childTnLst>
+              </p:cTn>
+              <p:prevCondLst>
+                <p:cond evt="onPrev" delay="0">
+                  <p:tgtEl>
+                    <p:sldTgt/>
+                  </p:tgtEl>
+                </p:cond>
+              </p:prevCondLst>
+              <p:nextCondLst>
+                <p:cond evt="onNext" delay="0">
+                  <p:tgtEl>
+                    <p:sldTgt/>
+                  </p:tgtEl>
+                </p:cond>
+              </p:nextCondLst>
+            </p:seq>
+          </p:childTnLst>
+        </p:cTn>
+      </p:par>
+    </p:tnLst>
+    <p:bldLst>
+      <p:bldP spid="5" grpId="0"/>
+    </p:bldLst>
+  </p:timing>
+</p:sld>
+</file>
+
+<file path=ppt/slides/slide8.xml><?xml version="1.0" encoding="utf-8"?>
+<p:sld xmlns:a="http://schemas.openxmlformats.org/drawingml/2006/main" xmlns:r="http://schemas.openxmlformats.org/officeDocument/2006/relationships" xmlns:p="http://schemas.openxmlformats.org/presentationml/2006/main">
+  <p:cSld>
+    <p:spTree>
+      <p:nvGrpSpPr>
+        <p:cNvPr id="1" name="">
+          <a:extLst>
+            <a:ext uri="{FF2B5EF4-FFF2-40B4-BE49-F238E27FC236}">
+              <a16:creationId xmlns:a16="http://schemas.microsoft.com/office/drawing/2014/main" id="{E0109FD8-D896-3E27-7ED3-A067EB59A46C}"/>
+            </a:ext>
+          </a:extLst>
+        </p:cNvPr>
+        <p:cNvGrpSpPr/>
+        <p:nvPr/>
+      </p:nvGrpSpPr>
+      <p:grpSpPr>
+        <a:xfrm>
+          <a:off x="0" y="0"/>
+          <a:ext cx="0" cy="0"/>
+          <a:chOff x="0" y="0"/>
+          <a:chExt cx="0" cy="0"/>
+        </a:xfrm>
+      </p:grpSpPr>
+      <p:sp>
+        <p:nvSpPr>
+          <p:cNvPr id="2" name="Title 1">
+            <a:extLst>
+              <a:ext uri="{FF2B5EF4-FFF2-40B4-BE49-F238E27FC236}">
+                <a16:creationId xmlns:a16="http://schemas.microsoft.com/office/drawing/2014/main" id="{C5156D86-7BFA-C00D-8A16-350C8CECA260}"/>
+              </a:ext>
+            </a:extLst>
+          </p:cNvPr>
+          <p:cNvSpPr txBox="1">
+            <a:spLocks noGrp="1"/>
+          </p:cNvSpPr>
+          <p:nvPr>
+            <p:ph type="title" idx="4294967295"/>
+          </p:nvPr>
+        </p:nvSpPr>
+        <p:spPr>
+          <a:xfrm>
+            <a:off x="457200" y="274320"/>
+            <a:ext cx="9072360" cy="800640"/>
+          </a:xfrm>
+        </p:spPr>
+        <p:txBody>
+          <a:bodyPr vert="horz"/>
+          <a:lstStyle/>
+          <a:p>
+            <a:pPr lvl="0" rtl="1" hangingPunct="1"/>
+            <a:r>
+              <a:rPr lang="he-IL" sz="6000">
+                <a:cs typeface="David" pitchFamily="34"/>
+              </a:rPr>
+              <a:t>שיווי משקל תחרותי - הוגנות</a:t>
+            </a:r>
+          </a:p>
+        </p:txBody>
+      </p:sp>
+      <p:sp>
+        <p:nvSpPr>
+          <p:cNvPr id="4" name="TextBox 3">
+            <a:extLst>
+              <a:ext uri="{FF2B5EF4-FFF2-40B4-BE49-F238E27FC236}">
+                <a16:creationId xmlns:a16="http://schemas.microsoft.com/office/drawing/2014/main" id="{18B27BE3-E773-F894-FBBA-F992621BDD4B}"/>
+              </a:ext>
+            </a:extLst>
+          </p:cNvPr>
+          <p:cNvSpPr txBox="1"/>
+          <p:nvPr/>
+        </p:nvSpPr>
+        <p:spPr>
+          <a:xfrm>
+            <a:off x="296861" y="1074960"/>
+            <a:ext cx="9486901" cy="1506459"/>
+          </a:xfrm>
+          <a:prstGeom prst="rect">
+            <a:avLst/>
+          </a:prstGeom>
+          <a:noFill/>
+          <a:ln>
+            <a:noFill/>
+          </a:ln>
+        </p:spPr>
+        <p:txBody>
+          <a:bodyPr vert="horz" wrap="square" lIns="90000" tIns="45000" rIns="90000" bIns="45000" anchorCtr="0" compatLnSpc="0">
+            <a:spAutoFit/>
+          </a:bodyPr>
+          <a:lstStyle/>
+          <a:p>
+            <a:pPr marR="0" lvl="0" algn="r" rtl="1" hangingPunct="0">
+              <a:lnSpc>
+                <a:spcPct val="100000"/>
+              </a:lnSpc>
+              <a:spcBef>
+                <a:spcPts val="0"/>
+              </a:spcBef>
+              <a:spcAft>
+                <a:spcPts val="0"/>
+              </a:spcAft>
+              <a:tabLst/>
+            </a:pPr>
+            <a:r>
+              <a:rPr lang="he-IL" sz="3200" b="1" u="none" strike="noStrike" kern="1200" cap="none">
+                <a:ln>
+                  <a:noFill/>
+                </a:ln>
+                <a:solidFill>
+                  <a:schemeClr val="accent3"/>
+                </a:solidFill>
+                <a:latin typeface="Liberation Sans" pitchFamily="34"/>
+                <a:ea typeface="Noto Sans CJK SC Regular" pitchFamily="2"/>
+                <a:cs typeface="Liberation Sans" pitchFamily="34"/>
+              </a:rPr>
+              <a:t>משפט</a:t>
+            </a:r>
+            <a:r>
+              <a:rPr lang="he-IL" sz="3200" b="0" u="none" strike="noStrike" kern="1200" cap="none">
+                <a:ln>
+                  <a:noFill/>
+                </a:ln>
+                <a:solidFill>
+                  <a:schemeClr val="accent3"/>
+                </a:solidFill>
+                <a:latin typeface="Liberation Sans" pitchFamily="34"/>
+                <a:ea typeface="Noto Sans CJK SC Regular" pitchFamily="2"/>
+                <a:cs typeface="Liberation Sans" pitchFamily="34"/>
+              </a:rPr>
+              <a:t>: אם לכל השחקנים יש תקציבים </a:t>
+            </a:r>
+            <a:r>
+              <a:rPr lang="he-IL" sz="3200" b="0" i="1" u="none" strike="noStrike" kern="1200" cap="none">
+                <a:ln>
+                  <a:noFill/>
+                </a:ln>
+                <a:solidFill>
+                  <a:schemeClr val="accent3"/>
+                </a:solidFill>
+                <a:latin typeface="Liberation Sans" pitchFamily="34"/>
+                <a:ea typeface="Noto Sans CJK SC Regular" pitchFamily="2"/>
+                <a:cs typeface="Liberation Sans" pitchFamily="34"/>
+              </a:rPr>
+              <a:t>שווים</a:t>
+            </a:r>
+            <a:r>
+              <a:rPr lang="he-IL" sz="3200" b="0" u="none" strike="noStrike" kern="1200" cap="none">
+                <a:ln>
+                  <a:noFill/>
+                </a:ln>
+                <a:solidFill>
+                  <a:schemeClr val="accent3"/>
+                </a:solidFill>
+                <a:latin typeface="Liberation Sans" pitchFamily="34"/>
+                <a:ea typeface="Noto Sans CJK SC Regular" pitchFamily="2"/>
+                <a:cs typeface="Liberation Sans" pitchFamily="34"/>
+              </a:rPr>
+              <a:t>, </a:t>
+            </a:r>
+            <a:r>
+              <a:rPr lang="he-IL" sz="3200" u="none" strike="noStrike" kern="1200" cap="none">
+                <a:ln>
+                  <a:noFill/>
+                </a:ln>
+                <a:solidFill>
+                  <a:schemeClr val="accent3"/>
+                </a:solidFill>
+                <a:latin typeface="Liberation Sans" pitchFamily="34"/>
+                <a:ea typeface="Noto Sans CJK SC Regular" pitchFamily="2"/>
+                <a:cs typeface="Liberation Sans" pitchFamily="34"/>
+              </a:rPr>
+              <a:t>ו </a:t>
+            </a:r>
+            <a:r>
+              <a:rPr lang="en-US" sz="3200" b="0" u="none" strike="noStrike" kern="1200" cap="none">
+                <a:ln>
+                  <a:noFill/>
+                </a:ln>
+                <a:solidFill>
+                  <a:schemeClr val="accent3"/>
+                </a:solidFill>
+                <a:latin typeface="Liberation Sans" pitchFamily="34"/>
+                <a:ea typeface="Noto Sans CJK SC Regular" pitchFamily="2"/>
+                <a:cs typeface="Liberation Sans" pitchFamily="34"/>
+              </a:rPr>
+              <a:t>(</a:t>
+            </a:r>
+            <a:r>
+              <a:rPr lang="en-US" sz="3200" b="0" i="1" u="none" strike="noStrike" kern="1200" cap="none">
+                <a:ln>
+                  <a:noFill/>
+                </a:ln>
+                <a:solidFill>
+                  <a:schemeClr val="accent3"/>
+                </a:solidFill>
+                <a:latin typeface="Liberation Sans" pitchFamily="34"/>
+                <a:ea typeface="Noto Sans CJK SC Regular" pitchFamily="2"/>
+                <a:cs typeface="Liberation Sans" pitchFamily="34"/>
+              </a:rPr>
+              <a:t>X</a:t>
+            </a:r>
+            <a:r>
+              <a:rPr lang="en-US" sz="3200" b="0" u="none" strike="noStrike" kern="1200" cap="none">
+                <a:ln>
+                  <a:noFill/>
+                </a:ln>
+                <a:solidFill>
+                  <a:schemeClr val="accent3"/>
+                </a:solidFill>
+                <a:latin typeface="Liberation Sans" pitchFamily="34"/>
+                <a:ea typeface="Noto Sans CJK SC Regular" pitchFamily="2"/>
+                <a:cs typeface="Liberation Sans" pitchFamily="34"/>
+              </a:rPr>
+              <a:t>, </a:t>
+            </a:r>
+            <a:r>
+              <a:rPr lang="en-US" sz="3200" b="0" i="1" u="none" strike="noStrike" kern="1200" cap="none">
+                <a:ln>
+                  <a:noFill/>
+                </a:ln>
+                <a:solidFill>
+                  <a:schemeClr val="accent3"/>
+                </a:solidFill>
+                <a:latin typeface="Liberation Sans" pitchFamily="34"/>
+                <a:ea typeface="Noto Sans CJK SC Regular" pitchFamily="2"/>
+                <a:cs typeface="Liberation Sans" pitchFamily="34"/>
+              </a:rPr>
+              <a:t>p</a:t>
+            </a:r>
+            <a:r>
+              <a:rPr lang="en-US" sz="3200" b="0" u="none" strike="noStrike" kern="1200" cap="none">
+                <a:ln>
+                  <a:noFill/>
+                </a:ln>
+                <a:solidFill>
+                  <a:schemeClr val="accent3"/>
+                </a:solidFill>
+                <a:latin typeface="Liberation Sans" pitchFamily="34"/>
+                <a:ea typeface="Noto Sans CJK SC Regular" pitchFamily="2"/>
+                <a:cs typeface="Liberation Sans" pitchFamily="34"/>
+              </a:rPr>
+              <a:t>)</a:t>
+            </a:r>
+            <a:r>
+              <a:rPr lang="he-IL" sz="3200" b="0" u="none" strike="noStrike" kern="1200" cap="none">
+                <a:ln>
+                  <a:noFill/>
+                </a:ln>
+                <a:solidFill>
+                  <a:schemeClr val="accent3"/>
+                </a:solidFill>
+                <a:latin typeface="Liberation Sans" pitchFamily="34"/>
+                <a:ea typeface="Noto Sans CJK SC Regular" pitchFamily="2"/>
+                <a:cs typeface="Liberation Sans" pitchFamily="34"/>
+              </a:rPr>
+              <a:t> הוא שיווי משקל תחרותי, אז החלוקה </a:t>
+            </a:r>
+            <a:r>
+              <a:rPr lang="en-US" sz="3200" b="0" u="none" strike="noStrike" kern="1200" cap="none">
+                <a:ln>
+                  <a:noFill/>
+                </a:ln>
+                <a:solidFill>
+                  <a:schemeClr val="accent3"/>
+                </a:solidFill>
+                <a:latin typeface="Liberation Sans" pitchFamily="34"/>
+                <a:ea typeface="Noto Sans CJK SC Regular" pitchFamily="2"/>
+                <a:cs typeface="Liberation Sans" pitchFamily="34"/>
+              </a:rPr>
+              <a:t>X</a:t>
+            </a:r>
+            <a:r>
+              <a:rPr lang="he-IL" sz="3200" b="0" u="none" strike="noStrike" kern="1200" cap="none">
+                <a:ln>
+                  <a:noFill/>
+                </a:ln>
+                <a:solidFill>
+                  <a:schemeClr val="accent3"/>
+                </a:solidFill>
+                <a:latin typeface="Liberation Sans" pitchFamily="34"/>
+                <a:ea typeface="Noto Sans CJK SC Regular" pitchFamily="2"/>
+                <a:cs typeface="Liberation Sans" pitchFamily="34"/>
+              </a:rPr>
+              <a:t> ללא קנאה.</a:t>
+            </a:r>
+          </a:p>
+          <a:p>
+            <a:pPr marL="457200" marR="0" lvl="0" indent="-457200" algn="r" rtl="1" hangingPunct="0">
+              <a:lnSpc>
+                <a:spcPct val="100000"/>
+              </a:lnSpc>
+              <a:spcBef>
+                <a:spcPts val="0"/>
+              </a:spcBef>
+              <a:spcAft>
+                <a:spcPts val="0"/>
+              </a:spcAft>
+              <a:buFont typeface="Arial" panose="020B0604020202020204" pitchFamily="34" charset="0"/>
+              <a:buChar char="•"/>
+              <a:tabLst/>
+            </a:pPr>
+            <a:r>
+              <a:rPr lang="he-IL" sz="3200" i="1">
+                <a:solidFill>
+                  <a:schemeClr val="accent5"/>
+                </a:solidFill>
+                <a:latin typeface="Liberation Sans" pitchFamily="34"/>
+                <a:ea typeface="Noto Sans CJK SC Regular" pitchFamily="2"/>
+                <a:cs typeface="Liberation Sans" pitchFamily="34"/>
+              </a:rPr>
+              <a:t>משמעות: שוק תחרותי עם תקציבים שוים הוא הוגן!</a:t>
+            </a:r>
+            <a:endParaRPr lang="he-IL" sz="3200" b="0" i="1" u="none" strike="noStrike" kern="1200" cap="none">
+              <a:ln>
+                <a:noFill/>
+              </a:ln>
+              <a:solidFill>
+                <a:schemeClr val="accent5"/>
+              </a:solidFill>
+              <a:latin typeface="Liberation Sans" pitchFamily="34"/>
+              <a:ea typeface="Noto Sans CJK SC Regular" pitchFamily="2"/>
+              <a:cs typeface="Liberation Sans" pitchFamily="34"/>
+            </a:endParaRPr>
+          </a:p>
+        </p:txBody>
+      </p:sp>
+      <p:sp>
+        <p:nvSpPr>
+          <p:cNvPr id="5" name="TextBox 4">
+            <a:extLst>
+              <a:ext uri="{FF2B5EF4-FFF2-40B4-BE49-F238E27FC236}">
+                <a16:creationId xmlns:a16="http://schemas.microsoft.com/office/drawing/2014/main" id="{8CBC0E0A-DCBE-F040-6BA5-86E456FAE3D7}"/>
+              </a:ext>
+            </a:extLst>
+          </p:cNvPr>
+          <p:cNvSpPr txBox="1"/>
+          <p:nvPr/>
+        </p:nvSpPr>
+        <p:spPr>
+          <a:xfrm>
+            <a:off x="457200" y="3053279"/>
+            <a:ext cx="9486901" cy="2922039"/>
+          </a:xfrm>
+          <a:prstGeom prst="rect">
+            <a:avLst/>
+          </a:prstGeom>
+          <a:noFill/>
+          <a:ln>
+            <a:noFill/>
+          </a:ln>
+        </p:spPr>
+        <p:txBody>
+          <a:bodyPr vert="horz" wrap="square" lIns="90000" tIns="45000" rIns="90000" bIns="45000" anchorCtr="0" compatLnSpc="0">
+            <a:spAutoFit/>
+          </a:bodyPr>
+          <a:lstStyle/>
+          <a:p>
+            <a:pPr marR="0" lvl="0" algn="r" rtl="1" hangingPunct="0">
+              <a:lnSpc>
+                <a:spcPct val="100000"/>
+              </a:lnSpc>
+              <a:spcBef>
+                <a:spcPts val="0"/>
+              </a:spcBef>
+              <a:spcAft>
+                <a:spcPts val="0"/>
+              </a:spcAft>
+              <a:tabLst/>
+            </a:pPr>
+            <a:r>
+              <a:rPr lang="he-IL" sz="3200" b="1" u="none" strike="noStrike" kern="1200" cap="none">
+                <a:ln>
+                  <a:noFill/>
+                </a:ln>
+                <a:latin typeface="Liberation Sans" pitchFamily="34"/>
+                <a:ea typeface="Noto Sans CJK SC Regular" pitchFamily="2"/>
+                <a:cs typeface="Liberation Sans" pitchFamily="34"/>
+              </a:rPr>
+              <a:t>הוכחה. </a:t>
+            </a:r>
+          </a:p>
+          <a:p>
+            <a:pPr marL="457200" marR="0" lvl="0" indent="-457200" algn="r" rtl="1" hangingPunct="0">
+              <a:lnSpc>
+                <a:spcPct val="100000"/>
+              </a:lnSpc>
+              <a:spcBef>
+                <a:spcPts val="0"/>
+              </a:spcBef>
+              <a:spcAft>
+                <a:spcPts val="0"/>
+              </a:spcAft>
+              <a:buFont typeface="Arial" panose="020B0604020202020204" pitchFamily="34" charset="0"/>
+              <a:buChar char="•"/>
+              <a:tabLst/>
+            </a:pPr>
+            <a:r>
+              <a:rPr lang="he-IL" sz="3200" u="none" strike="noStrike" kern="1200" cap="none">
+                <a:ln>
+                  <a:noFill/>
+                </a:ln>
+                <a:latin typeface="Liberation Sans" pitchFamily="34"/>
+                <a:ea typeface="Noto Sans CJK SC Regular" pitchFamily="2"/>
+                <a:cs typeface="Liberation Sans" pitchFamily="34"/>
+              </a:rPr>
+              <a:t>הסל של כל שחקן </a:t>
+            </a:r>
+            <a:r>
+              <a:rPr lang="en-US" sz="3200" u="none" strike="noStrike" kern="1200" cap="none">
+                <a:ln>
+                  <a:noFill/>
+                </a:ln>
+                <a:latin typeface="Liberation Sans" pitchFamily="34"/>
+                <a:ea typeface="Noto Sans CJK SC Regular" pitchFamily="2"/>
+                <a:cs typeface="Liberation Sans" pitchFamily="34"/>
+              </a:rPr>
+              <a:t>i</a:t>
+            </a:r>
+            <a:r>
+              <a:rPr lang="he-IL" sz="3200" u="none" strike="noStrike" kern="1200" cap="none">
+                <a:ln>
+                  <a:noFill/>
+                </a:ln>
+                <a:latin typeface="Liberation Sans" pitchFamily="34"/>
+                <a:ea typeface="Noto Sans CJK SC Regular" pitchFamily="2"/>
+                <a:cs typeface="Liberation Sans" pitchFamily="34"/>
+              </a:rPr>
+              <a:t> הוא הטוב ביותר עבורו מבין כל הסלים שמחירם לכל היותר </a:t>
+            </a:r>
+            <a:r>
+              <a:rPr lang="en-US" sz="3200" u="none" strike="noStrike" kern="1200" cap="none">
+                <a:ln>
+                  <a:noFill/>
+                </a:ln>
+                <a:latin typeface="Liberation Sans" pitchFamily="34"/>
+                <a:ea typeface="Noto Sans CJK SC Regular" pitchFamily="2"/>
+                <a:cs typeface="Liberation Sans" pitchFamily="34"/>
+              </a:rPr>
+              <a:t>b</a:t>
+            </a:r>
+            <a:r>
+              <a:rPr lang="en-US" sz="3200" u="none" strike="noStrike" kern="1200" cap="none" baseline="-25000">
+                <a:ln>
+                  <a:noFill/>
+                </a:ln>
+                <a:latin typeface="Liberation Sans" pitchFamily="34"/>
+                <a:ea typeface="Noto Sans CJK SC Regular" pitchFamily="2"/>
+                <a:cs typeface="Liberation Sans" pitchFamily="34"/>
+              </a:rPr>
+              <a:t>i</a:t>
+            </a:r>
+            <a:r>
+              <a:rPr lang="he-IL" sz="3200">
+                <a:latin typeface="Liberation Sans" pitchFamily="34"/>
+                <a:ea typeface="Noto Sans CJK SC Regular" pitchFamily="2"/>
+                <a:cs typeface="Liberation Sans" pitchFamily="34"/>
+              </a:rPr>
+              <a:t>.</a:t>
+            </a:r>
+          </a:p>
+          <a:p>
+            <a:pPr marL="457200" marR="0" lvl="0" indent="-457200" algn="r" rtl="1" hangingPunct="0">
+              <a:lnSpc>
+                <a:spcPct val="100000"/>
+              </a:lnSpc>
+              <a:spcBef>
+                <a:spcPts val="0"/>
+              </a:spcBef>
+              <a:spcAft>
+                <a:spcPts val="0"/>
+              </a:spcAft>
+              <a:buFont typeface="Arial" panose="020B0604020202020204" pitchFamily="34" charset="0"/>
+              <a:buChar char="•"/>
+              <a:tabLst/>
+            </a:pPr>
+            <a:r>
+              <a:rPr lang="he-IL" sz="3200">
+                <a:latin typeface="Liberation Sans" pitchFamily="34"/>
+                <a:ea typeface="Noto Sans CJK SC Regular" pitchFamily="2"/>
+                <a:cs typeface="Liberation Sans" pitchFamily="34"/>
+              </a:rPr>
+              <a:t>כיוון שלכל השחקנים יש אותו תקציב, המחיר של כל שאר הסלים הוא לכל היותר </a:t>
+            </a:r>
+            <a:r>
+              <a:rPr lang="en-US" sz="3200">
+                <a:latin typeface="Liberation Sans" pitchFamily="34"/>
+                <a:ea typeface="Noto Sans CJK SC Regular" pitchFamily="2"/>
+                <a:cs typeface="Liberation Sans" pitchFamily="34"/>
+              </a:rPr>
+              <a:t>b</a:t>
+            </a:r>
+            <a:r>
+              <a:rPr lang="en-US" sz="3200" baseline="-25000">
+                <a:latin typeface="Liberation Sans" pitchFamily="34"/>
+                <a:ea typeface="Noto Sans CJK SC Regular" pitchFamily="2"/>
+                <a:cs typeface="Liberation Sans" pitchFamily="34"/>
+              </a:rPr>
+              <a:t>i</a:t>
+            </a:r>
+            <a:r>
+              <a:rPr lang="he-IL" sz="3200">
+                <a:latin typeface="Liberation Sans" pitchFamily="34"/>
+                <a:ea typeface="Noto Sans CJK SC Regular" pitchFamily="2"/>
+                <a:cs typeface="Liberation Sans" pitchFamily="34"/>
+              </a:rPr>
+              <a:t>.</a:t>
+            </a:r>
+          </a:p>
+          <a:p>
+            <a:pPr marL="457200" marR="0" lvl="0" indent="-457200" algn="r" rtl="1" hangingPunct="0">
+              <a:lnSpc>
+                <a:spcPct val="100000"/>
+              </a:lnSpc>
+              <a:spcBef>
+                <a:spcPts val="0"/>
+              </a:spcBef>
+              <a:spcAft>
+                <a:spcPts val="0"/>
+              </a:spcAft>
+              <a:buFont typeface="Arial" panose="020B0604020202020204" pitchFamily="34" charset="0"/>
+              <a:buChar char="•"/>
+              <a:tabLst/>
+            </a:pPr>
+            <a:r>
+              <a:rPr lang="he-IL" sz="3200">
+                <a:latin typeface="Liberation Sans" pitchFamily="34"/>
+                <a:ea typeface="Noto Sans CJK SC Regular" pitchFamily="2"/>
+                <a:cs typeface="Liberation Sans" pitchFamily="34"/>
+              </a:rPr>
+              <a:t>לכן שחקן </a:t>
+            </a:r>
+            <a:r>
+              <a:rPr lang="en-US" sz="3200">
+                <a:latin typeface="Liberation Sans" pitchFamily="34"/>
+                <a:ea typeface="Noto Sans CJK SC Regular" pitchFamily="2"/>
+                <a:cs typeface="Liberation Sans" pitchFamily="34"/>
+              </a:rPr>
+              <a:t>i</a:t>
+            </a:r>
+            <a:r>
+              <a:rPr lang="he-IL" sz="3200">
+                <a:latin typeface="Liberation Sans" pitchFamily="34"/>
+                <a:ea typeface="Noto Sans CJK SC Regular" pitchFamily="2"/>
+                <a:cs typeface="Liberation Sans" pitchFamily="34"/>
+              </a:rPr>
+              <a:t> אינו מקנא.</a:t>
+            </a:r>
+          </a:p>
+        </p:txBody>
+      </p:sp>
+    </p:spTree>
+    <p:extLst>
+      <p:ext uri="{BB962C8B-B14F-4D97-AF65-F5344CB8AC3E}">
+        <p14:creationId xmlns:p14="http://schemas.microsoft.com/office/powerpoint/2010/main" val="1181909630"/>
       </p:ext>
     </p:extLst>
   </p:cSld>
@@ -31540,7 +30680,7 @@
         <p:cNvPr id="1" name="">
           <a:extLst>
             <a:ext uri="{FF2B5EF4-FFF2-40B4-BE49-F238E27FC236}">
-              <a16:creationId xmlns:a16="http://schemas.microsoft.com/office/drawing/2014/main" id="{E0109FD8-D896-3E27-7ED3-A067EB59A46C}"/>
+              <a16:creationId xmlns:a16="http://schemas.microsoft.com/office/drawing/2014/main" id="{C6CE9C1B-9375-6C08-CCD8-0346D8925225}"/>
             </a:ext>
           </a:extLst>
         </p:cNvPr>
@@ -31560,7 +30700,7 @@
           <p:cNvPr id="2" name="Title 1">
             <a:extLst>
               <a:ext uri="{FF2B5EF4-FFF2-40B4-BE49-F238E27FC236}">
-                <a16:creationId xmlns:a16="http://schemas.microsoft.com/office/drawing/2014/main" id="{C5156D86-7BFA-C00D-8A16-350C8CECA260}"/>
+                <a16:creationId xmlns:a16="http://schemas.microsoft.com/office/drawing/2014/main" id="{68EEEDDD-23E8-1D3F-49E9-9DE45D5D359C}"/>
               </a:ext>
             </a:extLst>
           </p:cNvPr>
@@ -31586,7 +30726,7 @@
               <a:rPr lang="he-IL" sz="6000">
                 <a:cs typeface="David" pitchFamily="34"/>
               </a:rPr>
-              <a:t>שיווי משקל תחרותי - הוגנות</a:t>
+              <a:t>שיווי משקל תחרותי - חישוב</a:t>
             </a:r>
           </a:p>
         </p:txBody>
@@ -31596,7 +30736,7 @@
           <p:cNvPr id="4" name="TextBox 3">
             <a:extLst>
               <a:ext uri="{FF2B5EF4-FFF2-40B4-BE49-F238E27FC236}">
-                <a16:creationId xmlns:a16="http://schemas.microsoft.com/office/drawing/2014/main" id="{18B27BE3-E773-F894-FBBA-F992621BDD4B}"/>
+                <a16:creationId xmlns:a16="http://schemas.microsoft.com/office/drawing/2014/main" id="{44CD3B88-89AD-A460-8F4A-C1223E1CC0BD}"/>
               </a:ext>
             </a:extLst>
           </p:cNvPr>
@@ -31605,8 +30745,8 @@
         </p:nvSpPr>
         <p:spPr>
           <a:xfrm>
-            <a:off x="296861" y="1074960"/>
-            <a:ext cx="9486901" cy="1506459"/>
+            <a:off x="216693" y="1074960"/>
+            <a:ext cx="9647238" cy="1978319"/>
           </a:xfrm>
           <a:prstGeom prst="rect">
             <a:avLst/>
@@ -31660,10 +30800,10 @@
                 <a:ea typeface="Noto Sans CJK SC Regular" pitchFamily="2"/>
                 <a:cs typeface="Liberation Sans" pitchFamily="34"/>
               </a:rPr>
-              <a:t>: אם לכל השחקנים יש תקציבים </a:t>
-            </a:r>
-            <a:r>
-              <a:rPr lang="he-IL" sz="3200" b="0" i="1" u="none" strike="noStrike" kern="1200" cap="none">
+              <a:t>: אם חלוקה </a:t>
+            </a:r>
+            <a:r>
+              <a:rPr lang="en-US" sz="3200" b="0" u="none" strike="noStrike" kern="1200" cap="none">
                 <a:ln>
                   <a:noFill/>
                 </a:ln>
@@ -31674,7 +30814,7 @@
                 <a:ea typeface="Noto Sans CJK SC Regular" pitchFamily="2"/>
                 <a:cs typeface="Liberation Sans" pitchFamily="34"/>
               </a:rPr>
-              <a:t>שווים</a:t>
+              <a:t>X</a:t>
             </a:r>
             <a:r>
               <a:rPr lang="he-IL" sz="3200" b="0" u="none" strike="noStrike" kern="1200" cap="none">
@@ -31688,21 +30828,7 @@
                 <a:ea typeface="Noto Sans CJK SC Regular" pitchFamily="2"/>
                 <a:cs typeface="Liberation Sans" pitchFamily="34"/>
               </a:rPr>
-              <a:t>, </a:t>
-            </a:r>
-            <a:r>
-              <a:rPr lang="he-IL" sz="3200" u="none" strike="noStrike" kern="1200" cap="none">
-                <a:ln>
-                  <a:noFill/>
-                </a:ln>
-                <a:solidFill>
-                  <a:schemeClr val="accent3"/>
-                </a:solidFill>
-                <a:latin typeface="Liberation Sans" pitchFamily="34"/>
-                <a:ea typeface="Noto Sans CJK SC Regular" pitchFamily="2"/>
-                <a:cs typeface="Liberation Sans" pitchFamily="34"/>
-              </a:rPr>
-              <a:t>ו </a:t>
+              <a:t> ממקסמת את סכום הלוגריתמים, אז קיים תימחור </a:t>
             </a:r>
             <a:r>
               <a:rPr lang="en-US" sz="3200" b="0" u="none" strike="noStrike" kern="1200" cap="none">
@@ -31716,6 +30842,34 @@
                 <a:ea typeface="Noto Sans CJK SC Regular" pitchFamily="2"/>
                 <a:cs typeface="Liberation Sans" pitchFamily="34"/>
               </a:rPr>
+              <a:t>p</a:t>
+            </a:r>
+            <a:r>
+              <a:rPr lang="he-IL" sz="3200" b="0" u="none" strike="noStrike" kern="1200" cap="none">
+                <a:ln>
+                  <a:noFill/>
+                </a:ln>
+                <a:solidFill>
+                  <a:schemeClr val="accent3"/>
+                </a:solidFill>
+                <a:latin typeface="Liberation Sans" pitchFamily="34"/>
+                <a:ea typeface="Noto Sans CJK SC Regular" pitchFamily="2"/>
+                <a:cs typeface="Liberation Sans" pitchFamily="34"/>
+              </a:rPr>
+              <a:t> כך שהזוג </a:t>
+            </a:r>
+            <a:r>
+              <a:rPr lang="en-US" sz="3200" b="0" u="none" strike="noStrike" kern="1200" cap="none">
+                <a:ln>
+                  <a:noFill/>
+                </a:ln>
+                <a:solidFill>
+                  <a:schemeClr val="accent3"/>
+                </a:solidFill>
+                <a:latin typeface="Liberation Sans" pitchFamily="34"/>
+                <a:ea typeface="Noto Sans CJK SC Regular" pitchFamily="2"/>
+                <a:cs typeface="Liberation Sans" pitchFamily="34"/>
+              </a:rPr>
               <a:t>(</a:t>
             </a:r>
             <a:r>
@@ -31786,35 +30940,7 @@
                 <a:ea typeface="Noto Sans CJK SC Regular" pitchFamily="2"/>
                 <a:cs typeface="Liberation Sans" pitchFamily="34"/>
               </a:rPr>
-              <a:t> הוא שיווי משקל תחרותי, אז החלוקה </a:t>
-            </a:r>
-            <a:r>
-              <a:rPr lang="en-US" sz="3200" b="0" u="none" strike="noStrike" kern="1200" cap="none">
-                <a:ln>
-                  <a:noFill/>
-                </a:ln>
-                <a:solidFill>
-                  <a:schemeClr val="accent3"/>
-                </a:solidFill>
-                <a:latin typeface="Liberation Sans" pitchFamily="34"/>
-                <a:ea typeface="Noto Sans CJK SC Regular" pitchFamily="2"/>
-                <a:cs typeface="Liberation Sans" pitchFamily="34"/>
-              </a:rPr>
-              <a:t>X</a:t>
-            </a:r>
-            <a:r>
-              <a:rPr lang="he-IL" sz="3200" b="0" u="none" strike="noStrike" kern="1200" cap="none">
-                <a:ln>
-                  <a:noFill/>
-                </a:ln>
-                <a:solidFill>
-                  <a:schemeClr val="accent3"/>
-                </a:solidFill>
-                <a:latin typeface="Liberation Sans" pitchFamily="34"/>
-                <a:ea typeface="Noto Sans CJK SC Regular" pitchFamily="2"/>
-                <a:cs typeface="Liberation Sans" pitchFamily="34"/>
-              </a:rPr>
-              <a:t> ללא קנאה.</a:t>
+              <a:t> הוא שיווי משקל תחרותי חסכוני עם תקציבים שוים.</a:t>
             </a:r>
           </a:p>
           <a:p>
@@ -31841,7 +30967,7 @@
                 <a:ea typeface="Noto Sans CJK SC Regular" pitchFamily="2"/>
                 <a:cs typeface="Liberation Sans" pitchFamily="34"/>
               </a:rPr>
-              <a:t>משמעות: שוק תחרותי עם תקציבים שוים הוא הוגן!</a:t>
+              <a:t>משמעות: אלגוריתם יעיל לחישוב שיווי משקל תחרותי.</a:t>
             </a:r>
             <a:endParaRPr lang="he-IL" sz="3200" b="0" i="1" u="none" strike="noStrike" kern="1200" cap="none">
               <a:ln>
@@ -31862,7 +30988,7 @@
           <p:cNvPr id="5" name="TextBox 4">
             <a:extLst>
               <a:ext uri="{FF2B5EF4-FFF2-40B4-BE49-F238E27FC236}">
-                <a16:creationId xmlns:a16="http://schemas.microsoft.com/office/drawing/2014/main" id="{8CBC0E0A-DCBE-F040-6BA5-86E456FAE3D7}"/>
+                <a16:creationId xmlns:a16="http://schemas.microsoft.com/office/drawing/2014/main" id="{5E022990-7669-2D44-E75E-D70DB157816F}"/>
               </a:ext>
             </a:extLst>
           </p:cNvPr>
@@ -31871,8 +30997,8 @@
         </p:nvSpPr>
         <p:spPr>
           <a:xfrm>
-            <a:off x="457200" y="3053279"/>
-            <a:ext cx="9486901" cy="2922039"/>
+            <a:off x="377030" y="3053279"/>
+            <a:ext cx="9486901" cy="3865758"/>
           </a:xfrm>
           <a:prstGeom prst="rect">
             <a:avLst/>
@@ -31928,67 +31054,108 @@
               <a:tabLst/>
             </a:pPr>
             <a:r>
-              <a:rPr lang="he-IL" sz="3200" u="none" strike="noStrike" kern="1200" cap="none">
-                <a:ln>
-                  <a:noFill/>
-                </a:ln>
-                <a:latin typeface="Liberation Sans" pitchFamily="34"/>
-                <a:ea typeface="Noto Sans CJK SC Regular" pitchFamily="2"/>
-                <a:cs typeface="Liberation Sans" pitchFamily="34"/>
-              </a:rPr>
-              <a:t>הסל של כל שחקן </a:t>
-            </a:r>
-            <a:r>
-              <a:rPr lang="en-US" sz="3200" u="none" strike="noStrike" kern="1200" cap="none">
-                <a:ln>
-                  <a:noFill/>
-                </a:ln>
-                <a:latin typeface="Liberation Sans" pitchFamily="34"/>
-                <a:ea typeface="Noto Sans CJK SC Regular" pitchFamily="2"/>
-                <a:cs typeface="Liberation Sans" pitchFamily="34"/>
-              </a:rPr>
-              <a:t>i</a:t>
-            </a:r>
-            <a:r>
-              <a:rPr lang="he-IL" sz="3200" u="none" strike="noStrike" kern="1200" cap="none">
-                <a:ln>
-                  <a:noFill/>
-                </a:ln>
-                <a:latin typeface="Liberation Sans" pitchFamily="34"/>
-                <a:ea typeface="Noto Sans CJK SC Regular" pitchFamily="2"/>
-                <a:cs typeface="Liberation Sans" pitchFamily="34"/>
-              </a:rPr>
-              <a:t> הוא הטוב ביותר עבורו מבין כל הסלים שמחירם לכל היותר </a:t>
-            </a:r>
-            <a:r>
-              <a:rPr lang="en-US" sz="3200" u="none" strike="noStrike" kern="1200" cap="none">
-                <a:ln>
-                  <a:noFill/>
-                </a:ln>
-                <a:latin typeface="Liberation Sans" pitchFamily="34"/>
-                <a:ea typeface="Noto Sans CJK SC Regular" pitchFamily="2"/>
-                <a:cs typeface="Liberation Sans" pitchFamily="34"/>
-              </a:rPr>
-              <a:t>b</a:t>
-            </a:r>
-            <a:r>
-              <a:rPr lang="en-US" sz="3200" u="none" strike="noStrike" kern="1200" cap="none" baseline="-25000">
-                <a:ln>
-                  <a:noFill/>
-                </a:ln>
-                <a:latin typeface="Liberation Sans" pitchFamily="34"/>
-                <a:ea typeface="Noto Sans CJK SC Regular" pitchFamily="2"/>
-                <a:cs typeface="Liberation Sans" pitchFamily="34"/>
-              </a:rPr>
-              <a:t>i</a:t>
-            </a:r>
-            <a:r>
               <a:rPr lang="he-IL" sz="3200">
                 <a:latin typeface="Liberation Sans" pitchFamily="34"/>
                 <a:ea typeface="Noto Sans CJK SC Regular" pitchFamily="2"/>
                 <a:cs typeface="Liberation Sans" pitchFamily="34"/>
               </a:rPr>
-              <a:t>.</a:t>
+              <a:t>בחלוקה הממקסמת את סכום הלוגריתמים, כל משאב </a:t>
+            </a:r>
+            <a:r>
+              <a:rPr lang="en-US" sz="3200">
+                <a:latin typeface="Liberation Sans" pitchFamily="34"/>
+                <a:ea typeface="Noto Sans CJK SC Regular" pitchFamily="2"/>
+                <a:cs typeface="Liberation Sans" pitchFamily="34"/>
+              </a:rPr>
+              <a:t>r</a:t>
+            </a:r>
+            <a:r>
+              <a:rPr lang="he-IL" sz="3200">
+                <a:latin typeface="Liberation Sans" pitchFamily="34"/>
+                <a:ea typeface="Noto Sans CJK SC Regular" pitchFamily="2"/>
+                <a:cs typeface="Liberation Sans" pitchFamily="34"/>
+              </a:rPr>
+              <a:t> ניתן לשחקן </a:t>
+            </a:r>
+            <a:r>
+              <a:rPr lang="en-US" sz="3200">
+                <a:latin typeface="Liberation Sans" pitchFamily="34"/>
+                <a:ea typeface="Noto Sans CJK SC Regular" pitchFamily="2"/>
+                <a:cs typeface="Liberation Sans" pitchFamily="34"/>
+              </a:rPr>
+              <a:t>j</a:t>
+            </a:r>
+            <a:r>
+              <a:rPr lang="he-IL" sz="3200">
+                <a:latin typeface="Liberation Sans" pitchFamily="34"/>
+                <a:ea typeface="Noto Sans CJK SC Regular" pitchFamily="2"/>
+                <a:cs typeface="Liberation Sans" pitchFamily="34"/>
+              </a:rPr>
+              <a:t> כלשהו, שעבורו המנה </a:t>
+            </a:r>
+            <a:r>
+              <a:rPr lang="en-US" sz="3200">
+                <a:latin typeface="Liberation Sans" pitchFamily="34"/>
+                <a:ea typeface="Noto Sans CJK SC Regular" pitchFamily="2"/>
+                <a:cs typeface="Liberation Sans" pitchFamily="34"/>
+              </a:rPr>
+              <a:t>v</a:t>
+            </a:r>
+            <a:r>
+              <a:rPr lang="en-US" sz="3200" baseline="-25000">
+                <a:latin typeface="Liberation Sans" pitchFamily="34"/>
+                <a:ea typeface="Noto Sans CJK SC Regular" pitchFamily="2"/>
+                <a:cs typeface="Liberation Sans" pitchFamily="34"/>
+              </a:rPr>
+              <a:t>j</a:t>
+            </a:r>
+            <a:r>
+              <a:rPr lang="en-US" sz="3200">
+                <a:latin typeface="Liberation Sans" pitchFamily="34"/>
+                <a:ea typeface="Noto Sans CJK SC Regular" pitchFamily="2"/>
+                <a:cs typeface="Liberation Sans" pitchFamily="34"/>
+              </a:rPr>
+              <a:t>(r)/v</a:t>
+            </a:r>
+            <a:r>
+              <a:rPr lang="en-US" sz="3200" baseline="-25000">
+                <a:latin typeface="Liberation Sans" pitchFamily="34"/>
+                <a:ea typeface="Noto Sans CJK SC Regular" pitchFamily="2"/>
+                <a:cs typeface="Liberation Sans" pitchFamily="34"/>
+              </a:rPr>
+              <a:t>j</a:t>
+            </a:r>
+            <a:r>
+              <a:rPr lang="en-US" sz="3200">
+                <a:latin typeface="Liberation Sans" pitchFamily="34"/>
+                <a:ea typeface="Noto Sans CJK SC Regular" pitchFamily="2"/>
+                <a:cs typeface="Liberation Sans" pitchFamily="34"/>
+              </a:rPr>
+              <a:t>(X</a:t>
+            </a:r>
+            <a:r>
+              <a:rPr lang="en-US" sz="3200" baseline="-25000">
+                <a:latin typeface="Liberation Sans" pitchFamily="34"/>
+                <a:ea typeface="Noto Sans CJK SC Regular" pitchFamily="2"/>
+                <a:cs typeface="Liberation Sans" pitchFamily="34"/>
+              </a:rPr>
+              <a:t>j</a:t>
+            </a:r>
+            <a:r>
+              <a:rPr lang="en-US" sz="3200">
+                <a:latin typeface="Liberation Sans" pitchFamily="34"/>
+                <a:ea typeface="Noto Sans CJK SC Regular" pitchFamily="2"/>
+                <a:cs typeface="Liberation Sans" pitchFamily="34"/>
+              </a:rPr>
+              <a:t>) </a:t>
+            </a:r>
+            <a:r>
+              <a:rPr lang="he-IL" sz="3200">
+                <a:latin typeface="Liberation Sans" pitchFamily="34"/>
+                <a:ea typeface="Noto Sans CJK SC Regular" pitchFamily="2"/>
+                <a:cs typeface="Liberation Sans" pitchFamily="34"/>
+              </a:rPr>
+              <a:t> גדולה ביותר.</a:t>
             </a:r>
           </a:p>
           <a:p>
@@ -32008,30 +31175,141 @@
             </a:pPr>
             <a:r>
               <a:rPr lang="he-IL" sz="3200">
-                <a:latin typeface="Liberation Sans" pitchFamily="34"/>
-                <a:ea typeface="Noto Sans CJK SC Regular" pitchFamily="2"/>
-                <a:cs typeface="Liberation Sans" pitchFamily="34"/>
-              </a:rPr>
-              <a:t>כיוון שלכל השחקנים יש אותו תקציב, המחיר של כל שאר הסלים הוא לכל היותר </a:t>
+                <a:solidFill>
+                  <a:schemeClr val="accent1"/>
+                </a:solidFill>
+                <a:latin typeface="Liberation Sans" pitchFamily="34"/>
+                <a:ea typeface="Noto Sans CJK SC Regular" pitchFamily="2"/>
+                <a:cs typeface="Liberation Sans" pitchFamily="34"/>
+              </a:rPr>
+              <a:t>נגדיר מחירים: </a:t>
             </a:r>
             <a:r>
               <a:rPr lang="en-US" sz="3200">
-                <a:latin typeface="Liberation Sans" pitchFamily="34"/>
-                <a:ea typeface="Noto Sans CJK SC Regular" pitchFamily="2"/>
-                <a:cs typeface="Liberation Sans" pitchFamily="34"/>
-              </a:rPr>
-              <a:t>b</a:t>
+                <a:solidFill>
+                  <a:schemeClr val="accent1"/>
+                </a:solidFill>
+                <a:latin typeface="Liberation Sans" pitchFamily="34"/>
+                <a:ea typeface="Noto Sans CJK SC Regular" pitchFamily="2"/>
+                <a:cs typeface="Liberation Sans" pitchFamily="34"/>
+              </a:rPr>
+              <a:t>  p(r) = v</a:t>
             </a:r>
             <a:r>
               <a:rPr lang="en-US" sz="3200" baseline="-25000">
-                <a:latin typeface="Liberation Sans" pitchFamily="34"/>
-                <a:ea typeface="Noto Sans CJK SC Regular" pitchFamily="2"/>
-                <a:cs typeface="Liberation Sans" pitchFamily="34"/>
-              </a:rPr>
-              <a:t>i</a:t>
+                <a:solidFill>
+                  <a:schemeClr val="accent1"/>
+                </a:solidFill>
+                <a:latin typeface="Liberation Sans" pitchFamily="34"/>
+                <a:ea typeface="Noto Sans CJK SC Regular" pitchFamily="2"/>
+                <a:cs typeface="Liberation Sans" pitchFamily="34"/>
+              </a:rPr>
+              <a:t>j</a:t>
+            </a:r>
+            <a:r>
+              <a:rPr lang="en-US" sz="3200">
+                <a:solidFill>
+                  <a:schemeClr val="accent1"/>
+                </a:solidFill>
+                <a:latin typeface="Liberation Sans" pitchFamily="34"/>
+                <a:ea typeface="Noto Sans CJK SC Regular" pitchFamily="2"/>
+                <a:cs typeface="Liberation Sans" pitchFamily="34"/>
+              </a:rPr>
+              <a:t>(r)/v</a:t>
+            </a:r>
+            <a:r>
+              <a:rPr lang="en-US" sz="3200" baseline="-25000">
+                <a:solidFill>
+                  <a:schemeClr val="accent1"/>
+                </a:solidFill>
+                <a:latin typeface="Liberation Sans" pitchFamily="34"/>
+                <a:ea typeface="Noto Sans CJK SC Regular" pitchFamily="2"/>
+                <a:cs typeface="Liberation Sans" pitchFamily="34"/>
+              </a:rPr>
+              <a:t>j</a:t>
+            </a:r>
+            <a:r>
+              <a:rPr lang="en-US" sz="3200">
+                <a:solidFill>
+                  <a:schemeClr val="accent1"/>
+                </a:solidFill>
+                <a:latin typeface="Liberation Sans" pitchFamily="34"/>
+                <a:ea typeface="Noto Sans CJK SC Regular" pitchFamily="2"/>
+                <a:cs typeface="Liberation Sans" pitchFamily="34"/>
+              </a:rPr>
+              <a:t>(X</a:t>
+            </a:r>
+            <a:r>
+              <a:rPr lang="en-US" sz="3200" baseline="-25000">
+                <a:solidFill>
+                  <a:schemeClr val="accent1"/>
+                </a:solidFill>
+                <a:latin typeface="Liberation Sans" pitchFamily="34"/>
+                <a:ea typeface="Noto Sans CJK SC Regular" pitchFamily="2"/>
+                <a:cs typeface="Liberation Sans" pitchFamily="34"/>
+              </a:rPr>
+              <a:t>j</a:t>
+            </a:r>
+            <a:r>
+              <a:rPr lang="en-US" sz="3200">
+                <a:solidFill>
+                  <a:schemeClr val="accent1"/>
+                </a:solidFill>
+                <a:latin typeface="Liberation Sans" pitchFamily="34"/>
+                <a:ea typeface="Noto Sans CJK SC Regular" pitchFamily="2"/>
+                <a:cs typeface="Liberation Sans" pitchFamily="34"/>
+              </a:rPr>
+              <a:t>)</a:t>
             </a:r>
             <a:r>
               <a:rPr lang="he-IL" sz="3200">
+                <a:solidFill>
+                  <a:schemeClr val="accent1"/>
+                </a:solidFill>
+                <a:latin typeface="Liberation Sans" pitchFamily="34"/>
+                <a:ea typeface="Noto Sans CJK SC Regular" pitchFamily="2"/>
+                <a:cs typeface="Liberation Sans" pitchFamily="34"/>
+              </a:rPr>
+              <a:t>כאשר </a:t>
+            </a:r>
+            <a:r>
+              <a:rPr lang="en-US" sz="3200">
+                <a:solidFill>
+                  <a:schemeClr val="accent1"/>
+                </a:solidFill>
+                <a:latin typeface="Liberation Sans" pitchFamily="34"/>
+                <a:ea typeface="Noto Sans CJK SC Regular" pitchFamily="2"/>
+                <a:cs typeface="Liberation Sans" pitchFamily="34"/>
+              </a:rPr>
+              <a:t>j</a:t>
+            </a:r>
+            <a:r>
+              <a:rPr lang="he-IL" sz="3200">
+                <a:solidFill>
+                  <a:schemeClr val="accent1"/>
+                </a:solidFill>
+                <a:latin typeface="Liberation Sans" pitchFamily="34"/>
+                <a:ea typeface="Noto Sans CJK SC Regular" pitchFamily="2"/>
+                <a:cs typeface="Liberation Sans" pitchFamily="34"/>
+              </a:rPr>
+              <a:t> הוא שחקן כלשהו המקבל כמות חיובית של משאב </a:t>
+            </a:r>
+            <a:r>
+              <a:rPr lang="en-US" sz="3200">
+                <a:solidFill>
+                  <a:schemeClr val="accent1"/>
+                </a:solidFill>
+                <a:latin typeface="Liberation Sans" pitchFamily="34"/>
+                <a:ea typeface="Noto Sans CJK SC Regular" pitchFamily="2"/>
+                <a:cs typeface="Liberation Sans" pitchFamily="34"/>
+              </a:rPr>
+              <a:t>r</a:t>
+            </a:r>
+            <a:r>
+              <a:rPr lang="he-IL" sz="3200">
+                <a:solidFill>
+                  <a:schemeClr val="accent1"/>
+                </a:solidFill>
                 <a:latin typeface="Liberation Sans" pitchFamily="34"/>
                 <a:ea typeface="Noto Sans CJK SC Regular" pitchFamily="2"/>
                 <a:cs typeface="Liberation Sans" pitchFamily="34"/>
@@ -32060,7 +31338,7 @@
                 <a:ea typeface="Noto Sans CJK SC Regular" pitchFamily="2"/>
                 <a:cs typeface="Liberation Sans" pitchFamily="34"/>
               </a:rPr>
-              <a:t>לכן שחקן </a:t>
+              <a:t>נוכיח שהזוג </a:t>
             </a:r>
             <a:r>
               <a:rPr lang="en-US" sz="3200">
@@ -32068,7 +31346,7 @@
                 <a:ea typeface="Noto Sans CJK SC Regular" pitchFamily="2"/>
                 <a:cs typeface="Liberation Sans" pitchFamily="34"/>
               </a:rPr>
-              <a:t>i</a:t>
+              <a:t>(X,p)</a:t>
             </a:r>
             <a:r>
               <a:rPr lang="he-IL" sz="3200">
@@ -32076,15 +31354,51 @@
                 <a:ea typeface="Noto Sans CJK SC Regular" pitchFamily="2"/>
                 <a:cs typeface="Liberation Sans" pitchFamily="34"/>
               </a:rPr>
-              <a:t> אינו מקנא.</a:t>
-            </a:r>
+              <a:t> הוא ש"מ תחרותי עם תקציבים = 1.</a:t>
+            </a:r>
+          </a:p>
+          <a:p>
+            <a:pPr marR="0" lvl="0" rtl="1" hangingPunct="0">
+              <a:lnSpc>
+                <a:spcPct val="100000"/>
+              </a:lnSpc>
+              <a:spcBef>
+                <a:spcPts val="0"/>
+              </a:spcBef>
+              <a:spcAft>
+                <a:spcPts val="0"/>
+              </a:spcAft>
+              <a:tabLst/>
+            </a:pPr>
+            <a:r>
+              <a:rPr lang="he-IL" sz="3200" i="1">
+                <a:latin typeface="Liberation Sans" pitchFamily="34"/>
+                <a:ea typeface="Noto Sans CJK SC Regular" pitchFamily="2"/>
+                <a:cs typeface="Liberation Sans" pitchFamily="34"/>
+              </a:rPr>
+              <a:t>המשך </a:t>
+            </a:r>
+            <a:r>
+              <a:rPr lang="he-IL" sz="3200" i="1">
+                <a:latin typeface="Liberation Sans" pitchFamily="34"/>
+                <a:ea typeface="Noto Sans CJK SC Regular" pitchFamily="2"/>
+                <a:cs typeface="Liberation Sans" pitchFamily="34"/>
+                <a:sym typeface="Wingdings" panose="05000000000000000000" pitchFamily="2" charset="2"/>
+              </a:rPr>
+              <a:t></a:t>
+            </a:r>
+            <a:endParaRPr lang="he-IL" sz="3200" i="1">
+              <a:latin typeface="Liberation Sans" pitchFamily="34"/>
+              <a:ea typeface="Noto Sans CJK SC Regular" pitchFamily="2"/>
+              <a:cs typeface="Liberation Sans" pitchFamily="34"/>
+            </a:endParaRPr>
           </a:p>
         </p:txBody>
       </p:sp>
     </p:spTree>
     <p:extLst>
       <p:ext uri="{BB962C8B-B14F-4D97-AF65-F5344CB8AC3E}">
-        <p14:creationId xmlns:p14="http://schemas.microsoft.com/office/powerpoint/2010/main" val="1181909630"/>
+        <p14:creationId xmlns:p14="http://schemas.microsoft.com/office/powerpoint/2010/main" val="282841854"/>
       </p:ext>
     </p:extLst>
   </p:cSld>
